--- a/wiki/coursecreation/Mockups-Course-Creator.pptx
+++ b/wiki/coursecreation/Mockups-Course-Creator.pptx
@@ -2781,7 +2781,139 @@
               <a:rPr b="0" lang="en-US" sz="1800" spc="-1" strike="noStrike">
                 <a:latin typeface="Arial"/>
               </a:rPr>
-              <a:t>Click to edit the title text format</a:t>
+              <a:t>C</a:t>
+            </a:r>
+            <a:r>
+              <a:rPr b="0" lang="en-US" sz="1800" spc="-1" strike="noStrike">
+                <a:latin typeface="Arial"/>
+              </a:rPr>
+              <a:t>li</a:t>
+            </a:r>
+            <a:r>
+              <a:rPr b="0" lang="en-US" sz="1800" spc="-1" strike="noStrike">
+                <a:latin typeface="Arial"/>
+              </a:rPr>
+              <a:t>c</a:t>
+            </a:r>
+            <a:r>
+              <a:rPr b="0" lang="en-US" sz="1800" spc="-1" strike="noStrike">
+                <a:latin typeface="Arial"/>
+              </a:rPr>
+              <a:t>k </a:t>
+            </a:r>
+            <a:r>
+              <a:rPr b="0" lang="en-US" sz="1800" spc="-1" strike="noStrike">
+                <a:latin typeface="Arial"/>
+              </a:rPr>
+              <a:t>t</a:t>
+            </a:r>
+            <a:r>
+              <a:rPr b="0" lang="en-US" sz="1800" spc="-1" strike="noStrike">
+                <a:latin typeface="Arial"/>
+              </a:rPr>
+              <a:t>o </a:t>
+            </a:r>
+            <a:r>
+              <a:rPr b="0" lang="en-US" sz="1800" spc="-1" strike="noStrike">
+                <a:latin typeface="Arial"/>
+              </a:rPr>
+              <a:t>e</a:t>
+            </a:r>
+            <a:r>
+              <a:rPr b="0" lang="en-US" sz="1800" spc="-1" strike="noStrike">
+                <a:latin typeface="Arial"/>
+              </a:rPr>
+              <a:t>di</a:t>
+            </a:r>
+            <a:r>
+              <a:rPr b="0" lang="en-US" sz="1800" spc="-1" strike="noStrike">
+                <a:latin typeface="Arial"/>
+              </a:rPr>
+              <a:t>t </a:t>
+            </a:r>
+            <a:r>
+              <a:rPr b="0" lang="en-US" sz="1800" spc="-1" strike="noStrike">
+                <a:latin typeface="Arial"/>
+              </a:rPr>
+              <a:t>t</a:t>
+            </a:r>
+            <a:r>
+              <a:rPr b="0" lang="en-US" sz="1800" spc="-1" strike="noStrike">
+                <a:latin typeface="Arial"/>
+              </a:rPr>
+              <a:t>h</a:t>
+            </a:r>
+            <a:r>
+              <a:rPr b="0" lang="en-US" sz="1800" spc="-1" strike="noStrike">
+                <a:latin typeface="Arial"/>
+              </a:rPr>
+              <a:t>e </a:t>
+            </a:r>
+            <a:r>
+              <a:rPr b="0" lang="en-US" sz="1800" spc="-1" strike="noStrike">
+                <a:latin typeface="Arial"/>
+              </a:rPr>
+              <a:t>tit</a:t>
+            </a:r>
+            <a:r>
+              <a:rPr b="0" lang="en-US" sz="1800" spc="-1" strike="noStrike">
+                <a:latin typeface="Arial"/>
+              </a:rPr>
+              <a:t>le </a:t>
+            </a:r>
+            <a:r>
+              <a:rPr b="0" lang="en-US" sz="1800" spc="-1" strike="noStrike">
+                <a:latin typeface="Arial"/>
+              </a:rPr>
+              <a:t>t</a:t>
+            </a:r>
+            <a:r>
+              <a:rPr b="0" lang="en-US" sz="1800" spc="-1" strike="noStrike">
+                <a:latin typeface="Arial"/>
+              </a:rPr>
+              <a:t>e</a:t>
+            </a:r>
+            <a:r>
+              <a:rPr b="0" lang="en-US" sz="1800" spc="-1" strike="noStrike">
+                <a:latin typeface="Arial"/>
+              </a:rPr>
+              <a:t>xt </a:t>
+            </a:r>
+            <a:r>
+              <a:rPr b="0" lang="en-US" sz="1800" spc="-1" strike="noStrike">
+                <a:latin typeface="Arial"/>
+              </a:rPr>
+              <a:t>f</a:t>
+            </a:r>
+            <a:r>
+              <a:rPr b="0" lang="en-US" sz="1800" spc="-1" strike="noStrike">
+                <a:latin typeface="Arial"/>
+              </a:rPr>
+              <a:t>o</a:t>
+            </a:r>
+            <a:r>
+              <a:rPr b="0" lang="en-US" sz="1800" spc="-1" strike="noStrike">
+                <a:latin typeface="Arial"/>
+              </a:rPr>
+              <a:t>r</a:t>
+            </a:r>
+            <a:r>
+              <a:rPr b="0" lang="en-US" sz="1800" spc="-1" strike="noStrike">
+                <a:latin typeface="Arial"/>
+              </a:rPr>
+              <a:t>m</a:t>
+            </a:r>
+            <a:r>
+              <a:rPr b="0" lang="en-US" sz="1800" spc="-1" strike="noStrike">
+                <a:latin typeface="Arial"/>
+              </a:rPr>
+              <a:t>a</a:t>
+            </a:r>
+            <a:r>
+              <a:rPr b="0" lang="en-US" sz="1800" spc="-1" strike="noStrike">
+                <a:latin typeface="Arial"/>
+              </a:rPr>
+              <a:t>t</a:t>
             </a:r>
             <a:endParaRPr b="0" lang="en-US" sz="1800" spc="-1" strike="noStrike">
               <a:latin typeface="Arial"/>
@@ -3040,7 +3172,211 @@
               <a:rPr b="0" lang="en-US" sz="1800" spc="-1" strike="noStrike">
                 <a:latin typeface="Arial"/>
               </a:rPr>
-              <a:t>Click to edit the title text format</a:t>
+              <a:t>C</a:t>
+            </a:r>
+            <a:r>
+              <a:rPr b="0" lang="en-US" sz="1800" spc="-1" strike="noStrike">
+                <a:latin typeface="Arial"/>
+              </a:rPr>
+              <a:t>l</a:t>
+            </a:r>
+            <a:r>
+              <a:rPr b="0" lang="en-US" sz="1800" spc="-1" strike="noStrike">
+                <a:latin typeface="Arial"/>
+              </a:rPr>
+              <a:t>i</a:t>
+            </a:r>
+            <a:r>
+              <a:rPr b="0" lang="en-US" sz="1800" spc="-1" strike="noStrike">
+                <a:latin typeface="Arial"/>
+              </a:rPr>
+              <a:t>c</a:t>
+            </a:r>
+            <a:r>
+              <a:rPr b="0" lang="en-US" sz="1800" spc="-1" strike="noStrike">
+                <a:latin typeface="Arial"/>
+              </a:rPr>
+              <a:t>k</a:t>
+            </a:r>
+            <a:r>
+              <a:rPr b="0" lang="en-US" sz="1800" spc="-1" strike="noStrike">
+                <a:latin typeface="Arial"/>
+              </a:rPr>
+              <a:t> </a:t>
+            </a:r>
+            <a:r>
+              <a:rPr b="0" lang="en-US" sz="1800" spc="-1" strike="noStrike">
+                <a:latin typeface="Arial"/>
+              </a:rPr>
+              <a:t>t</a:t>
+            </a:r>
+            <a:r>
+              <a:rPr b="0" lang="en-US" sz="1800" spc="-1" strike="noStrike">
+                <a:latin typeface="Arial"/>
+              </a:rPr>
+              <a:t>o</a:t>
+            </a:r>
+            <a:r>
+              <a:rPr b="0" lang="en-US" sz="1800" spc="-1" strike="noStrike">
+                <a:latin typeface="Arial"/>
+              </a:rPr>
+              <a:t> </a:t>
+            </a:r>
+            <a:r>
+              <a:rPr b="0" lang="en-US" sz="1800" spc="-1" strike="noStrike">
+                <a:latin typeface="Arial"/>
+              </a:rPr>
+              <a:t>e</a:t>
+            </a:r>
+            <a:r>
+              <a:rPr b="0" lang="en-US" sz="1800" spc="-1" strike="noStrike">
+                <a:latin typeface="Arial"/>
+              </a:rPr>
+              <a:t>d</a:t>
+            </a:r>
+            <a:r>
+              <a:rPr b="0" lang="en-US" sz="1800" spc="-1" strike="noStrike">
+                <a:latin typeface="Arial"/>
+              </a:rPr>
+              <a:t>i</a:t>
+            </a:r>
+            <a:r>
+              <a:rPr b="0" lang="en-US" sz="1800" spc="-1" strike="noStrike">
+                <a:latin typeface="Arial"/>
+              </a:rPr>
+              <a:t>t</a:t>
+            </a:r>
+            <a:r>
+              <a:rPr b="0" lang="en-US" sz="1800" spc="-1" strike="noStrike">
+                <a:latin typeface="Arial"/>
+              </a:rPr>
+              <a:t> </a:t>
+            </a:r>
+            <a:r>
+              <a:rPr b="0" lang="en-US" sz="1800" spc="-1" strike="noStrike">
+                <a:latin typeface="Arial"/>
+              </a:rPr>
+              <a:t>t</a:t>
+            </a:r>
+            <a:r>
+              <a:rPr b="0" lang="en-US" sz="1800" spc="-1" strike="noStrike">
+                <a:latin typeface="Arial"/>
+              </a:rPr>
+              <a:t>h</a:t>
+            </a:r>
+            <a:r>
+              <a:rPr b="0" lang="en-US" sz="1800" spc="-1" strike="noStrike">
+                <a:latin typeface="Arial"/>
+              </a:rPr>
+              <a:t>e</a:t>
+            </a:r>
+            <a:r>
+              <a:rPr b="0" lang="en-US" sz="1800" spc="-1" strike="noStrike">
+                <a:latin typeface="Arial"/>
+              </a:rPr>
+              <a:t> </a:t>
+            </a:r>
+            <a:r>
+              <a:rPr b="0" lang="en-US" sz="1800" spc="-1" strike="noStrike">
+                <a:latin typeface="Arial"/>
+              </a:rPr>
+              <a:t>t</a:t>
+            </a:r>
+            <a:r>
+              <a:rPr b="0" lang="en-US" sz="1800" spc="-1" strike="noStrike">
+                <a:latin typeface="Arial"/>
+              </a:rPr>
+              <a:t>i</a:t>
+            </a:r>
+            <a:r>
+              <a:rPr b="0" lang="en-US" sz="1800" spc="-1" strike="noStrike">
+                <a:latin typeface="Arial"/>
+              </a:rPr>
+              <a:t>t</a:t>
+            </a:r>
+            <a:r>
+              <a:rPr b="0" lang="en-US" sz="1800" spc="-1" strike="noStrike">
+                <a:latin typeface="Arial"/>
+              </a:rPr>
+              <a:t>l</a:t>
+            </a:r>
+            <a:r>
+              <a:rPr b="0" lang="en-US" sz="1800" spc="-1" strike="noStrike">
+                <a:latin typeface="Arial"/>
+              </a:rPr>
+              <a:t>e</a:t>
+            </a:r>
+            <a:r>
+              <a:rPr b="0" lang="en-US" sz="1800" spc="-1" strike="noStrike">
+                <a:latin typeface="Arial"/>
+              </a:rPr>
+              <a:t> </a:t>
+            </a:r>
+            <a:r>
+              <a:rPr b="0" lang="en-US" sz="1800" spc="-1" strike="noStrike">
+                <a:latin typeface="Arial"/>
+              </a:rPr>
+              <a:t>t</a:t>
+            </a:r>
+            <a:r>
+              <a:rPr b="0" lang="en-US" sz="1800" spc="-1" strike="noStrike">
+                <a:latin typeface="Arial"/>
+              </a:rPr>
+              <a:t>e</a:t>
+            </a:r>
+            <a:r>
+              <a:rPr b="0" lang="en-US" sz="1800" spc="-1" strike="noStrike">
+                <a:latin typeface="Arial"/>
+              </a:rPr>
+              <a:t>x</a:t>
+            </a:r>
+            <a:r>
+              <a:rPr b="0" lang="en-US" sz="1800" spc="-1" strike="noStrike">
+                <a:latin typeface="Arial"/>
+              </a:rPr>
+              <a:t>t</a:t>
+            </a:r>
+            <a:r>
+              <a:rPr b="0" lang="en-US" sz="1800" spc="-1" strike="noStrike">
+                <a:latin typeface="Arial"/>
+              </a:rPr>
+              <a:t> </a:t>
+            </a:r>
+            <a:r>
+              <a:rPr b="0" lang="en-US" sz="1800" spc="-1" strike="noStrike">
+                <a:latin typeface="Arial"/>
+              </a:rPr>
+              <a:t>f</a:t>
+            </a:r>
+            <a:r>
+              <a:rPr b="0" lang="en-US" sz="1800" spc="-1" strike="noStrike">
+                <a:latin typeface="Arial"/>
+              </a:rPr>
+              <a:t>o</a:t>
+            </a:r>
+            <a:r>
+              <a:rPr b="0" lang="en-US" sz="1800" spc="-1" strike="noStrike">
+                <a:latin typeface="Arial"/>
+              </a:rPr>
+              <a:t>r</a:t>
+            </a:r>
+            <a:r>
+              <a:rPr b="0" lang="en-US" sz="1800" spc="-1" strike="noStrike">
+                <a:latin typeface="Arial"/>
+              </a:rPr>
+              <a:t>m</a:t>
+            </a:r>
+            <a:r>
+              <a:rPr b="0" lang="en-US" sz="1800" spc="-1" strike="noStrike">
+                <a:latin typeface="Arial"/>
+              </a:rPr>
+              <a:t>a</a:t>
+            </a:r>
+            <a:r>
+              <a:rPr b="0" lang="en-US" sz="1800" spc="-1" strike="noStrike">
+                <a:latin typeface="Arial"/>
+              </a:rPr>
+              <a:t>t</a:t>
             </a:r>
             <a:endParaRPr b="0" lang="en-US" sz="1800" spc="-1" strike="noStrike">
               <a:latin typeface="Arial"/>
@@ -26872,7 +27208,19 @@
                 <a:rPr b="0" lang="en-US" sz="1100" spc="-1" strike="noStrike">
                   <a:latin typeface="Arial"/>
                 </a:rPr>
-                <a:t>Gate</a:t>
+                <a:t>G</a:t>
+              </a:r>
+              <a:r>
+                <a:rPr b="0" lang="en-US" sz="1100" spc="-1" strike="noStrike">
+                  <a:latin typeface="Arial"/>
+                </a:rPr>
+                <a:t>at</a:t>
+              </a:r>
+              <a:r>
+                <a:rPr b="0" lang="en-US" sz="1100" spc="-1" strike="noStrike">
+                  <a:latin typeface="Arial"/>
+                </a:rPr>
+                <a:t>e</a:t>
               </a:r>
               <a:endParaRPr b="0" lang="en-US" sz="1100" spc="-1" strike="noStrike">
                 <a:latin typeface="Arial"/>
@@ -27756,7 +28104,31 @@
                 <a:rPr b="0" lang="en-US" sz="1800" spc="-1" strike="noStrike">
                   <a:latin typeface="Arial"/>
                 </a:rPr>
-                <a:t>Store</a:t>
+                <a:t>S</a:t>
+              </a:r>
+              <a:r>
+                <a:rPr b="0" lang="en-US" sz="1800" spc="-1" strike="noStrike">
+                  <a:latin typeface="Arial"/>
+                </a:rPr>
+                <a:t>t</a:t>
+              </a:r>
+              <a:r>
+                <a:rPr b="0" lang="en-US" sz="1800" spc="-1" strike="noStrike">
+                  <a:latin typeface="Arial"/>
+                </a:rPr>
+                <a:t>o</a:t>
+              </a:r>
+              <a:r>
+                <a:rPr b="0" lang="en-US" sz="1800" spc="-1" strike="noStrike">
+                  <a:latin typeface="Arial"/>
+                </a:rPr>
+                <a:t>r</a:t>
+              </a:r>
+              <a:r>
+                <a:rPr b="0" lang="en-US" sz="1800" spc="-1" strike="noStrike">
+                  <a:latin typeface="Arial"/>
+                </a:rPr>
+                <a:t>e</a:t>
               </a:r>
               <a:endParaRPr b="0" lang="en-US" sz="1800" spc="-1" strike="noStrike">
                 <a:latin typeface="Arial"/>
@@ -34025,7 +34397,13 @@
               <a:rPr b="0" lang="en-US" sz="1800" spc="-1" strike="noStrike">
                 <a:latin typeface="Arial"/>
               </a:rPr>
-              <a:t>Yellow Bubble</a:t>
+              <a:t>Yellow </a:t>
+            </a:r>
+            <a:r>
+              <a:rPr b="0" lang="en-US" sz="1800" spc="-1" strike="noStrike">
+                <a:latin typeface="Arial"/>
+              </a:rPr>
+              <a:t>Bubble</a:t>
             </a:r>
             <a:endParaRPr b="0" lang="en-US" sz="1800" spc="-1" strike="noStrike">
               <a:latin typeface="Arial"/>

--- a/wiki/coursecreation/Mockups-Course-Creator.pptx
+++ b/wiki/coursecreation/Mockups-Course-Creator.pptx
@@ -2784,211 +2784,7 @@
               <a:rPr b="0" lang="en-US" sz="1800" spc="-1" strike="noStrike">
                 <a:latin typeface="Arial"/>
               </a:rPr>
-              <a:t>C</a:t>
-            </a:r>
-            <a:r>
-              <a:rPr b="0" lang="en-US" sz="1800" spc="-1" strike="noStrike">
-                <a:latin typeface="Arial"/>
-              </a:rPr>
-              <a:t>l</a:t>
-            </a:r>
-            <a:r>
-              <a:rPr b="0" lang="en-US" sz="1800" spc="-1" strike="noStrike">
-                <a:latin typeface="Arial"/>
-              </a:rPr>
-              <a:t>i</a:t>
-            </a:r>
-            <a:r>
-              <a:rPr b="0" lang="en-US" sz="1800" spc="-1" strike="noStrike">
-                <a:latin typeface="Arial"/>
-              </a:rPr>
-              <a:t>c</a:t>
-            </a:r>
-            <a:r>
-              <a:rPr b="0" lang="en-US" sz="1800" spc="-1" strike="noStrike">
-                <a:latin typeface="Arial"/>
-              </a:rPr>
-              <a:t>k</a:t>
-            </a:r>
-            <a:r>
-              <a:rPr b="0" lang="en-US" sz="1800" spc="-1" strike="noStrike">
-                <a:latin typeface="Arial"/>
-              </a:rPr>
-              <a:t> </a:t>
-            </a:r>
-            <a:r>
-              <a:rPr b="0" lang="en-US" sz="1800" spc="-1" strike="noStrike">
-                <a:latin typeface="Arial"/>
-              </a:rPr>
-              <a:t>t</a:t>
-            </a:r>
-            <a:r>
-              <a:rPr b="0" lang="en-US" sz="1800" spc="-1" strike="noStrike">
-                <a:latin typeface="Arial"/>
-              </a:rPr>
-              <a:t>o</a:t>
-            </a:r>
-            <a:r>
-              <a:rPr b="0" lang="en-US" sz="1800" spc="-1" strike="noStrike">
-                <a:latin typeface="Arial"/>
-              </a:rPr>
-              <a:t> </a:t>
-            </a:r>
-            <a:r>
-              <a:rPr b="0" lang="en-US" sz="1800" spc="-1" strike="noStrike">
-                <a:latin typeface="Arial"/>
-              </a:rPr>
-              <a:t>e</a:t>
-            </a:r>
-            <a:r>
-              <a:rPr b="0" lang="en-US" sz="1800" spc="-1" strike="noStrike">
-                <a:latin typeface="Arial"/>
-              </a:rPr>
-              <a:t>d</a:t>
-            </a:r>
-            <a:r>
-              <a:rPr b="0" lang="en-US" sz="1800" spc="-1" strike="noStrike">
-                <a:latin typeface="Arial"/>
-              </a:rPr>
-              <a:t>i</a:t>
-            </a:r>
-            <a:r>
-              <a:rPr b="0" lang="en-US" sz="1800" spc="-1" strike="noStrike">
-                <a:latin typeface="Arial"/>
-              </a:rPr>
-              <a:t>t</a:t>
-            </a:r>
-            <a:r>
-              <a:rPr b="0" lang="en-US" sz="1800" spc="-1" strike="noStrike">
-                <a:latin typeface="Arial"/>
-              </a:rPr>
-              <a:t> </a:t>
-            </a:r>
-            <a:r>
-              <a:rPr b="0" lang="en-US" sz="1800" spc="-1" strike="noStrike">
-                <a:latin typeface="Arial"/>
-              </a:rPr>
-              <a:t>t</a:t>
-            </a:r>
-            <a:r>
-              <a:rPr b="0" lang="en-US" sz="1800" spc="-1" strike="noStrike">
-                <a:latin typeface="Arial"/>
-              </a:rPr>
-              <a:t>h</a:t>
-            </a:r>
-            <a:r>
-              <a:rPr b="0" lang="en-US" sz="1800" spc="-1" strike="noStrike">
-                <a:latin typeface="Arial"/>
-              </a:rPr>
-              <a:t>e</a:t>
-            </a:r>
-            <a:r>
-              <a:rPr b="0" lang="en-US" sz="1800" spc="-1" strike="noStrike">
-                <a:latin typeface="Arial"/>
-              </a:rPr>
-              <a:t> </a:t>
-            </a:r>
-            <a:r>
-              <a:rPr b="0" lang="en-US" sz="1800" spc="-1" strike="noStrike">
-                <a:latin typeface="Arial"/>
-              </a:rPr>
-              <a:t>t</a:t>
-            </a:r>
-            <a:r>
-              <a:rPr b="0" lang="en-US" sz="1800" spc="-1" strike="noStrike">
-                <a:latin typeface="Arial"/>
-              </a:rPr>
-              <a:t>i</a:t>
-            </a:r>
-            <a:r>
-              <a:rPr b="0" lang="en-US" sz="1800" spc="-1" strike="noStrike">
-                <a:latin typeface="Arial"/>
-              </a:rPr>
-              <a:t>t</a:t>
-            </a:r>
-            <a:r>
-              <a:rPr b="0" lang="en-US" sz="1800" spc="-1" strike="noStrike">
-                <a:latin typeface="Arial"/>
-              </a:rPr>
-              <a:t>l</a:t>
-            </a:r>
-            <a:r>
-              <a:rPr b="0" lang="en-US" sz="1800" spc="-1" strike="noStrike">
-                <a:latin typeface="Arial"/>
-              </a:rPr>
-              <a:t>e</a:t>
-            </a:r>
-            <a:r>
-              <a:rPr b="0" lang="en-US" sz="1800" spc="-1" strike="noStrike">
-                <a:latin typeface="Arial"/>
-              </a:rPr>
-              <a:t> </a:t>
-            </a:r>
-            <a:r>
-              <a:rPr b="0" lang="en-US" sz="1800" spc="-1" strike="noStrike">
-                <a:latin typeface="Arial"/>
-              </a:rPr>
-              <a:t>t</a:t>
-            </a:r>
-            <a:r>
-              <a:rPr b="0" lang="en-US" sz="1800" spc="-1" strike="noStrike">
-                <a:latin typeface="Arial"/>
-              </a:rPr>
-              <a:t>e</a:t>
-            </a:r>
-            <a:r>
-              <a:rPr b="0" lang="en-US" sz="1800" spc="-1" strike="noStrike">
-                <a:latin typeface="Arial"/>
-              </a:rPr>
-              <a:t>x</a:t>
-            </a:r>
-            <a:r>
-              <a:rPr b="0" lang="en-US" sz="1800" spc="-1" strike="noStrike">
-                <a:latin typeface="Arial"/>
-              </a:rPr>
-              <a:t>t</a:t>
-            </a:r>
-            <a:r>
-              <a:rPr b="0" lang="en-US" sz="1800" spc="-1" strike="noStrike">
-                <a:latin typeface="Arial"/>
-              </a:rPr>
-              <a:t> </a:t>
-            </a:r>
-            <a:r>
-              <a:rPr b="0" lang="en-US" sz="1800" spc="-1" strike="noStrike">
-                <a:latin typeface="Arial"/>
-              </a:rPr>
-              <a:t>f</a:t>
-            </a:r>
-            <a:r>
-              <a:rPr b="0" lang="en-US" sz="1800" spc="-1" strike="noStrike">
-                <a:latin typeface="Arial"/>
-              </a:rPr>
-              <a:t>o</a:t>
-            </a:r>
-            <a:r>
-              <a:rPr b="0" lang="en-US" sz="1800" spc="-1" strike="noStrike">
-                <a:latin typeface="Arial"/>
-              </a:rPr>
-              <a:t>r</a:t>
-            </a:r>
-            <a:r>
-              <a:rPr b="0" lang="en-US" sz="1800" spc="-1" strike="noStrike">
-                <a:latin typeface="Arial"/>
-              </a:rPr>
-              <a:t>m</a:t>
-            </a:r>
-            <a:r>
-              <a:rPr b="0" lang="en-US" sz="1800" spc="-1" strike="noStrike">
-                <a:latin typeface="Arial"/>
-              </a:rPr>
-              <a:t>a</a:t>
-            </a:r>
-            <a:r>
-              <a:rPr b="0" lang="en-US" sz="1800" spc="-1" strike="noStrike">
-                <a:latin typeface="Arial"/>
-              </a:rPr>
-              <a:t>t</a:t>
+              <a:t>Click to edit the title text format</a:t>
             </a:r>
             <a:endParaRPr b="0" lang="en-US" sz="1800" spc="-1" strike="noStrike">
               <a:latin typeface="Arial"/>
@@ -3320,13 +3116,7 @@
               <a:rPr b="0" lang="en-US" sz="4400" spc="-1" strike="noStrike">
                 <a:latin typeface="Arial"/>
               </a:rPr>
-              <a:t>t</a:t>
-            </a:r>
-            <a:r>
-              <a:rPr b="0" lang="en-US" sz="4400" spc="-1" strike="noStrike">
-                <a:latin typeface="Arial"/>
-              </a:rPr>
-              <a:t> </a:t>
+              <a:t>t </a:t>
             </a:r>
             <a:r>
               <a:rPr b="0" lang="en-US" sz="4400" spc="-1" strike="noStrike">
@@ -3410,13 +3200,7 @@
               <a:rPr b="0" lang="en-US" sz="4400" spc="-1" strike="noStrike">
                 <a:latin typeface="Arial"/>
               </a:rPr>
-              <a:t>t</a:t>
-            </a:r>
-            <a:r>
-              <a:rPr b="0" lang="en-US" sz="4400" spc="-1" strike="noStrike">
-                <a:latin typeface="Arial"/>
-              </a:rPr>
-              <a:t> </a:t>
+              <a:t>t </a:t>
             </a:r>
             <a:r>
               <a:rPr b="0" lang="en-US" sz="4400" spc="-1" strike="noStrike">
@@ -49637,620 +49421,9 @@
           <a:chExt cx="0" cy="0"/>
         </a:xfrm>
       </p:grpSpPr>
-      <p:grpSp>
-        <p:nvGrpSpPr>
-          <p:cNvPr id="1296" name="Group 1"/>
-          <p:cNvGrpSpPr/>
-          <p:nvPr/>
-        </p:nvGrpSpPr>
-        <p:grpSpPr>
-          <a:xfrm>
-            <a:off x="5891040" y="1277280"/>
-            <a:ext cx="2274120" cy="4857480"/>
-            <a:chOff x="5891040" y="1277280"/>
-            <a:chExt cx="2274120" cy="4857480"/>
-          </a:xfrm>
-        </p:grpSpPr>
-        <p:sp>
-          <p:nvSpPr>
-            <p:cNvPr id="1297" name="CustomShape 2"/>
-            <p:cNvSpPr/>
-            <p:nvPr/>
-          </p:nvSpPr>
-          <p:spPr>
-            <a:xfrm>
-              <a:off x="6583680" y="2887920"/>
-              <a:ext cx="914040" cy="273960"/>
-            </a:xfrm>
-            <a:prstGeom prst="rect">
-              <a:avLst/>
-            </a:prstGeom>
-            <a:solidFill>
-              <a:srgbClr val="729fcf"/>
-            </a:solidFill>
-            <a:ln>
-              <a:solidFill>
-                <a:srgbClr val="3465a4"/>
-              </a:solidFill>
-            </a:ln>
-          </p:spPr>
-          <p:style>
-            <a:lnRef idx="0"/>
-            <a:fillRef idx="0"/>
-            <a:effectRef idx="0"/>
-            <a:fontRef idx="minor"/>
-          </p:style>
-        </p:sp>
-        <p:sp>
-          <p:nvSpPr>
-            <p:cNvPr id="1298" name="CustomShape 3"/>
-            <p:cNvSpPr/>
-            <p:nvPr/>
-          </p:nvSpPr>
-          <p:spPr>
-            <a:xfrm rot="10727400">
-              <a:off x="7316280" y="2981520"/>
-              <a:ext cx="180360" cy="135000"/>
-            </a:xfrm>
-            <a:custGeom>
-              <a:avLst/>
-              <a:gdLst/>
-              <a:ahLst/>
-              <a:rect l="l" t="t" r="r" b="b"/>
-              <a:pathLst>
-                <a:path w="1019" h="764">
-                  <a:moveTo>
-                    <a:pt x="508" y="0"/>
-                  </a:moveTo>
-                  <a:lnTo>
-                    <a:pt x="1018" y="763"/>
-                  </a:lnTo>
-                  <a:lnTo>
-                    <a:pt x="0" y="763"/>
-                  </a:lnTo>
-                  <a:lnTo>
-                    <a:pt x="508" y="0"/>
-                  </a:lnTo>
-                </a:path>
-              </a:pathLst>
-            </a:custGeom>
-            <a:solidFill>
-              <a:srgbClr val="ff860d"/>
-            </a:solidFill>
-            <a:ln>
-              <a:solidFill>
-                <a:srgbClr val="3465a4"/>
-              </a:solidFill>
-            </a:ln>
-          </p:spPr>
-          <p:style>
-            <a:lnRef idx="0"/>
-            <a:fillRef idx="0"/>
-            <a:effectRef idx="0"/>
-            <a:fontRef idx="minor"/>
-          </p:style>
-        </p:sp>
-        <p:sp>
-          <p:nvSpPr>
-            <p:cNvPr id="1299" name="CustomShape 4"/>
-            <p:cNvSpPr/>
-            <p:nvPr/>
-          </p:nvSpPr>
-          <p:spPr>
-            <a:xfrm>
-              <a:off x="6675120" y="2916360"/>
-              <a:ext cx="437760" cy="245520"/>
-            </a:xfrm>
-            <a:prstGeom prst="rect">
-              <a:avLst/>
-            </a:prstGeom>
-            <a:noFill/>
-            <a:ln>
-              <a:noFill/>
-            </a:ln>
-          </p:spPr>
-          <p:style>
-            <a:lnRef idx="0"/>
-            <a:fillRef idx="0"/>
-            <a:effectRef idx="0"/>
-            <a:fontRef idx="minor"/>
-          </p:style>
-          <p:txBody>
-            <a:bodyPr lIns="90000" rIns="90000" tIns="45000" bIns="45000">
-              <a:noAutofit/>
-            </a:bodyPr>
-            <a:p>
-              <a:pPr>
-                <a:lnSpc>
-                  <a:spcPct val="100000"/>
-                </a:lnSpc>
-              </a:pPr>
-              <a:r>
-                <a:rPr b="0" lang="en-US" sz="1100" spc="-1" strike="noStrike">
-                  <a:latin typeface="Arial"/>
-                </a:rPr>
-                <a:t>Port</a:t>
-              </a:r>
-              <a:endParaRPr b="0" lang="en-US" sz="1100" spc="-1" strike="noStrike">
-                <a:latin typeface="Arial"/>
-              </a:endParaRPr>
-            </a:p>
-          </p:txBody>
-        </p:sp>
-        <p:sp>
-          <p:nvSpPr>
-            <p:cNvPr id="1300" name="CustomShape 5"/>
-            <p:cNvSpPr/>
-            <p:nvPr/>
-          </p:nvSpPr>
-          <p:spPr>
-            <a:xfrm>
-              <a:off x="6143040" y="1920240"/>
-              <a:ext cx="182520" cy="182520"/>
-            </a:xfrm>
-            <a:prstGeom prst="rect">
-              <a:avLst/>
-            </a:prstGeom>
-            <a:noFill/>
-            <a:ln>
-              <a:solidFill>
-                <a:srgbClr val="3465a4"/>
-              </a:solidFill>
-            </a:ln>
-          </p:spPr>
-          <p:style>
-            <a:lnRef idx="0"/>
-            <a:fillRef idx="0"/>
-            <a:effectRef idx="0"/>
-            <a:fontRef idx="minor"/>
-          </p:style>
-          <p:txBody>
-            <a:bodyPr wrap="none" lIns="90000" rIns="90000" tIns="45000" bIns="45000" anchor="ctr">
-              <a:noAutofit/>
-            </a:bodyPr>
-            <a:p>
-              <a:pPr algn="ctr">
-                <a:lnSpc>
-                  <a:spcPct val="100000"/>
-                </a:lnSpc>
-              </a:pPr>
-              <a:r>
-                <a:rPr b="0" lang="en-US" sz="1800" spc="-1" strike="noStrike">
-                  <a:solidFill>
-                    <a:srgbClr val="000000"/>
-                  </a:solidFill>
-                  <a:latin typeface="Arial"/>
-                  <a:ea typeface="DejaVu Sans"/>
-                </a:rPr>
-                <a:t>X</a:t>
-              </a:r>
-              <a:endParaRPr b="0" lang="en-US" sz="1800" spc="-1" strike="noStrike">
-                <a:latin typeface="Arial"/>
-              </a:endParaRPr>
-            </a:p>
-          </p:txBody>
-        </p:sp>
-        <p:sp>
-          <p:nvSpPr>
-            <p:cNvPr id="1301" name="CustomShape 6"/>
-            <p:cNvSpPr/>
-            <p:nvPr/>
-          </p:nvSpPr>
-          <p:spPr>
-            <a:xfrm>
-              <a:off x="7691040" y="1920240"/>
-              <a:ext cx="182520" cy="182520"/>
-            </a:xfrm>
-            <a:prstGeom prst="rect">
-              <a:avLst/>
-            </a:prstGeom>
-            <a:noFill/>
-            <a:ln>
-              <a:solidFill>
-                <a:srgbClr val="3465a4"/>
-              </a:solidFill>
-            </a:ln>
-          </p:spPr>
-          <p:style>
-            <a:lnRef idx="0"/>
-            <a:fillRef idx="0"/>
-            <a:effectRef idx="0"/>
-            <a:fontRef idx="minor"/>
-          </p:style>
-          <p:txBody>
-            <a:bodyPr wrap="none" lIns="90000" rIns="90000" tIns="45000" bIns="45000" anchor="ctr">
-              <a:noAutofit/>
-            </a:bodyPr>
-            <a:p>
-              <a:pPr algn="ctr">
-                <a:lnSpc>
-                  <a:spcPct val="100000"/>
-                </a:lnSpc>
-              </a:pPr>
-              <a:r>
-                <a:rPr b="0" lang="en-US" sz="1800" spc="-1" strike="noStrike">
-                  <a:solidFill>
-                    <a:srgbClr val="000000"/>
-                  </a:solidFill>
-                  <a:latin typeface="Arial"/>
-                  <a:ea typeface="DejaVu Sans"/>
-                </a:rPr>
-                <a:t>X</a:t>
-              </a:r>
-              <a:endParaRPr b="0" lang="en-US" sz="1800" spc="-1" strike="noStrike">
-                <a:latin typeface="Arial"/>
-              </a:endParaRPr>
-            </a:p>
-          </p:txBody>
-        </p:sp>
-        <p:sp>
-          <p:nvSpPr>
-            <p:cNvPr id="1302" name="CustomShape 7"/>
-            <p:cNvSpPr/>
-            <p:nvPr/>
-          </p:nvSpPr>
-          <p:spPr>
-            <a:xfrm>
-              <a:off x="6143040" y="2928240"/>
-              <a:ext cx="182520" cy="182520"/>
-            </a:xfrm>
-            <a:prstGeom prst="rect">
-              <a:avLst/>
-            </a:prstGeom>
-            <a:solidFill>
-              <a:srgbClr val="b2b2b2"/>
-            </a:solidFill>
-            <a:ln>
-              <a:solidFill>
-                <a:srgbClr val="3465a4"/>
-              </a:solidFill>
-            </a:ln>
-          </p:spPr>
-          <p:style>
-            <a:lnRef idx="0"/>
-            <a:fillRef idx="0"/>
-            <a:effectRef idx="0"/>
-            <a:fontRef idx="minor"/>
-          </p:style>
-        </p:sp>
-        <p:sp>
-          <p:nvSpPr>
-            <p:cNvPr id="1303" name="CustomShape 8"/>
-            <p:cNvSpPr/>
-            <p:nvPr/>
-          </p:nvSpPr>
-          <p:spPr>
-            <a:xfrm>
-              <a:off x="6143040" y="3936240"/>
-              <a:ext cx="182520" cy="182520"/>
-            </a:xfrm>
-            <a:prstGeom prst="rect">
-              <a:avLst/>
-            </a:prstGeom>
-            <a:noFill/>
-            <a:ln>
-              <a:solidFill>
-                <a:srgbClr val="3465a4"/>
-              </a:solidFill>
-            </a:ln>
-          </p:spPr>
-          <p:style>
-            <a:lnRef idx="0"/>
-            <a:fillRef idx="0"/>
-            <a:effectRef idx="0"/>
-            <a:fontRef idx="minor"/>
-          </p:style>
-          <p:txBody>
-            <a:bodyPr wrap="none" lIns="90000" rIns="90000" tIns="45000" bIns="45000" anchor="ctr">
-              <a:noAutofit/>
-            </a:bodyPr>
-            <a:p>
-              <a:pPr algn="ctr">
-                <a:lnSpc>
-                  <a:spcPct val="100000"/>
-                </a:lnSpc>
-              </a:pPr>
-              <a:r>
-                <a:rPr b="0" lang="en-US" sz="1800" spc="-1" strike="noStrike">
-                  <a:solidFill>
-                    <a:srgbClr val="000000"/>
-                  </a:solidFill>
-                  <a:latin typeface="Arial"/>
-                  <a:ea typeface="DejaVu Sans"/>
-                </a:rPr>
-                <a:t>X</a:t>
-              </a:r>
-              <a:endParaRPr b="0" lang="en-US" sz="1800" spc="-1" strike="noStrike">
-                <a:latin typeface="Arial"/>
-              </a:endParaRPr>
-            </a:p>
-          </p:txBody>
-        </p:sp>
-        <p:sp>
-          <p:nvSpPr>
-            <p:cNvPr id="1304" name="CustomShape 9"/>
-            <p:cNvSpPr/>
-            <p:nvPr/>
-          </p:nvSpPr>
-          <p:spPr>
-            <a:xfrm>
-              <a:off x="6143040" y="4980240"/>
-              <a:ext cx="182520" cy="182520"/>
-            </a:xfrm>
-            <a:prstGeom prst="rect">
-              <a:avLst/>
-            </a:prstGeom>
-            <a:noFill/>
-            <a:ln>
-              <a:solidFill>
-                <a:srgbClr val="3465a4"/>
-              </a:solidFill>
-            </a:ln>
-          </p:spPr>
-          <p:style>
-            <a:lnRef idx="0"/>
-            <a:fillRef idx="0"/>
-            <a:effectRef idx="0"/>
-            <a:fontRef idx="minor"/>
-          </p:style>
-        </p:sp>
-        <p:sp>
-          <p:nvSpPr>
-            <p:cNvPr id="1305" name="CustomShape 10"/>
-            <p:cNvSpPr/>
-            <p:nvPr/>
-          </p:nvSpPr>
-          <p:spPr>
-            <a:xfrm>
-              <a:off x="6143040" y="5952240"/>
-              <a:ext cx="182520" cy="182520"/>
-            </a:xfrm>
-            <a:prstGeom prst="rect">
-              <a:avLst/>
-            </a:prstGeom>
-            <a:noFill/>
-            <a:ln>
-              <a:solidFill>
-                <a:srgbClr val="3465a4"/>
-              </a:solidFill>
-            </a:ln>
-          </p:spPr>
-          <p:style>
-            <a:lnRef idx="0"/>
-            <a:fillRef idx="0"/>
-            <a:effectRef idx="0"/>
-            <a:fontRef idx="minor"/>
-          </p:style>
-          <p:txBody>
-            <a:bodyPr wrap="none" lIns="90000" rIns="90000" tIns="45000" bIns="45000" anchor="ctr">
-              <a:noAutofit/>
-            </a:bodyPr>
-            <a:p>
-              <a:pPr algn="ctr">
-                <a:lnSpc>
-                  <a:spcPct val="100000"/>
-                </a:lnSpc>
-              </a:pPr>
-              <a:r>
-                <a:rPr b="0" lang="en-US" sz="1800" spc="-1" strike="noStrike">
-                  <a:solidFill>
-                    <a:srgbClr val="000000"/>
-                  </a:solidFill>
-                  <a:latin typeface="Arial"/>
-                  <a:ea typeface="DejaVu Sans"/>
-                </a:rPr>
-                <a:t>X</a:t>
-              </a:r>
-              <a:endParaRPr b="0" lang="en-US" sz="1800" spc="-1" strike="noStrike">
-                <a:latin typeface="Arial"/>
-              </a:endParaRPr>
-            </a:p>
-          </p:txBody>
-        </p:sp>
-        <p:sp>
-          <p:nvSpPr>
-            <p:cNvPr id="1306" name="CustomShape 11"/>
-            <p:cNvSpPr/>
-            <p:nvPr/>
-          </p:nvSpPr>
-          <p:spPr>
-            <a:xfrm>
-              <a:off x="7691040" y="3936240"/>
-              <a:ext cx="182520" cy="182520"/>
-            </a:xfrm>
-            <a:prstGeom prst="rect">
-              <a:avLst/>
-            </a:prstGeom>
-            <a:noFill/>
-            <a:ln>
-              <a:solidFill>
-                <a:srgbClr val="3465a4"/>
-              </a:solidFill>
-            </a:ln>
-          </p:spPr>
-          <p:style>
-            <a:lnRef idx="0"/>
-            <a:fillRef idx="0"/>
-            <a:effectRef idx="0"/>
-            <a:fontRef idx="minor"/>
-          </p:style>
-          <p:txBody>
-            <a:bodyPr wrap="none" lIns="90000" rIns="90000" tIns="45000" bIns="45000" anchor="ctr">
-              <a:noAutofit/>
-            </a:bodyPr>
-            <a:p>
-              <a:pPr algn="ctr">
-                <a:lnSpc>
-                  <a:spcPct val="100000"/>
-                </a:lnSpc>
-              </a:pPr>
-              <a:r>
-                <a:rPr b="0" lang="en-US" sz="1800" spc="-1" strike="noStrike">
-                  <a:solidFill>
-                    <a:srgbClr val="000000"/>
-                  </a:solidFill>
-                  <a:latin typeface="Arial"/>
-                  <a:ea typeface="DejaVu Sans"/>
-                </a:rPr>
-                <a:t>X</a:t>
-              </a:r>
-              <a:endParaRPr b="0" lang="en-US" sz="1800" spc="-1" strike="noStrike">
-                <a:latin typeface="Arial"/>
-              </a:endParaRPr>
-            </a:p>
-          </p:txBody>
-        </p:sp>
-        <p:sp>
-          <p:nvSpPr>
-            <p:cNvPr id="1307" name="CustomShape 12"/>
-            <p:cNvSpPr/>
-            <p:nvPr/>
-          </p:nvSpPr>
-          <p:spPr>
-            <a:xfrm>
-              <a:off x="7691040" y="5952240"/>
-              <a:ext cx="182520" cy="182520"/>
-            </a:xfrm>
-            <a:prstGeom prst="rect">
-              <a:avLst/>
-            </a:prstGeom>
-            <a:noFill/>
-            <a:ln>
-              <a:solidFill>
-                <a:srgbClr val="3465a4"/>
-              </a:solidFill>
-            </a:ln>
-          </p:spPr>
-          <p:style>
-            <a:lnRef idx="0"/>
-            <a:fillRef idx="0"/>
-            <a:effectRef idx="0"/>
-            <a:fontRef idx="minor"/>
-          </p:style>
-          <p:txBody>
-            <a:bodyPr wrap="none" lIns="90000" rIns="90000" tIns="45000" bIns="45000" anchor="ctr">
-              <a:noAutofit/>
-            </a:bodyPr>
-            <a:p>
-              <a:pPr algn="ctr">
-                <a:lnSpc>
-                  <a:spcPct val="100000"/>
-                </a:lnSpc>
-              </a:pPr>
-              <a:r>
-                <a:rPr b="0" lang="en-US" sz="1800" spc="-1" strike="noStrike">
-                  <a:solidFill>
-                    <a:srgbClr val="000000"/>
-                  </a:solidFill>
-                  <a:latin typeface="Arial"/>
-                  <a:ea typeface="DejaVu Sans"/>
-                </a:rPr>
-                <a:t>X</a:t>
-              </a:r>
-              <a:endParaRPr b="0" lang="en-US" sz="1800" spc="-1" strike="noStrike">
-                <a:latin typeface="Arial"/>
-              </a:endParaRPr>
-            </a:p>
-          </p:txBody>
-        </p:sp>
-        <p:sp>
-          <p:nvSpPr>
-            <p:cNvPr id="1308" name="CustomShape 13"/>
-            <p:cNvSpPr/>
-            <p:nvPr/>
-          </p:nvSpPr>
-          <p:spPr>
-            <a:xfrm>
-              <a:off x="5891040" y="1277280"/>
-              <a:ext cx="726120" cy="345960"/>
-            </a:xfrm>
-            <a:prstGeom prst="rect">
-              <a:avLst/>
-            </a:prstGeom>
-            <a:noFill/>
-            <a:ln>
-              <a:noFill/>
-            </a:ln>
-          </p:spPr>
-          <p:style>
-            <a:lnRef idx="0"/>
-            <a:fillRef idx="0"/>
-            <a:effectRef idx="0"/>
-            <a:fontRef idx="minor"/>
-          </p:style>
-          <p:txBody>
-            <a:bodyPr lIns="90000" rIns="90000" tIns="45000" bIns="45000">
-              <a:noAutofit/>
-            </a:bodyPr>
-            <a:p>
-              <a:pPr>
-                <a:lnSpc>
-                  <a:spcPct val="100000"/>
-                </a:lnSpc>
-              </a:pPr>
-              <a:r>
-                <a:rPr b="0" lang="en-US" sz="1800" spc="-1" strike="noStrike">
-                  <a:latin typeface="Arial"/>
-                </a:rPr>
-                <a:t>Store</a:t>
-              </a:r>
-              <a:endParaRPr b="0" lang="en-US" sz="1800" spc="-1" strike="noStrike">
-                <a:latin typeface="Arial"/>
-              </a:endParaRPr>
-            </a:p>
-          </p:txBody>
-        </p:sp>
-        <p:sp>
-          <p:nvSpPr>
-            <p:cNvPr id="1309" name="CustomShape 14"/>
-            <p:cNvSpPr/>
-            <p:nvPr/>
-          </p:nvSpPr>
-          <p:spPr>
-            <a:xfrm>
-              <a:off x="7439040" y="1277280"/>
-              <a:ext cx="726120" cy="345960"/>
-            </a:xfrm>
-            <a:prstGeom prst="rect">
-              <a:avLst/>
-            </a:prstGeom>
-            <a:noFill/>
-            <a:ln>
-              <a:noFill/>
-            </a:ln>
-          </p:spPr>
-          <p:style>
-            <a:lnRef idx="0"/>
-            <a:fillRef idx="0"/>
-            <a:effectRef idx="0"/>
-            <a:fontRef idx="minor"/>
-          </p:style>
-          <p:txBody>
-            <a:bodyPr lIns="90000" rIns="90000" tIns="45000" bIns="45000">
-              <a:noAutofit/>
-            </a:bodyPr>
-            <a:p>
-              <a:pPr>
-                <a:lnSpc>
-                  <a:spcPct val="100000"/>
-                </a:lnSpc>
-              </a:pPr>
-              <a:r>
-                <a:rPr b="0" lang="en-US" sz="1800" spc="-1" strike="noStrike">
-                  <a:latin typeface="Arial"/>
-                </a:rPr>
-                <a:t>Store</a:t>
-              </a:r>
-              <a:endParaRPr b="0" lang="en-US" sz="1800" spc="-1" strike="noStrike">
-                <a:latin typeface="Arial"/>
-              </a:endParaRPr>
-            </a:p>
-          </p:txBody>
-        </p:sp>
-      </p:grpSp>
-      <p:sp>
-        <p:nvSpPr>
-          <p:cNvPr id="1310" name="CustomShape 15"/>
+      <p:sp>
+        <p:nvSpPr>
+          <p:cNvPr id="1296" name="CustomShape 1"/>
           <p:cNvSpPr/>
           <p:nvPr/>
         </p:nvSpPr>
@@ -50280,7 +49453,7 @@
       </p:sp>
       <p:sp>
         <p:nvSpPr>
-          <p:cNvPr id="1311" name="CustomShape 16"/>
+          <p:cNvPr id="1297" name="CustomShape 2"/>
           <p:cNvSpPr/>
           <p:nvPr/>
         </p:nvSpPr>
@@ -50329,7 +49502,7 @@
       </p:sp>
       <p:sp>
         <p:nvSpPr>
-          <p:cNvPr id="1312" name="CustomShape 17"/>
+          <p:cNvPr id="1298" name="CustomShape 3"/>
           <p:cNvSpPr/>
           <p:nvPr/>
         </p:nvSpPr>
@@ -50380,7 +49553,7 @@
       </p:sp>
       <p:sp>
         <p:nvSpPr>
-          <p:cNvPr id="1313" name="CustomShape 18"/>
+          <p:cNvPr id="1299" name="CustomShape 4"/>
           <p:cNvSpPr/>
           <p:nvPr/>
         </p:nvSpPr>
@@ -50421,7 +49594,147 @@
                 <a:latin typeface="Arial"/>
                 <a:ea typeface="DejaVu Sans"/>
               </a:rPr>
-              <a:t>Course Template:</a:t>
+              <a:t>C</a:t>
+            </a:r>
+            <a:r>
+              <a:rPr b="0" lang="en-US" sz="1800" spc="-1" strike="noStrike">
+                <a:solidFill>
+                  <a:srgbClr val="000000"/>
+                </a:solidFill>
+                <a:latin typeface="Arial"/>
+                <a:ea typeface="DejaVu Sans"/>
+              </a:rPr>
+              <a:t>o</a:t>
+            </a:r>
+            <a:r>
+              <a:rPr b="0" lang="en-US" sz="1800" spc="-1" strike="noStrike">
+                <a:solidFill>
+                  <a:srgbClr val="000000"/>
+                </a:solidFill>
+                <a:latin typeface="Arial"/>
+                <a:ea typeface="DejaVu Sans"/>
+              </a:rPr>
+              <a:t>u</a:t>
+            </a:r>
+            <a:r>
+              <a:rPr b="0" lang="en-US" sz="1800" spc="-1" strike="noStrike">
+                <a:solidFill>
+                  <a:srgbClr val="000000"/>
+                </a:solidFill>
+                <a:latin typeface="Arial"/>
+                <a:ea typeface="DejaVu Sans"/>
+              </a:rPr>
+              <a:t>r</a:t>
+            </a:r>
+            <a:r>
+              <a:rPr b="0" lang="en-US" sz="1800" spc="-1" strike="noStrike">
+                <a:solidFill>
+                  <a:srgbClr val="000000"/>
+                </a:solidFill>
+                <a:latin typeface="Arial"/>
+                <a:ea typeface="DejaVu Sans"/>
+              </a:rPr>
+              <a:t>s</a:t>
+            </a:r>
+            <a:r>
+              <a:rPr b="0" lang="en-US" sz="1800" spc="-1" strike="noStrike">
+                <a:solidFill>
+                  <a:srgbClr val="000000"/>
+                </a:solidFill>
+                <a:latin typeface="Arial"/>
+                <a:ea typeface="DejaVu Sans"/>
+              </a:rPr>
+              <a:t>e </a:t>
+            </a:r>
+            <a:r>
+              <a:rPr b="0" lang="en-US" sz="1800" spc="-1" strike="noStrike">
+                <a:solidFill>
+                  <a:srgbClr val="000000"/>
+                </a:solidFill>
+                <a:latin typeface="Arial"/>
+                <a:ea typeface="DejaVu Sans"/>
+              </a:rPr>
+              <a:t>T</a:t>
+            </a:r>
+            <a:r>
+              <a:rPr b="0" lang="en-US" sz="1800" spc="-1" strike="noStrike">
+                <a:solidFill>
+                  <a:srgbClr val="000000"/>
+                </a:solidFill>
+                <a:latin typeface="Arial"/>
+                <a:ea typeface="DejaVu Sans"/>
+              </a:rPr>
+              <a:t>e</a:t>
+            </a:r>
+            <a:r>
+              <a:rPr b="0" lang="en-US" sz="1800" spc="-1" strike="noStrike">
+                <a:solidFill>
+                  <a:srgbClr val="000000"/>
+                </a:solidFill>
+                <a:latin typeface="Arial"/>
+                <a:ea typeface="DejaVu Sans"/>
+              </a:rPr>
+              <a:t>m</a:t>
+            </a:r>
+            <a:r>
+              <a:rPr b="0" lang="en-US" sz="1800" spc="-1" strike="noStrike">
+                <a:solidFill>
+                  <a:srgbClr val="000000"/>
+                </a:solidFill>
+                <a:latin typeface="Arial"/>
+                <a:ea typeface="DejaVu Sans"/>
+              </a:rPr>
+              <a:t>p</a:t>
+            </a:r>
+            <a:r>
+              <a:rPr b="0" lang="en-US" sz="1800" spc="-1" strike="noStrike">
+                <a:solidFill>
+                  <a:srgbClr val="000000"/>
+                </a:solidFill>
+                <a:latin typeface="Arial"/>
+                <a:ea typeface="DejaVu Sans"/>
+              </a:rPr>
+              <a:t>l</a:t>
+            </a:r>
+            <a:r>
+              <a:rPr b="0" lang="en-US" sz="1800" spc="-1" strike="noStrike">
+                <a:solidFill>
+                  <a:srgbClr val="000000"/>
+                </a:solidFill>
+                <a:latin typeface="Arial"/>
+                <a:ea typeface="DejaVu Sans"/>
+              </a:rPr>
+              <a:t>a</a:t>
+            </a:r>
+            <a:r>
+              <a:rPr b="0" lang="en-US" sz="1800" spc="-1" strike="noStrike">
+                <a:solidFill>
+                  <a:srgbClr val="000000"/>
+                </a:solidFill>
+                <a:latin typeface="Arial"/>
+                <a:ea typeface="DejaVu Sans"/>
+              </a:rPr>
+              <a:t>t</a:t>
+            </a:r>
+            <a:r>
+              <a:rPr b="0" lang="en-US" sz="1800" spc="-1" strike="noStrike">
+                <a:solidFill>
+                  <a:srgbClr val="000000"/>
+                </a:solidFill>
+                <a:latin typeface="Arial"/>
+                <a:ea typeface="DejaVu Sans"/>
+              </a:rPr>
+              <a:t>e</a:t>
+            </a:r>
+            <a:r>
+              <a:rPr b="0" lang="en-US" sz="1800" spc="-1" strike="noStrike">
+                <a:solidFill>
+                  <a:srgbClr val="000000"/>
+                </a:solidFill>
+                <a:latin typeface="Arial"/>
+                <a:ea typeface="DejaVu Sans"/>
+              </a:rPr>
+              <a:t>:</a:t>
             </a:r>
             <a:endParaRPr b="0" lang="en-US" sz="1800" spc="-1" strike="noStrike">
               <a:latin typeface="Arial"/>
@@ -50431,7 +49744,7 @@
       </p:sp>
       <p:sp>
         <p:nvSpPr>
-          <p:cNvPr id="1314" name="CustomShape 19"/>
+          <p:cNvPr id="1300" name="CustomShape 5"/>
           <p:cNvSpPr/>
           <p:nvPr/>
         </p:nvSpPr>
@@ -50461,7 +49774,7 @@
       </p:sp>
       <p:sp>
         <p:nvSpPr>
-          <p:cNvPr id="1315" name="CustomShape 20"/>
+          <p:cNvPr id="1301" name="CustomShape 6"/>
           <p:cNvSpPr/>
           <p:nvPr/>
         </p:nvSpPr>
@@ -50510,7 +49823,7 @@
       </p:sp>
       <p:sp>
         <p:nvSpPr>
-          <p:cNvPr id="1316" name="CustomShape 21"/>
+          <p:cNvPr id="1302" name="CustomShape 7"/>
           <p:cNvSpPr/>
           <p:nvPr/>
         </p:nvSpPr>
@@ -50561,7 +49874,7 @@
       </p:sp>
       <p:sp>
         <p:nvSpPr>
-          <p:cNvPr id="1317" name="CustomShape 22"/>
+          <p:cNvPr id="1303" name="CustomShape 8"/>
           <p:cNvSpPr/>
           <p:nvPr/>
         </p:nvSpPr>
@@ -50612,7 +49925,7 @@
       </p:sp>
       <p:sp>
         <p:nvSpPr>
-          <p:cNvPr id="1318" name="CustomShape 23"/>
+          <p:cNvPr id="1304" name="CustomShape 9"/>
           <p:cNvSpPr/>
           <p:nvPr/>
         </p:nvSpPr>
@@ -50640,7 +49953,7 @@
       </p:sp>
       <p:sp>
         <p:nvSpPr>
-          <p:cNvPr id="1319" name="CustomShape 24"/>
+          <p:cNvPr id="1305" name="CustomShape 10"/>
           <p:cNvSpPr/>
           <p:nvPr/>
         </p:nvSpPr>
@@ -50670,7 +49983,7 @@
       </p:sp>
       <p:sp>
         <p:nvSpPr>
-          <p:cNvPr id="1320" name="CustomShape 25"/>
+          <p:cNvPr id="1306" name="CustomShape 11"/>
           <p:cNvSpPr/>
           <p:nvPr/>
         </p:nvSpPr>
@@ -50719,7 +50032,7 @@
       </p:sp>
       <p:sp>
         <p:nvSpPr>
-          <p:cNvPr id="1321" name="CustomShape 26"/>
+          <p:cNvPr id="1307" name="CustomShape 12"/>
           <p:cNvSpPr/>
           <p:nvPr/>
         </p:nvSpPr>
@@ -50770,7 +50083,7 @@
       </p:sp>
       <p:sp>
         <p:nvSpPr>
-          <p:cNvPr id="1322" name="CustomShape 27"/>
+          <p:cNvPr id="1308" name="CustomShape 13"/>
           <p:cNvSpPr/>
           <p:nvPr/>
         </p:nvSpPr>
@@ -50821,7 +50134,7 @@
       </p:sp>
       <p:sp>
         <p:nvSpPr>
-          <p:cNvPr id="1323" name="CustomShape 28"/>
+          <p:cNvPr id="1309" name="CustomShape 14"/>
           <p:cNvSpPr/>
           <p:nvPr/>
         </p:nvSpPr>
@@ -50851,7 +50164,7 @@
       </p:sp>
       <p:sp>
         <p:nvSpPr>
-          <p:cNvPr id="1324" name="CustomShape 29"/>
+          <p:cNvPr id="1310" name="CustomShape 15"/>
           <p:cNvSpPr/>
           <p:nvPr/>
         </p:nvSpPr>
@@ -50900,7 +50213,7 @@
       </p:sp>
       <p:sp>
         <p:nvSpPr>
-          <p:cNvPr id="1325" name="CustomShape 30"/>
+          <p:cNvPr id="1311" name="CustomShape 16"/>
           <p:cNvSpPr/>
           <p:nvPr/>
         </p:nvSpPr>
@@ -50941,7 +50254,167 @@
                 <a:latin typeface="Arial"/>
                 <a:ea typeface="DejaVu Sans"/>
               </a:rPr>
-              <a:t>Windward Mark Green</a:t>
+              <a:t>W</a:t>
+            </a:r>
+            <a:r>
+              <a:rPr b="0" lang="en-US" sz="1500" spc="-1" strike="noStrike">
+                <a:solidFill>
+                  <a:srgbClr val="000000"/>
+                </a:solidFill>
+                <a:latin typeface="Arial"/>
+                <a:ea typeface="DejaVu Sans"/>
+              </a:rPr>
+              <a:t>i</a:t>
+            </a:r>
+            <a:r>
+              <a:rPr b="0" lang="en-US" sz="1500" spc="-1" strike="noStrike">
+                <a:solidFill>
+                  <a:srgbClr val="000000"/>
+                </a:solidFill>
+                <a:latin typeface="Arial"/>
+                <a:ea typeface="DejaVu Sans"/>
+              </a:rPr>
+              <a:t>n</a:t>
+            </a:r>
+            <a:r>
+              <a:rPr b="0" lang="en-US" sz="1500" spc="-1" strike="noStrike">
+                <a:solidFill>
+                  <a:srgbClr val="000000"/>
+                </a:solidFill>
+                <a:latin typeface="Arial"/>
+                <a:ea typeface="DejaVu Sans"/>
+              </a:rPr>
+              <a:t>d</a:t>
+            </a:r>
+            <a:r>
+              <a:rPr b="0" lang="en-US" sz="1500" spc="-1" strike="noStrike">
+                <a:solidFill>
+                  <a:srgbClr val="000000"/>
+                </a:solidFill>
+                <a:latin typeface="Arial"/>
+                <a:ea typeface="DejaVu Sans"/>
+              </a:rPr>
+              <a:t>w</a:t>
+            </a:r>
+            <a:r>
+              <a:rPr b="0" lang="en-US" sz="1500" spc="-1" strike="noStrike">
+                <a:solidFill>
+                  <a:srgbClr val="000000"/>
+                </a:solidFill>
+                <a:latin typeface="Arial"/>
+                <a:ea typeface="DejaVu Sans"/>
+              </a:rPr>
+              <a:t>a</a:t>
+            </a:r>
+            <a:r>
+              <a:rPr b="0" lang="en-US" sz="1500" spc="-1" strike="noStrike">
+                <a:solidFill>
+                  <a:srgbClr val="000000"/>
+                </a:solidFill>
+                <a:latin typeface="Arial"/>
+                <a:ea typeface="DejaVu Sans"/>
+              </a:rPr>
+              <a:t>r</a:t>
+            </a:r>
+            <a:r>
+              <a:rPr b="0" lang="en-US" sz="1500" spc="-1" strike="noStrike">
+                <a:solidFill>
+                  <a:srgbClr val="000000"/>
+                </a:solidFill>
+                <a:latin typeface="Arial"/>
+                <a:ea typeface="DejaVu Sans"/>
+              </a:rPr>
+              <a:t>d </a:t>
+            </a:r>
+            <a:r>
+              <a:rPr b="0" lang="en-US" sz="1500" spc="-1" strike="noStrike">
+                <a:solidFill>
+                  <a:srgbClr val="000000"/>
+                </a:solidFill>
+                <a:latin typeface="Arial"/>
+                <a:ea typeface="DejaVu Sans"/>
+              </a:rPr>
+              <a:t>M</a:t>
+            </a:r>
+            <a:r>
+              <a:rPr b="0" lang="en-US" sz="1500" spc="-1" strike="noStrike">
+                <a:solidFill>
+                  <a:srgbClr val="000000"/>
+                </a:solidFill>
+                <a:latin typeface="Arial"/>
+                <a:ea typeface="DejaVu Sans"/>
+              </a:rPr>
+              <a:t>a</a:t>
+            </a:r>
+            <a:r>
+              <a:rPr b="0" lang="en-US" sz="1500" spc="-1" strike="noStrike">
+                <a:solidFill>
+                  <a:srgbClr val="000000"/>
+                </a:solidFill>
+                <a:latin typeface="Arial"/>
+                <a:ea typeface="DejaVu Sans"/>
+              </a:rPr>
+              <a:t>r</a:t>
+            </a:r>
+            <a:r>
+              <a:rPr b="0" lang="en-US" sz="1500" spc="-1" strike="noStrike">
+                <a:solidFill>
+                  <a:srgbClr val="000000"/>
+                </a:solidFill>
+                <a:latin typeface="Arial"/>
+                <a:ea typeface="DejaVu Sans"/>
+              </a:rPr>
+              <a:t>k </a:t>
+            </a:r>
+            <a:r>
+              <a:rPr b="0" lang="en-US" sz="1500" spc="-1" strike="noStrike">
+                <a:solidFill>
+                  <a:srgbClr val="000000"/>
+                </a:solidFill>
+                <a:latin typeface="Arial"/>
+                <a:ea typeface="DejaVu Sans"/>
+              </a:rPr>
+              <a:t>G</a:t>
+            </a:r>
+            <a:r>
+              <a:rPr b="0" lang="en-US" sz="1500" spc="-1" strike="noStrike">
+                <a:solidFill>
+                  <a:srgbClr val="000000"/>
+                </a:solidFill>
+                <a:latin typeface="Arial"/>
+                <a:ea typeface="DejaVu Sans"/>
+              </a:rPr>
+              <a:t>r</a:t>
+            </a:r>
+            <a:r>
+              <a:rPr b="0" lang="en-US" sz="1500" spc="-1" strike="noStrike">
+                <a:solidFill>
+                  <a:srgbClr val="000000"/>
+                </a:solidFill>
+                <a:latin typeface="Arial"/>
+                <a:ea typeface="DejaVu Sans"/>
+              </a:rPr>
+              <a:t>e</a:t>
+            </a:r>
+            <a:r>
+              <a:rPr b="0" lang="en-US" sz="1500" spc="-1" strike="noStrike">
+                <a:solidFill>
+                  <a:srgbClr val="000000"/>
+                </a:solidFill>
+                <a:latin typeface="Arial"/>
+                <a:ea typeface="DejaVu Sans"/>
+              </a:rPr>
+              <a:t>e</a:t>
+            </a:r>
+            <a:r>
+              <a:rPr b="0" lang="en-US" sz="1500" spc="-1" strike="noStrike">
+                <a:solidFill>
+                  <a:srgbClr val="000000"/>
+                </a:solidFill>
+                <a:latin typeface="Arial"/>
+                <a:ea typeface="DejaVu Sans"/>
+              </a:rPr>
+              <a:t>n</a:t>
             </a:r>
             <a:endParaRPr b="0" lang="en-US" sz="1500" spc="-1" strike="noStrike">
               <a:latin typeface="Arial"/>
@@ -50951,7 +50424,7 @@
       </p:sp>
       <p:sp>
         <p:nvSpPr>
-          <p:cNvPr id="1326" name="CustomShape 31"/>
+          <p:cNvPr id="1312" name="CustomShape 17"/>
           <p:cNvSpPr/>
           <p:nvPr/>
         </p:nvSpPr>
@@ -50979,7 +50452,7 @@
       </p:sp>
       <p:sp>
         <p:nvSpPr>
-          <p:cNvPr id="1327" name="CustomShape 32"/>
+          <p:cNvPr id="1313" name="CustomShape 18"/>
           <p:cNvSpPr/>
           <p:nvPr/>
         </p:nvSpPr>
@@ -51030,7 +50503,7 @@
       </p:sp>
       <p:sp>
         <p:nvSpPr>
-          <p:cNvPr id="1328" name="CustomShape 33"/>
+          <p:cNvPr id="1314" name="CustomShape 19"/>
           <p:cNvSpPr/>
           <p:nvPr/>
         </p:nvSpPr>
@@ -51060,7 +50533,7 @@
       </p:sp>
       <p:sp>
         <p:nvSpPr>
-          <p:cNvPr id="1329" name="CustomShape 34"/>
+          <p:cNvPr id="1315" name="CustomShape 20"/>
           <p:cNvSpPr/>
           <p:nvPr/>
         </p:nvSpPr>
@@ -51109,7 +50582,7 @@
       </p:sp>
       <p:sp>
         <p:nvSpPr>
-          <p:cNvPr id="1330" name="CustomShape 35"/>
+          <p:cNvPr id="1316" name="CustomShape 21"/>
           <p:cNvSpPr/>
           <p:nvPr/>
         </p:nvSpPr>
@@ -51150,7 +50623,77 @@
                 <a:latin typeface="Arial"/>
                 <a:ea typeface="DejaVu Sans"/>
               </a:rPr>
-              <a:t>Leeward Gate P</a:t>
+              <a:t>Le</a:t>
+            </a:r>
+            <a:r>
+              <a:rPr b="0" lang="en-US" sz="1500" spc="-1" strike="noStrike">
+                <a:solidFill>
+                  <a:srgbClr val="000000"/>
+                </a:solidFill>
+                <a:latin typeface="Arial"/>
+                <a:ea typeface="DejaVu Sans"/>
+              </a:rPr>
+              <a:t>ew</a:t>
+            </a:r>
+            <a:r>
+              <a:rPr b="0" lang="en-US" sz="1500" spc="-1" strike="noStrike">
+                <a:solidFill>
+                  <a:srgbClr val="000000"/>
+                </a:solidFill>
+                <a:latin typeface="Arial"/>
+                <a:ea typeface="DejaVu Sans"/>
+              </a:rPr>
+              <a:t>ar</a:t>
+            </a:r>
+            <a:r>
+              <a:rPr b="0" lang="en-US" sz="1500" spc="-1" strike="noStrike">
+                <a:solidFill>
+                  <a:srgbClr val="000000"/>
+                </a:solidFill>
+                <a:latin typeface="Arial"/>
+                <a:ea typeface="DejaVu Sans"/>
+              </a:rPr>
+              <a:t>d </a:t>
+            </a:r>
+            <a:r>
+              <a:rPr b="0" lang="en-US" sz="1500" spc="-1" strike="noStrike">
+                <a:solidFill>
+                  <a:srgbClr val="000000"/>
+                </a:solidFill>
+                <a:latin typeface="Arial"/>
+                <a:ea typeface="DejaVu Sans"/>
+              </a:rPr>
+              <a:t>G</a:t>
+            </a:r>
+            <a:r>
+              <a:rPr b="0" lang="en-US" sz="1500" spc="-1" strike="noStrike">
+                <a:solidFill>
+                  <a:srgbClr val="000000"/>
+                </a:solidFill>
+                <a:latin typeface="Arial"/>
+                <a:ea typeface="DejaVu Sans"/>
+              </a:rPr>
+              <a:t>at</a:t>
+            </a:r>
+            <a:r>
+              <a:rPr b="0" lang="en-US" sz="1500" spc="-1" strike="noStrike">
+                <a:solidFill>
+                  <a:srgbClr val="000000"/>
+                </a:solidFill>
+                <a:latin typeface="Arial"/>
+                <a:ea typeface="DejaVu Sans"/>
+              </a:rPr>
+              <a:t>e </a:t>
+            </a:r>
+            <a:r>
+              <a:rPr b="0" lang="en-US" sz="1500" spc="-1" strike="noStrike">
+                <a:solidFill>
+                  <a:srgbClr val="000000"/>
+                </a:solidFill>
+                <a:latin typeface="Arial"/>
+                <a:ea typeface="DejaVu Sans"/>
+              </a:rPr>
+              <a:t>P</a:t>
             </a:r>
             <a:endParaRPr b="0" lang="en-US" sz="1500" spc="-1" strike="noStrike">
               <a:latin typeface="Arial"/>
@@ -51160,7 +50703,7 @@
       </p:sp>
       <p:sp>
         <p:nvSpPr>
-          <p:cNvPr id="1331" name="CustomShape 36"/>
+          <p:cNvPr id="1317" name="CustomShape 22"/>
           <p:cNvSpPr/>
           <p:nvPr/>
         </p:nvSpPr>
@@ -51188,7 +50731,7 @@
       </p:sp>
       <p:sp>
         <p:nvSpPr>
-          <p:cNvPr id="1332" name="CustomShape 37"/>
+          <p:cNvPr id="1318" name="CustomShape 23"/>
           <p:cNvSpPr/>
           <p:nvPr/>
         </p:nvSpPr>
@@ -51218,7 +50761,7 @@
       </p:sp>
       <p:sp>
         <p:nvSpPr>
-          <p:cNvPr id="1333" name="CustomShape 38"/>
+          <p:cNvPr id="1319" name="CustomShape 24"/>
           <p:cNvSpPr/>
           <p:nvPr/>
         </p:nvSpPr>
@@ -51267,7 +50810,7 @@
       </p:sp>
       <p:sp>
         <p:nvSpPr>
-          <p:cNvPr id="1334" name="CustomShape 39"/>
+          <p:cNvPr id="1320" name="CustomShape 25"/>
           <p:cNvSpPr/>
           <p:nvPr/>
         </p:nvSpPr>
@@ -51308,7 +50851,117 @@
                 <a:latin typeface="Arial"/>
                 <a:ea typeface="DejaVu Sans"/>
               </a:rPr>
-              <a:t>Leeward Gate S</a:t>
+              <a:t>L</a:t>
+            </a:r>
+            <a:r>
+              <a:rPr b="0" lang="en-US" sz="1500" spc="-1" strike="noStrike">
+                <a:solidFill>
+                  <a:srgbClr val="000000"/>
+                </a:solidFill>
+                <a:latin typeface="Arial"/>
+                <a:ea typeface="DejaVu Sans"/>
+              </a:rPr>
+              <a:t>e</a:t>
+            </a:r>
+            <a:r>
+              <a:rPr b="0" lang="en-US" sz="1500" spc="-1" strike="noStrike">
+                <a:solidFill>
+                  <a:srgbClr val="000000"/>
+                </a:solidFill>
+                <a:latin typeface="Arial"/>
+                <a:ea typeface="DejaVu Sans"/>
+              </a:rPr>
+              <a:t>e</a:t>
+            </a:r>
+            <a:r>
+              <a:rPr b="0" lang="en-US" sz="1500" spc="-1" strike="noStrike">
+                <a:solidFill>
+                  <a:srgbClr val="000000"/>
+                </a:solidFill>
+                <a:latin typeface="Arial"/>
+                <a:ea typeface="DejaVu Sans"/>
+              </a:rPr>
+              <a:t>w</a:t>
+            </a:r>
+            <a:r>
+              <a:rPr b="0" lang="en-US" sz="1500" spc="-1" strike="noStrike">
+                <a:solidFill>
+                  <a:srgbClr val="000000"/>
+                </a:solidFill>
+                <a:latin typeface="Arial"/>
+                <a:ea typeface="DejaVu Sans"/>
+              </a:rPr>
+              <a:t>a</a:t>
+            </a:r>
+            <a:r>
+              <a:rPr b="0" lang="en-US" sz="1500" spc="-1" strike="noStrike">
+                <a:solidFill>
+                  <a:srgbClr val="000000"/>
+                </a:solidFill>
+                <a:latin typeface="Arial"/>
+                <a:ea typeface="DejaVu Sans"/>
+              </a:rPr>
+              <a:t>r</a:t>
+            </a:r>
+            <a:r>
+              <a:rPr b="0" lang="en-US" sz="1500" spc="-1" strike="noStrike">
+                <a:solidFill>
+                  <a:srgbClr val="000000"/>
+                </a:solidFill>
+                <a:latin typeface="Arial"/>
+                <a:ea typeface="DejaVu Sans"/>
+              </a:rPr>
+              <a:t>d </a:t>
+            </a:r>
+            <a:r>
+              <a:rPr b="0" lang="en-US" sz="1500" spc="-1" strike="noStrike">
+                <a:solidFill>
+                  <a:srgbClr val="000000"/>
+                </a:solidFill>
+                <a:latin typeface="Arial"/>
+                <a:ea typeface="DejaVu Sans"/>
+              </a:rPr>
+              <a:t>G</a:t>
+            </a:r>
+            <a:r>
+              <a:rPr b="0" lang="en-US" sz="1500" spc="-1" strike="noStrike">
+                <a:solidFill>
+                  <a:srgbClr val="000000"/>
+                </a:solidFill>
+                <a:latin typeface="Arial"/>
+                <a:ea typeface="DejaVu Sans"/>
+              </a:rPr>
+              <a:t>a</a:t>
+            </a:r>
+            <a:r>
+              <a:rPr b="0" lang="en-US" sz="1500" spc="-1" strike="noStrike">
+                <a:solidFill>
+                  <a:srgbClr val="000000"/>
+                </a:solidFill>
+                <a:latin typeface="Arial"/>
+                <a:ea typeface="DejaVu Sans"/>
+              </a:rPr>
+              <a:t>t</a:t>
+            </a:r>
+            <a:r>
+              <a:rPr b="0" lang="en-US" sz="1500" spc="-1" strike="noStrike">
+                <a:solidFill>
+                  <a:srgbClr val="000000"/>
+                </a:solidFill>
+                <a:latin typeface="Arial"/>
+                <a:ea typeface="DejaVu Sans"/>
+              </a:rPr>
+              <a:t>e </a:t>
+            </a:r>
+            <a:r>
+              <a:rPr b="0" lang="en-US" sz="1500" spc="-1" strike="noStrike">
+                <a:solidFill>
+                  <a:srgbClr val="000000"/>
+                </a:solidFill>
+                <a:latin typeface="Arial"/>
+                <a:ea typeface="DejaVu Sans"/>
+              </a:rPr>
+              <a:t>S</a:t>
             </a:r>
             <a:endParaRPr b="0" lang="en-US" sz="1500" spc="-1" strike="noStrike">
               <a:latin typeface="Arial"/>
@@ -51318,7 +50971,7 @@
       </p:sp>
       <p:sp>
         <p:nvSpPr>
-          <p:cNvPr id="1335" name="CustomShape 40"/>
+          <p:cNvPr id="1321" name="CustomShape 26"/>
           <p:cNvSpPr/>
           <p:nvPr/>
         </p:nvSpPr>
@@ -51369,7 +51022,7 @@
       </p:sp>
       <p:sp>
         <p:nvSpPr>
-          <p:cNvPr id="1336" name="CustomShape 41"/>
+          <p:cNvPr id="1322" name="CustomShape 27"/>
           <p:cNvSpPr/>
           <p:nvPr/>
         </p:nvSpPr>
@@ -51399,7 +51052,7 @@
       </p:sp>
       <p:sp>
         <p:nvSpPr>
-          <p:cNvPr id="1337" name="CustomShape 42"/>
+          <p:cNvPr id="1323" name="CustomShape 28"/>
           <p:cNvSpPr/>
           <p:nvPr/>
         </p:nvSpPr>
@@ -51448,7 +51101,7 @@
       </p:sp>
       <p:sp>
         <p:nvSpPr>
-          <p:cNvPr id="1338" name="CustomShape 43"/>
+          <p:cNvPr id="1324" name="CustomShape 29"/>
           <p:cNvSpPr/>
           <p:nvPr/>
         </p:nvSpPr>
@@ -51499,7 +51152,7 @@
       </p:sp>
       <p:sp>
         <p:nvSpPr>
-          <p:cNvPr id="1339" name="CustomShape 44"/>
+          <p:cNvPr id="1325" name="CustomShape 30"/>
           <p:cNvSpPr/>
           <p:nvPr/>
         </p:nvSpPr>
@@ -51527,7 +51180,7 @@
       </p:sp>
       <p:sp>
         <p:nvSpPr>
-          <p:cNvPr id="1340" name="CustomShape 45"/>
+          <p:cNvPr id="1326" name="CustomShape 31"/>
           <p:cNvSpPr/>
           <p:nvPr/>
         </p:nvSpPr>
@@ -51578,13 +51231,13 @@
       </p:sp>
       <p:sp>
         <p:nvSpPr>
-          <p:cNvPr id="1341" name="CustomShape 46"/>
+          <p:cNvPr id="1327" name="CustomShape 32"/>
           <p:cNvSpPr/>
           <p:nvPr/>
         </p:nvSpPr>
         <p:spPr>
           <a:xfrm>
-            <a:off x="2743200" y="5716800"/>
+            <a:off x="2743200" y="7768800"/>
             <a:ext cx="3199680" cy="639360"/>
           </a:xfrm>
           <a:prstGeom prst="rect">
@@ -51608,13 +51261,13 @@
       </p:sp>
       <p:sp>
         <p:nvSpPr>
-          <p:cNvPr id="1342" name="CustomShape 47"/>
+          <p:cNvPr id="1328" name="CustomShape 33"/>
           <p:cNvSpPr/>
           <p:nvPr/>
         </p:nvSpPr>
         <p:spPr>
           <a:xfrm rot="10727400">
-            <a:off x="5484240" y="5899680"/>
+            <a:off x="5484240" y="7951680"/>
             <a:ext cx="365040" cy="273600"/>
           </a:xfrm>
           <a:custGeom>
@@ -51657,13 +51310,13 @@
       </p:sp>
       <p:sp>
         <p:nvSpPr>
-          <p:cNvPr id="1343" name="CustomShape 48"/>
+          <p:cNvPr id="1329" name="CustomShape 34"/>
           <p:cNvSpPr/>
           <p:nvPr/>
         </p:nvSpPr>
         <p:spPr>
           <a:xfrm>
-            <a:off x="3291840" y="5918760"/>
+            <a:off x="3291840" y="7970760"/>
             <a:ext cx="1188000" cy="301320"/>
           </a:xfrm>
           <a:prstGeom prst="rect">
@@ -51708,13 +51361,13 @@
       </p:sp>
       <p:sp>
         <p:nvSpPr>
-          <p:cNvPr id="1344" name="CustomShape 49"/>
+          <p:cNvPr id="1330" name="CustomShape 35"/>
           <p:cNvSpPr/>
           <p:nvPr/>
         </p:nvSpPr>
         <p:spPr>
           <a:xfrm>
-            <a:off x="2560320" y="5625360"/>
+            <a:off x="2560320" y="7677360"/>
             <a:ext cx="8868960" cy="822240"/>
           </a:xfrm>
           <a:prstGeom prst="rect">
@@ -51736,13 +51389,13 @@
       </p:sp>
       <p:sp>
         <p:nvSpPr>
-          <p:cNvPr id="1345" name="CustomShape 50"/>
+          <p:cNvPr id="1331" name="CustomShape 36"/>
           <p:cNvSpPr/>
           <p:nvPr/>
         </p:nvSpPr>
         <p:spPr>
           <a:xfrm>
-            <a:off x="8046720" y="5716800"/>
+            <a:off x="8046720" y="7768800"/>
             <a:ext cx="3199680" cy="639360"/>
           </a:xfrm>
           <a:prstGeom prst="rect">
@@ -51766,13 +51419,13 @@
       </p:sp>
       <p:sp>
         <p:nvSpPr>
-          <p:cNvPr id="1346" name="CustomShape 51"/>
+          <p:cNvPr id="1332" name="CustomShape 37"/>
           <p:cNvSpPr/>
           <p:nvPr/>
         </p:nvSpPr>
         <p:spPr>
           <a:xfrm rot="10727400">
-            <a:off x="10787760" y="5899680"/>
+            <a:off x="10787760" y="7951680"/>
             <a:ext cx="365040" cy="273600"/>
           </a:xfrm>
           <a:custGeom>
@@ -51815,13 +51468,13 @@
       </p:sp>
       <p:sp>
         <p:nvSpPr>
-          <p:cNvPr id="1347" name="CustomShape 52"/>
+          <p:cNvPr id="1333" name="CustomShape 38"/>
           <p:cNvSpPr/>
           <p:nvPr/>
         </p:nvSpPr>
         <p:spPr>
           <a:xfrm>
-            <a:off x="8595360" y="5871600"/>
+            <a:off x="8595360" y="7923600"/>
             <a:ext cx="1096560" cy="301320"/>
           </a:xfrm>
           <a:prstGeom prst="rect">
@@ -51866,13 +51519,13 @@
       </p:sp>
       <p:sp>
         <p:nvSpPr>
-          <p:cNvPr id="1348" name="CustomShape 53"/>
+          <p:cNvPr id="1334" name="CustomShape 39"/>
           <p:cNvSpPr/>
           <p:nvPr/>
         </p:nvSpPr>
         <p:spPr>
           <a:xfrm>
-            <a:off x="11521440" y="5899680"/>
+            <a:off x="11521440" y="7951680"/>
             <a:ext cx="332280" cy="345600"/>
           </a:xfrm>
           <a:prstGeom prst="rect">
@@ -51917,7 +51570,7 @@
       </p:sp>
       <p:sp>
         <p:nvSpPr>
-          <p:cNvPr id="1349" name="CustomShape 54"/>
+          <p:cNvPr id="1335" name="CustomShape 40"/>
           <p:cNvSpPr/>
           <p:nvPr/>
         </p:nvSpPr>
@@ -51947,7 +51600,7 @@
       </p:sp>
       <p:sp>
         <p:nvSpPr>
-          <p:cNvPr id="1350" name="CustomShape 55"/>
+          <p:cNvPr id="1336" name="CustomShape 41"/>
           <p:cNvSpPr/>
           <p:nvPr/>
         </p:nvSpPr>
@@ -51998,7 +51651,7 @@
       </p:sp>
       <p:sp>
         <p:nvSpPr>
-          <p:cNvPr id="1351" name="CustomShape 56"/>
+          <p:cNvPr id="1337" name="CustomShape 42"/>
           <p:cNvSpPr/>
           <p:nvPr/>
         </p:nvSpPr>
@@ -52028,7 +51681,7 @@
       </p:sp>
       <p:sp>
         <p:nvSpPr>
-          <p:cNvPr id="1352" name="CustomShape 57"/>
+          <p:cNvPr id="1338" name="CustomShape 43"/>
           <p:cNvSpPr/>
           <p:nvPr/>
         </p:nvSpPr>
@@ -52079,7 +51732,7 @@
       </p:sp>
       <p:grpSp>
         <p:nvGrpSpPr>
-          <p:cNvPr id="1353" name="Group 58"/>
+          <p:cNvPr id="1339" name="Group 44"/>
           <p:cNvGrpSpPr/>
           <p:nvPr/>
         </p:nvGrpSpPr>
@@ -52093,7 +51746,7 @@
         </p:grpSpPr>
         <p:sp>
           <p:nvSpPr>
-            <p:cNvPr id="1354" name="CustomShape 59"/>
+            <p:cNvPr id="1340" name="CustomShape 45"/>
             <p:cNvSpPr/>
             <p:nvPr/>
           </p:nvSpPr>
@@ -52142,7 +51795,7 @@
         </p:sp>
         <p:sp>
           <p:nvSpPr>
-            <p:cNvPr id="1355" name="CustomShape 60"/>
+            <p:cNvPr id="1341" name="CustomShape 46"/>
             <p:cNvSpPr/>
             <p:nvPr/>
           </p:nvSpPr>
@@ -52191,7 +51844,7 @@
         </p:sp>
         <p:sp>
           <p:nvSpPr>
-            <p:cNvPr id="1356" name="CustomShape 61"/>
+            <p:cNvPr id="1342" name="CustomShape 47"/>
             <p:cNvSpPr/>
             <p:nvPr/>
           </p:nvSpPr>
@@ -52240,7 +51893,7 @@
         </p:sp>
         <p:sp>
           <p:nvSpPr>
-            <p:cNvPr id="1357" name="CustomShape 62"/>
+            <p:cNvPr id="1343" name="CustomShape 48"/>
             <p:cNvSpPr/>
             <p:nvPr/>
           </p:nvSpPr>
@@ -52289,7 +51942,7 @@
         </p:sp>
         <p:sp>
           <p:nvSpPr>
-            <p:cNvPr id="1358" name="CustomShape 63"/>
+            <p:cNvPr id="1344" name="CustomShape 49"/>
             <p:cNvSpPr/>
             <p:nvPr/>
           </p:nvSpPr>
@@ -52338,7 +51991,7 @@
         </p:sp>
         <p:sp>
           <p:nvSpPr>
-            <p:cNvPr id="1359" name="CustomShape 64"/>
+            <p:cNvPr id="1345" name="CustomShape 50"/>
             <p:cNvSpPr/>
             <p:nvPr/>
           </p:nvSpPr>
@@ -52387,7 +52040,7 @@
         </p:sp>
         <p:sp>
           <p:nvSpPr>
-            <p:cNvPr id="1360" name="CustomShape 65"/>
+            <p:cNvPr id="1346" name="CustomShape 51"/>
             <p:cNvSpPr/>
             <p:nvPr/>
           </p:nvSpPr>
@@ -52436,7 +52089,7 @@
         </p:sp>
         <p:sp>
           <p:nvSpPr>
-            <p:cNvPr id="1361" name="CustomShape 66"/>
+            <p:cNvPr id="1347" name="CustomShape 52"/>
             <p:cNvSpPr/>
             <p:nvPr/>
           </p:nvSpPr>
@@ -52486,7 +52139,7 @@
       </p:grpSp>
       <p:pic>
         <p:nvPicPr>
-          <p:cNvPr id="1362" name="" descr=""/>
+          <p:cNvPr id="1348" name="" descr=""/>
           <p:cNvPicPr/>
           <p:nvPr/>
         </p:nvPicPr>
@@ -52509,7 +52162,7 @@
       </p:pic>
       <p:pic>
         <p:nvPicPr>
-          <p:cNvPr id="1363" name="" descr=""/>
+          <p:cNvPr id="1349" name="" descr=""/>
           <p:cNvPicPr/>
           <p:nvPr/>
         </p:nvPicPr>
@@ -52532,7 +52185,7 @@
       </p:pic>
       <p:pic>
         <p:nvPicPr>
-          <p:cNvPr id="1364" name="" descr=""/>
+          <p:cNvPr id="1350" name="" descr=""/>
           <p:cNvPicPr/>
           <p:nvPr/>
         </p:nvPicPr>
@@ -52555,7 +52208,7 @@
       </p:pic>
       <p:sp>
         <p:nvSpPr>
-          <p:cNvPr id="1365" name="CustomShape 67"/>
+          <p:cNvPr id="1351" name="CustomShape 53"/>
           <p:cNvSpPr/>
           <p:nvPr/>
         </p:nvSpPr>
@@ -52585,7 +52238,7 @@
       </p:sp>
       <p:sp>
         <p:nvSpPr>
-          <p:cNvPr id="1366" name="CustomShape 68"/>
+          <p:cNvPr id="1352" name="CustomShape 54"/>
           <p:cNvSpPr/>
           <p:nvPr/>
         </p:nvSpPr>
@@ -52636,7 +52289,7 @@
       </p:sp>
       <p:grpSp>
         <p:nvGrpSpPr>
-          <p:cNvPr id="1367" name="Group 69"/>
+          <p:cNvPr id="1353" name="Group 55"/>
           <p:cNvGrpSpPr/>
           <p:nvPr/>
         </p:nvGrpSpPr>
@@ -52650,7 +52303,7 @@
         </p:grpSpPr>
         <p:sp>
           <p:nvSpPr>
-            <p:cNvPr id="1368" name="CustomShape 70"/>
+            <p:cNvPr id="1354" name="CustomShape 56"/>
             <p:cNvSpPr/>
             <p:nvPr/>
           </p:nvSpPr>
@@ -52699,7 +52352,7 @@
         </p:sp>
         <p:sp>
           <p:nvSpPr>
-            <p:cNvPr id="1369" name="CustomShape 71"/>
+            <p:cNvPr id="1355" name="CustomShape 57"/>
             <p:cNvSpPr/>
             <p:nvPr/>
           </p:nvSpPr>
@@ -52748,7 +52401,7 @@
         </p:sp>
         <p:sp>
           <p:nvSpPr>
-            <p:cNvPr id="1370" name="CustomShape 72"/>
+            <p:cNvPr id="1356" name="CustomShape 58"/>
             <p:cNvSpPr/>
             <p:nvPr/>
           </p:nvSpPr>
@@ -52797,7 +52450,7 @@
         </p:sp>
         <p:sp>
           <p:nvSpPr>
-            <p:cNvPr id="1371" name="CustomShape 73"/>
+            <p:cNvPr id="1357" name="CustomShape 59"/>
             <p:cNvSpPr/>
             <p:nvPr/>
           </p:nvSpPr>
@@ -52846,7 +52499,7 @@
         </p:sp>
         <p:sp>
           <p:nvSpPr>
-            <p:cNvPr id="1372" name="CustomShape 74"/>
+            <p:cNvPr id="1358" name="CustomShape 60"/>
             <p:cNvSpPr/>
             <p:nvPr/>
           </p:nvSpPr>
@@ -52895,7 +52548,7 @@
         </p:sp>
         <p:sp>
           <p:nvSpPr>
-            <p:cNvPr id="1373" name="CustomShape 75"/>
+            <p:cNvPr id="1359" name="CustomShape 61"/>
             <p:cNvSpPr/>
             <p:nvPr/>
           </p:nvSpPr>
@@ -52944,7 +52597,7 @@
         </p:sp>
         <p:sp>
           <p:nvSpPr>
-            <p:cNvPr id="1374" name="CustomShape 76"/>
+            <p:cNvPr id="1360" name="CustomShape 62"/>
             <p:cNvSpPr/>
             <p:nvPr/>
           </p:nvSpPr>
@@ -52993,7 +52646,7 @@
         </p:sp>
         <p:sp>
           <p:nvSpPr>
-            <p:cNvPr id="1375" name="CustomShape 77"/>
+            <p:cNvPr id="1361" name="CustomShape 63"/>
             <p:cNvSpPr/>
             <p:nvPr/>
           </p:nvSpPr>
@@ -53043,7 +52696,7 @@
       </p:grpSp>
       <p:pic>
         <p:nvPicPr>
-          <p:cNvPr id="1376" name="" descr=""/>
+          <p:cNvPr id="1362" name="" descr=""/>
           <p:cNvPicPr/>
           <p:nvPr/>
         </p:nvPicPr>
@@ -53066,7 +52719,7 @@
       </p:pic>
       <p:pic>
         <p:nvPicPr>
-          <p:cNvPr id="1377" name="" descr=""/>
+          <p:cNvPr id="1363" name="" descr=""/>
           <p:cNvPicPr/>
           <p:nvPr/>
         </p:nvPicPr>
@@ -53089,7 +52742,7 @@
       </p:pic>
       <p:pic>
         <p:nvPicPr>
-          <p:cNvPr id="1378" name="" descr=""/>
+          <p:cNvPr id="1364" name="" descr=""/>
           <p:cNvPicPr/>
           <p:nvPr/>
         </p:nvPicPr>
@@ -53112,7 +52765,7 @@
       </p:pic>
       <p:pic>
         <p:nvPicPr>
-          <p:cNvPr id="1379" name="" descr=""/>
+          <p:cNvPr id="1365" name="" descr=""/>
           <p:cNvPicPr/>
           <p:nvPr/>
         </p:nvPicPr>
@@ -53122,7 +52775,7 @@
         </p:blipFill>
         <p:spPr>
           <a:xfrm>
-            <a:off x="10350360" y="5855040"/>
+            <a:off x="10350360" y="7907040"/>
             <a:ext cx="255960" cy="351360"/>
           </a:xfrm>
           <a:prstGeom prst="rect">
@@ -53135,27 +52788,27 @@
       </p:pic>
       <p:grpSp>
         <p:nvGrpSpPr>
-          <p:cNvPr id="1380" name="Group 78"/>
+          <p:cNvPr id="1366" name="Group 64"/>
           <p:cNvGrpSpPr/>
           <p:nvPr/>
         </p:nvGrpSpPr>
         <p:grpSpPr>
           <a:xfrm>
-            <a:off x="4876920" y="5732280"/>
+            <a:off x="4876920" y="7784280"/>
             <a:ext cx="621720" cy="599040"/>
-            <a:chOff x="4876920" y="5732280"/>
+            <a:chOff x="4876920" y="7784280"/>
             <a:chExt cx="621720" cy="599040"/>
           </a:xfrm>
         </p:grpSpPr>
         <p:sp>
           <p:nvSpPr>
-            <p:cNvPr id="1381" name="CustomShape 79"/>
+            <p:cNvPr id="1367" name="CustomShape 65"/>
             <p:cNvSpPr/>
             <p:nvPr/>
           </p:nvSpPr>
           <p:spPr>
             <a:xfrm rot="2250000">
-              <a:off x="4976640" y="6059880"/>
+              <a:off x="4976640" y="8111880"/>
               <a:ext cx="139320" cy="209880"/>
             </a:xfrm>
             <a:custGeom>
@@ -53198,13 +52851,13 @@
         </p:sp>
         <p:sp>
           <p:nvSpPr>
-            <p:cNvPr id="1382" name="CustomShape 80"/>
+            <p:cNvPr id="1368" name="CustomShape 66"/>
             <p:cNvSpPr/>
             <p:nvPr/>
           </p:nvSpPr>
           <p:spPr>
             <a:xfrm rot="13224600">
-              <a:off x="5254920" y="5781240"/>
+              <a:off x="5254920" y="7833240"/>
               <a:ext cx="139680" cy="209880"/>
             </a:xfrm>
             <a:custGeom>
@@ -53247,13 +52900,13 @@
         </p:sp>
         <p:sp>
           <p:nvSpPr>
-            <p:cNvPr id="1383" name="CustomShape 81"/>
+            <p:cNvPr id="1369" name="CustomShape 67"/>
             <p:cNvSpPr/>
             <p:nvPr/>
           </p:nvSpPr>
           <p:spPr>
             <a:xfrm rot="5153400">
-              <a:off x="4916880" y="5913000"/>
+              <a:off x="4916880" y="7965000"/>
               <a:ext cx="139680" cy="209880"/>
             </a:xfrm>
             <a:custGeom>
@@ -53296,13 +52949,13 @@
         </p:sp>
         <p:sp>
           <p:nvSpPr>
-            <p:cNvPr id="1384" name="CustomShape 82"/>
+            <p:cNvPr id="1370" name="CustomShape 68"/>
             <p:cNvSpPr/>
             <p:nvPr/>
           </p:nvSpPr>
           <p:spPr>
             <a:xfrm>
-              <a:off x="5096520" y="6121800"/>
+              <a:off x="5096520" y="8173800"/>
               <a:ext cx="139680" cy="209520"/>
             </a:xfrm>
             <a:custGeom>
@@ -53345,13 +52998,13 @@
         </p:sp>
         <p:sp>
           <p:nvSpPr>
-            <p:cNvPr id="1385" name="CustomShape 83"/>
+            <p:cNvPr id="1371" name="CustomShape 69"/>
             <p:cNvSpPr/>
             <p:nvPr/>
           </p:nvSpPr>
           <p:spPr>
             <a:xfrm rot="15977400">
-              <a:off x="5319720" y="5914080"/>
+              <a:off x="5319720" y="7966080"/>
               <a:ext cx="139320" cy="209520"/>
             </a:xfrm>
             <a:custGeom>
@@ -53394,13 +53047,13 @@
         </p:sp>
         <p:sp>
           <p:nvSpPr>
-            <p:cNvPr id="1386" name="CustomShape 84"/>
+            <p:cNvPr id="1372" name="CustomShape 70"/>
             <p:cNvSpPr/>
             <p:nvPr/>
           </p:nvSpPr>
           <p:spPr>
             <a:xfrm rot="10800000">
-              <a:off x="5097240" y="5732280"/>
+              <a:off x="5097240" y="7784280"/>
               <a:ext cx="139680" cy="209520"/>
             </a:xfrm>
             <a:custGeom>
@@ -53443,13 +53096,13 @@
         </p:sp>
         <p:sp>
           <p:nvSpPr>
-            <p:cNvPr id="1387" name="CustomShape 85"/>
+            <p:cNvPr id="1373" name="CustomShape 71"/>
             <p:cNvSpPr/>
             <p:nvPr/>
           </p:nvSpPr>
           <p:spPr>
             <a:xfrm rot="19077600">
-              <a:off x="5254200" y="6062040"/>
+              <a:off x="5254200" y="8114040"/>
               <a:ext cx="139320" cy="209520"/>
             </a:xfrm>
             <a:custGeom>
@@ -53492,13 +53145,13 @@
         </p:sp>
         <p:sp>
           <p:nvSpPr>
-            <p:cNvPr id="1388" name="CustomShape 86"/>
+            <p:cNvPr id="1374" name="CustomShape 72"/>
             <p:cNvSpPr/>
             <p:nvPr/>
           </p:nvSpPr>
           <p:spPr>
             <a:xfrm rot="8416200">
-              <a:off x="4975560" y="5780880"/>
+              <a:off x="4975560" y="7832880"/>
               <a:ext cx="139680" cy="209520"/>
             </a:xfrm>
             <a:custGeom>
@@ -53542,7 +53195,7 @@
       </p:grpSp>
       <p:pic>
         <p:nvPicPr>
-          <p:cNvPr id="1389" name="" descr=""/>
+          <p:cNvPr id="1375" name="" descr=""/>
           <p:cNvPicPr/>
           <p:nvPr/>
         </p:nvPicPr>
@@ -53552,7 +53205,7 @@
         </p:blipFill>
         <p:spPr>
           <a:xfrm>
-            <a:off x="5029200" y="5830560"/>
+            <a:off x="5029200" y="7882560"/>
             <a:ext cx="408600" cy="389520"/>
           </a:xfrm>
           <a:prstGeom prst="rect">
@@ -53565,7 +53218,7 @@
       </p:pic>
       <p:sp>
         <p:nvSpPr>
-          <p:cNvPr id="1390" name="CustomShape 87"/>
+          <p:cNvPr id="1376" name="CustomShape 73"/>
           <p:cNvSpPr/>
           <p:nvPr/>
         </p:nvSpPr>
@@ -53595,7 +53248,7 @@
       </p:sp>
       <p:sp>
         <p:nvSpPr>
-          <p:cNvPr id="1391" name="CustomShape 88"/>
+          <p:cNvPr id="1377" name="CustomShape 74"/>
           <p:cNvSpPr/>
           <p:nvPr/>
         </p:nvSpPr>
@@ -53646,7 +53299,7 @@
       </p:sp>
       <p:sp>
         <p:nvSpPr>
-          <p:cNvPr id="1392" name="CustomShape 89"/>
+          <p:cNvPr id="1378" name="CustomShape 75"/>
           <p:cNvSpPr/>
           <p:nvPr/>
         </p:nvSpPr>
@@ -53676,7 +53329,7 @@
       </p:sp>
       <p:sp>
         <p:nvSpPr>
-          <p:cNvPr id="1393" name="CustomShape 90"/>
+          <p:cNvPr id="1379" name="CustomShape 76"/>
           <p:cNvSpPr/>
           <p:nvPr/>
         </p:nvSpPr>
@@ -53727,7 +53380,7 @@
       </p:sp>
       <p:sp>
         <p:nvSpPr>
-          <p:cNvPr id="1394" name="CustomShape 91"/>
+          <p:cNvPr id="1380" name="CustomShape 77"/>
           <p:cNvSpPr/>
           <p:nvPr/>
         </p:nvSpPr>
@@ -53757,7 +53410,7 @@
       </p:sp>
       <p:sp>
         <p:nvSpPr>
-          <p:cNvPr id="1395" name="CustomShape 92"/>
+          <p:cNvPr id="1381" name="CustomShape 78"/>
           <p:cNvSpPr/>
           <p:nvPr/>
         </p:nvSpPr>
@@ -53808,13 +53461,13 @@
       </p:sp>
       <p:sp>
         <p:nvSpPr>
-          <p:cNvPr id="1396" name="CustomShape 93"/>
+          <p:cNvPr id="1382" name="CustomShape 79"/>
           <p:cNvSpPr/>
           <p:nvPr/>
         </p:nvSpPr>
         <p:spPr>
           <a:xfrm>
-            <a:off x="2833200" y="5780160"/>
+            <a:off x="2833200" y="7832160"/>
             <a:ext cx="457920" cy="457920"/>
           </a:xfrm>
           <a:prstGeom prst="ellipse">
@@ -53838,13 +53491,13 @@
       </p:sp>
       <p:sp>
         <p:nvSpPr>
-          <p:cNvPr id="1397" name="CustomShape 94"/>
+          <p:cNvPr id="1383" name="CustomShape 80"/>
           <p:cNvSpPr/>
           <p:nvPr/>
         </p:nvSpPr>
         <p:spPr>
           <a:xfrm>
-            <a:off x="2858040" y="5871600"/>
+            <a:off x="2858040" y="7923600"/>
             <a:ext cx="433080" cy="301320"/>
           </a:xfrm>
           <a:prstGeom prst="rect">
@@ -53889,13 +53542,13 @@
       </p:sp>
       <p:sp>
         <p:nvSpPr>
-          <p:cNvPr id="1398" name="CustomShape 95"/>
+          <p:cNvPr id="1384" name="CustomShape 81"/>
           <p:cNvSpPr/>
           <p:nvPr/>
         </p:nvSpPr>
         <p:spPr>
           <a:xfrm>
-            <a:off x="8136720" y="5780160"/>
+            <a:off x="8136720" y="7832160"/>
             <a:ext cx="457920" cy="457920"/>
           </a:xfrm>
           <a:prstGeom prst="ellipse">
@@ -53919,13 +53572,13 @@
       </p:sp>
       <p:sp>
         <p:nvSpPr>
-          <p:cNvPr id="1399" name="CustomShape 96"/>
+          <p:cNvPr id="1385" name="CustomShape 82"/>
           <p:cNvSpPr/>
           <p:nvPr/>
         </p:nvSpPr>
         <p:spPr>
           <a:xfrm>
-            <a:off x="8161560" y="5871600"/>
+            <a:off x="8161560" y="7923600"/>
             <a:ext cx="433080" cy="301320"/>
           </a:xfrm>
           <a:prstGeom prst="rect">
@@ -53970,7 +53623,7 @@
       </p:sp>
       <p:sp>
         <p:nvSpPr>
-          <p:cNvPr id="1400" name="CustomShape 97"/>
+          <p:cNvPr id="1386" name="CustomShape 83"/>
           <p:cNvSpPr/>
           <p:nvPr/>
         </p:nvSpPr>
@@ -54023,7 +53676,7 @@
       </p:sp>
       <p:sp>
         <p:nvSpPr>
-          <p:cNvPr id="1401" name="CustomShape 98"/>
+          <p:cNvPr id="1387" name="CustomShape 84"/>
           <p:cNvSpPr/>
           <p:nvPr/>
         </p:nvSpPr>
@@ -54076,7 +53729,7 @@
       </p:sp>
       <p:sp>
         <p:nvSpPr>
-          <p:cNvPr id="1402" name="CustomShape 99"/>
+          <p:cNvPr id="1388" name="CustomShape 85"/>
           <p:cNvSpPr/>
           <p:nvPr/>
         </p:nvSpPr>
@@ -54129,7 +53782,7 @@
       </p:sp>
       <p:sp>
         <p:nvSpPr>
-          <p:cNvPr id="1403" name="CustomShape 100"/>
+          <p:cNvPr id="1389" name="CustomShape 86"/>
           <p:cNvSpPr/>
           <p:nvPr/>
         </p:nvSpPr>
@@ -54182,7 +53835,7 @@
       </p:sp>
       <p:sp>
         <p:nvSpPr>
-          <p:cNvPr id="1404" name="CustomShape 101"/>
+          <p:cNvPr id="1390" name="CustomShape 87"/>
           <p:cNvSpPr/>
           <p:nvPr/>
         </p:nvSpPr>
@@ -54235,13 +53888,13 @@
       </p:sp>
       <p:sp>
         <p:nvSpPr>
-          <p:cNvPr id="1405" name="CustomShape 102"/>
+          <p:cNvPr id="1391" name="CustomShape 88"/>
           <p:cNvSpPr/>
           <p:nvPr/>
         </p:nvSpPr>
         <p:spPr>
           <a:xfrm>
-            <a:off x="11521800" y="6376680"/>
+            <a:off x="11521800" y="8428680"/>
             <a:ext cx="273600" cy="273600"/>
           </a:xfrm>
           <a:prstGeom prst="ellipse">
@@ -54288,7 +53941,7 @@
       </p:sp>
       <p:grpSp>
         <p:nvGrpSpPr>
-          <p:cNvPr id="1406" name="Group 103"/>
+          <p:cNvPr id="1392" name="Group 89"/>
           <p:cNvGrpSpPr/>
           <p:nvPr/>
         </p:nvGrpSpPr>
@@ -54302,7 +53955,7 @@
         </p:grpSpPr>
         <p:sp>
           <p:nvSpPr>
-            <p:cNvPr id="1407" name="CustomShape 104"/>
+            <p:cNvPr id="1393" name="CustomShape 90"/>
             <p:cNvSpPr/>
             <p:nvPr/>
           </p:nvSpPr>
@@ -54351,7 +54004,7 @@
         </p:sp>
         <p:sp>
           <p:nvSpPr>
-            <p:cNvPr id="1408" name="CustomShape 105"/>
+            <p:cNvPr id="1394" name="CustomShape 91"/>
             <p:cNvSpPr/>
             <p:nvPr/>
           </p:nvSpPr>
@@ -54400,7 +54053,7 @@
         </p:sp>
         <p:sp>
           <p:nvSpPr>
-            <p:cNvPr id="1409" name="CustomShape 106"/>
+            <p:cNvPr id="1395" name="CustomShape 92"/>
             <p:cNvSpPr/>
             <p:nvPr/>
           </p:nvSpPr>
@@ -54449,7 +54102,7 @@
         </p:sp>
         <p:sp>
           <p:nvSpPr>
-            <p:cNvPr id="1410" name="CustomShape 107"/>
+            <p:cNvPr id="1396" name="CustomShape 93"/>
             <p:cNvSpPr/>
             <p:nvPr/>
           </p:nvSpPr>
@@ -54498,7 +54151,7 @@
         </p:sp>
         <p:sp>
           <p:nvSpPr>
-            <p:cNvPr id="1411" name="CustomShape 108"/>
+            <p:cNvPr id="1397" name="CustomShape 94"/>
             <p:cNvSpPr/>
             <p:nvPr/>
           </p:nvSpPr>
@@ -54547,7 +54200,7 @@
         </p:sp>
         <p:sp>
           <p:nvSpPr>
-            <p:cNvPr id="1412" name="CustomShape 109"/>
+            <p:cNvPr id="1398" name="CustomShape 95"/>
             <p:cNvSpPr/>
             <p:nvPr/>
           </p:nvSpPr>
@@ -54596,7 +54249,7 @@
         </p:sp>
         <p:sp>
           <p:nvSpPr>
-            <p:cNvPr id="1413" name="CustomShape 110"/>
+            <p:cNvPr id="1399" name="CustomShape 96"/>
             <p:cNvSpPr/>
             <p:nvPr/>
           </p:nvSpPr>
@@ -54645,7 +54298,7 @@
         </p:sp>
         <p:sp>
           <p:nvSpPr>
-            <p:cNvPr id="1414" name="CustomShape 111"/>
+            <p:cNvPr id="1400" name="CustomShape 97"/>
             <p:cNvSpPr/>
             <p:nvPr/>
           </p:nvSpPr>
@@ -54695,7 +54348,7 @@
       </p:grpSp>
       <p:sp>
         <p:nvSpPr>
-          <p:cNvPr id="1415" name="CustomShape 112"/>
+          <p:cNvPr id="1401" name="CustomShape 98"/>
           <p:cNvSpPr/>
           <p:nvPr/>
         </p:nvSpPr>
@@ -54725,7 +54378,7 @@
       </p:sp>
       <p:sp>
         <p:nvSpPr>
-          <p:cNvPr id="1416" name="CustomShape 113"/>
+          <p:cNvPr id="1402" name="CustomShape 99"/>
           <p:cNvSpPr/>
           <p:nvPr/>
         </p:nvSpPr>
@@ -54776,7 +54429,7 @@
       </p:sp>
       <p:sp>
         <p:nvSpPr>
-          <p:cNvPr id="1417" name="CustomShape 114"/>
+          <p:cNvPr id="1403" name="CustomShape 100"/>
           <p:cNvSpPr/>
           <p:nvPr/>
         </p:nvSpPr>
@@ -54827,7 +54480,7 @@
       </p:sp>
       <p:sp>
         <p:nvSpPr>
-          <p:cNvPr id="1418" name="CustomShape 115"/>
+          <p:cNvPr id="1404" name="CustomShape 101"/>
           <p:cNvSpPr/>
           <p:nvPr/>
         </p:nvSpPr>
@@ -54878,7 +54531,7 @@
       </p:sp>
       <p:sp>
         <p:nvSpPr>
-          <p:cNvPr id="1419" name="CustomShape 116"/>
+          <p:cNvPr id="1405" name="CustomShape 102"/>
           <p:cNvSpPr/>
           <p:nvPr/>
         </p:nvSpPr>
@@ -54929,7 +54582,7 @@
       </p:sp>
       <p:sp>
         <p:nvSpPr>
-          <p:cNvPr id="1420" name="CustomShape 117"/>
+          <p:cNvPr id="1406" name="CustomShape 103"/>
           <p:cNvSpPr/>
           <p:nvPr/>
         </p:nvSpPr>
@@ -54982,7 +54635,7 @@
       </p:sp>
       <p:sp>
         <p:nvSpPr>
-          <p:cNvPr id="1421" name="CustomShape 118"/>
+          <p:cNvPr id="1407" name="CustomShape 104"/>
           <p:cNvSpPr/>
           <p:nvPr/>
         </p:nvSpPr>
@@ -55033,7 +54686,7 @@
       </p:sp>
       <p:sp>
         <p:nvSpPr>
-          <p:cNvPr id="1422" name="CustomShape 119"/>
+          <p:cNvPr id="1408" name="CustomShape 105"/>
           <p:cNvSpPr/>
           <p:nvPr/>
         </p:nvSpPr>
@@ -55084,7 +54737,7 @@
       </p:sp>
       <p:pic>
         <p:nvPicPr>
-          <p:cNvPr id="1423" name="" descr=""/>
+          <p:cNvPr id="1409" name="" descr=""/>
           <p:cNvPicPr/>
           <p:nvPr/>
         </p:nvPicPr>
@@ -55107,7 +54760,7 @@
       </p:pic>
       <p:pic>
         <p:nvPicPr>
-          <p:cNvPr id="1424" name="" descr=""/>
+          <p:cNvPr id="1410" name="" descr=""/>
           <p:cNvPicPr/>
           <p:nvPr/>
         </p:nvPicPr>
@@ -55130,1209 +54783,13 @@
       </p:pic>
       <p:sp>
         <p:nvSpPr>
-          <p:cNvPr id="1425" name="CustomShape 120"/>
+          <p:cNvPr id="1411" name="CustomShape 106"/>
           <p:cNvSpPr/>
           <p:nvPr/>
         </p:nvSpPr>
         <p:spPr>
           <a:xfrm>
-            <a:off x="5446080" y="2109960"/>
-            <a:ext cx="6166080" cy="5296320"/>
-          </a:xfrm>
-          <a:prstGeom prst="rect">
-            <a:avLst/>
-          </a:prstGeom>
-          <a:solidFill>
-            <a:srgbClr val="ffdbb6"/>
-          </a:solidFill>
-          <a:ln>
-            <a:solidFill>
-              <a:srgbClr val="3465a4"/>
-            </a:solidFill>
-          </a:ln>
-        </p:spPr>
-        <p:style>
-          <a:lnRef idx="0"/>
-          <a:fillRef idx="0"/>
-          <a:effectRef idx="0"/>
-          <a:fontRef idx="minor"/>
-        </p:style>
-      </p:sp>
-      <p:sp>
-        <p:nvSpPr>
-          <p:cNvPr id="1426" name="CustomShape 121"/>
-          <p:cNvSpPr/>
-          <p:nvPr/>
-        </p:nvSpPr>
-        <p:spPr>
-          <a:xfrm>
-            <a:off x="5486400" y="2134080"/>
-            <a:ext cx="2743200" cy="345600"/>
-          </a:xfrm>
-          <a:prstGeom prst="rect">
-            <a:avLst/>
-          </a:prstGeom>
-          <a:noFill/>
-          <a:ln>
-            <a:noFill/>
-          </a:ln>
-        </p:spPr>
-        <p:style>
-          <a:lnRef idx="0"/>
-          <a:fillRef idx="0"/>
-          <a:effectRef idx="0"/>
-          <a:fontRef idx="minor"/>
-        </p:style>
-        <p:txBody>
-          <a:bodyPr lIns="90000" rIns="90000" tIns="45000" bIns="45000">
-            <a:noAutofit/>
-          </a:bodyPr>
-          <a:p>
-            <a:pPr>
-              <a:lnSpc>
-                <a:spcPct val="100000"/>
-              </a:lnSpc>
-            </a:pPr>
-            <a:r>
-              <a:rPr b="0" lang="en-US" sz="1800" spc="-1" strike="noStrike">
-                <a:solidFill>
-                  <a:srgbClr val="b2b2b2"/>
-                </a:solidFill>
-                <a:latin typeface="Arial"/>
-                <a:ea typeface="DejaVu Sans"/>
-              </a:rPr>
-              <a:t>Assign Mark to Role “SB”</a:t>
-            </a:r>
-            <a:endParaRPr b="0" lang="en-US" sz="1800" spc="-1" strike="noStrike">
-              <a:latin typeface="Arial"/>
-            </a:endParaRPr>
-          </a:p>
-        </p:txBody>
-      </p:sp>
-      <p:sp>
-        <p:nvSpPr>
-          <p:cNvPr id="1427" name="Line 122"/>
-          <p:cNvSpPr/>
-          <p:nvPr/>
-        </p:nvSpPr>
-        <p:spPr>
-          <a:xfrm>
-            <a:off x="5446080" y="2493360"/>
-            <a:ext cx="6166800" cy="0"/>
-          </a:xfrm>
-          <a:prstGeom prst="line">
-            <a:avLst/>
-          </a:prstGeom>
-          <a:ln>
-            <a:solidFill>
-              <a:srgbClr val="3465a4"/>
-            </a:solidFill>
-          </a:ln>
-        </p:spPr>
-        <p:style>
-          <a:lnRef idx="0"/>
-          <a:fillRef idx="0"/>
-          <a:effectRef idx="0"/>
-          <a:fontRef idx="minor"/>
-        </p:style>
-      </p:sp>
-      <p:sp>
-        <p:nvSpPr>
-          <p:cNvPr id="1428" name="CustomShape 123"/>
-          <p:cNvSpPr/>
-          <p:nvPr/>
-        </p:nvSpPr>
-        <p:spPr>
-          <a:xfrm>
-            <a:off x="5486400" y="2494080"/>
-            <a:ext cx="2185560" cy="345600"/>
-          </a:xfrm>
-          <a:prstGeom prst="rect">
-            <a:avLst/>
-          </a:prstGeom>
-          <a:noFill/>
-          <a:ln>
-            <a:noFill/>
-          </a:ln>
-        </p:spPr>
-        <p:style>
-          <a:lnRef idx="0"/>
-          <a:fillRef idx="0"/>
-          <a:effectRef idx="0"/>
-          <a:fontRef idx="minor"/>
-        </p:style>
-        <p:txBody>
-          <a:bodyPr lIns="90000" rIns="90000" tIns="45000" bIns="45000">
-            <a:noAutofit/>
-          </a:bodyPr>
-          <a:p>
-            <a:pPr>
-              <a:lnSpc>
-                <a:spcPct val="100000"/>
-              </a:lnSpc>
-            </a:pPr>
-            <a:r>
-              <a:rPr b="0" lang="en-US" sz="1800" spc="-1" strike="noStrike">
-                <a:solidFill>
-                  <a:srgbClr val="b2b2b2"/>
-                </a:solidFill>
-                <a:latin typeface="Arial"/>
-                <a:ea typeface="DejaVu Sans"/>
-              </a:rPr>
-              <a:t>Marks from Regatta</a:t>
-            </a:r>
-            <a:endParaRPr b="0" lang="en-US" sz="1800" spc="-1" strike="noStrike">
-              <a:latin typeface="Arial"/>
-            </a:endParaRPr>
-          </a:p>
-        </p:txBody>
-      </p:sp>
-      <p:sp>
-        <p:nvSpPr>
-          <p:cNvPr id="1429" name="CustomShape 124"/>
-          <p:cNvSpPr/>
-          <p:nvPr/>
-        </p:nvSpPr>
-        <p:spPr>
-          <a:xfrm>
-            <a:off x="5486760" y="5410080"/>
-            <a:ext cx="3170160" cy="345600"/>
-          </a:xfrm>
-          <a:prstGeom prst="rect">
-            <a:avLst/>
-          </a:prstGeom>
-          <a:noFill/>
-          <a:ln>
-            <a:noFill/>
-          </a:ln>
-        </p:spPr>
-        <p:style>
-          <a:lnRef idx="0"/>
-          <a:fillRef idx="0"/>
-          <a:effectRef idx="0"/>
-          <a:fontRef idx="minor"/>
-        </p:style>
-        <p:txBody>
-          <a:bodyPr lIns="90000" rIns="90000" tIns="45000" bIns="45000">
-            <a:noAutofit/>
-          </a:bodyPr>
-          <a:p>
-            <a:pPr>
-              <a:lnSpc>
-                <a:spcPct val="100000"/>
-              </a:lnSpc>
-            </a:pPr>
-            <a:r>
-              <a:rPr b="0" lang="en-US" sz="1800" spc="-1" strike="noStrike">
-                <a:solidFill>
-                  <a:srgbClr val="b2b2b2"/>
-                </a:solidFill>
-                <a:latin typeface="Arial"/>
-                <a:ea typeface="DejaVu Sans"/>
-              </a:rPr>
-              <a:t>Mark Templates for Role “SB”</a:t>
-            </a:r>
-            <a:endParaRPr b="0" lang="en-US" sz="1800" spc="-1" strike="noStrike">
-              <a:latin typeface="Arial"/>
-            </a:endParaRPr>
-          </a:p>
-        </p:txBody>
-      </p:sp>
-      <p:sp>
-        <p:nvSpPr>
-          <p:cNvPr id="1430" name="CustomShape 125"/>
-          <p:cNvSpPr/>
-          <p:nvPr/>
-        </p:nvSpPr>
-        <p:spPr>
-          <a:xfrm>
-            <a:off x="5486760" y="6238080"/>
-            <a:ext cx="1118880" cy="345600"/>
-          </a:xfrm>
-          <a:prstGeom prst="rect">
-            <a:avLst/>
-          </a:prstGeom>
-          <a:noFill/>
-          <a:ln>
-            <a:noFill/>
-          </a:ln>
-        </p:spPr>
-        <p:style>
-          <a:lnRef idx="0"/>
-          <a:fillRef idx="0"/>
-          <a:effectRef idx="0"/>
-          <a:fontRef idx="minor"/>
-        </p:style>
-        <p:txBody>
-          <a:bodyPr lIns="90000" rIns="90000" tIns="45000" bIns="45000">
-            <a:noAutofit/>
-          </a:bodyPr>
-          <a:p>
-            <a:pPr>
-              <a:lnSpc>
-                <a:spcPct val="100000"/>
-              </a:lnSpc>
-            </a:pPr>
-            <a:r>
-              <a:rPr b="0" lang="en-US" sz="1800" spc="-1" strike="noStrike">
-                <a:solidFill>
-                  <a:srgbClr val="b2b2b2"/>
-                </a:solidFill>
-                <a:latin typeface="Arial"/>
-                <a:ea typeface="DejaVu Sans"/>
-              </a:rPr>
-              <a:t>Freestyle</a:t>
-            </a:r>
-            <a:endParaRPr b="0" lang="en-US" sz="1800" spc="-1" strike="noStrike">
-              <a:latin typeface="Arial"/>
-            </a:endParaRPr>
-          </a:p>
-        </p:txBody>
-      </p:sp>
-      <p:sp>
-        <p:nvSpPr>
-          <p:cNvPr id="1431" name="CustomShape 126"/>
-          <p:cNvSpPr/>
-          <p:nvPr/>
-        </p:nvSpPr>
-        <p:spPr>
-          <a:xfrm>
-            <a:off x="5486760" y="7030080"/>
-            <a:ext cx="3188520" cy="345600"/>
-          </a:xfrm>
-          <a:prstGeom prst="rect">
-            <a:avLst/>
-          </a:prstGeom>
-          <a:noFill/>
-          <a:ln>
-            <a:noFill/>
-          </a:ln>
-        </p:spPr>
-        <p:style>
-          <a:lnRef idx="0"/>
-          <a:fillRef idx="0"/>
-          <a:effectRef idx="0"/>
-          <a:fontRef idx="minor"/>
-        </p:style>
-        <p:txBody>
-          <a:bodyPr lIns="90000" rIns="90000" tIns="45000" bIns="45000">
-            <a:noAutofit/>
-          </a:bodyPr>
-          <a:p>
-            <a:pPr>
-              <a:lnSpc>
-                <a:spcPct val="100000"/>
-              </a:lnSpc>
-            </a:pPr>
-            <a:r>
-              <a:rPr b="0" lang="en-US" sz="1800" spc="-1" strike="noStrike">
-                <a:solidFill>
-                  <a:srgbClr val="b2b2b2"/>
-                </a:solidFill>
-                <a:latin typeface="Arial"/>
-                <a:ea typeface="DejaVu Sans"/>
-              </a:rPr>
-              <a:t>Add another Freestyle Mark...</a:t>
-            </a:r>
-            <a:endParaRPr b="0" lang="en-US" sz="1800" spc="-1" strike="noStrike">
-              <a:latin typeface="Arial"/>
-            </a:endParaRPr>
-          </a:p>
-        </p:txBody>
-      </p:sp>
-      <p:sp>
-        <p:nvSpPr>
-          <p:cNvPr id="1432" name="Line 127"/>
-          <p:cNvSpPr/>
-          <p:nvPr/>
-        </p:nvSpPr>
-        <p:spPr>
-          <a:xfrm>
-            <a:off x="5446080" y="2817360"/>
-            <a:ext cx="6166800" cy="0"/>
-          </a:xfrm>
-          <a:prstGeom prst="line">
-            <a:avLst/>
-          </a:prstGeom>
-          <a:ln>
-            <a:solidFill>
-              <a:srgbClr val="3465a4"/>
-            </a:solidFill>
-          </a:ln>
-        </p:spPr>
-        <p:style>
-          <a:lnRef idx="0"/>
-          <a:fillRef idx="0"/>
-          <a:effectRef idx="0"/>
-          <a:fontRef idx="minor"/>
-        </p:style>
-      </p:sp>
-      <p:sp>
-        <p:nvSpPr>
-          <p:cNvPr id="1433" name="Line 128"/>
-          <p:cNvSpPr/>
-          <p:nvPr/>
-        </p:nvSpPr>
-        <p:spPr>
-          <a:xfrm>
-            <a:off x="5446080" y="5445360"/>
-            <a:ext cx="6166800" cy="0"/>
-          </a:xfrm>
-          <a:prstGeom prst="line">
-            <a:avLst/>
-          </a:prstGeom>
-          <a:ln>
-            <a:solidFill>
-              <a:srgbClr val="3465a4"/>
-            </a:solidFill>
-          </a:ln>
-        </p:spPr>
-        <p:style>
-          <a:lnRef idx="0"/>
-          <a:fillRef idx="0"/>
-          <a:effectRef idx="0"/>
-          <a:fontRef idx="minor"/>
-        </p:style>
-      </p:sp>
-      <p:sp>
-        <p:nvSpPr>
-          <p:cNvPr id="1434" name="Line 129"/>
-          <p:cNvSpPr/>
-          <p:nvPr/>
-        </p:nvSpPr>
-        <p:spPr>
-          <a:xfrm>
-            <a:off x="5446080" y="5733360"/>
-            <a:ext cx="6166800" cy="0"/>
-          </a:xfrm>
-          <a:prstGeom prst="line">
-            <a:avLst/>
-          </a:prstGeom>
-          <a:ln>
-            <a:solidFill>
-              <a:srgbClr val="3465a4"/>
-            </a:solidFill>
-          </a:ln>
-        </p:spPr>
-        <p:style>
-          <a:lnRef idx="0"/>
-          <a:fillRef idx="0"/>
-          <a:effectRef idx="0"/>
-          <a:fontRef idx="minor"/>
-        </p:style>
-      </p:sp>
-      <p:sp>
-        <p:nvSpPr>
-          <p:cNvPr id="1435" name="Line 130"/>
-          <p:cNvSpPr/>
-          <p:nvPr/>
-        </p:nvSpPr>
-        <p:spPr>
-          <a:xfrm>
-            <a:off x="5446080" y="6273360"/>
-            <a:ext cx="6166800" cy="0"/>
-          </a:xfrm>
-          <a:prstGeom prst="line">
-            <a:avLst/>
-          </a:prstGeom>
-          <a:ln>
-            <a:solidFill>
-              <a:srgbClr val="3465a4"/>
-            </a:solidFill>
-          </a:ln>
-        </p:spPr>
-        <p:style>
-          <a:lnRef idx="0"/>
-          <a:fillRef idx="0"/>
-          <a:effectRef idx="0"/>
-          <a:fontRef idx="minor"/>
-        </p:style>
-      </p:sp>
-      <p:sp>
-        <p:nvSpPr>
-          <p:cNvPr id="1436" name="Line 131"/>
-          <p:cNvSpPr/>
-          <p:nvPr/>
-        </p:nvSpPr>
-        <p:spPr>
-          <a:xfrm>
-            <a:off x="5446080" y="6561360"/>
-            <a:ext cx="6166800" cy="0"/>
-          </a:xfrm>
-          <a:prstGeom prst="line">
-            <a:avLst/>
-          </a:prstGeom>
-          <a:ln>
-            <a:solidFill>
-              <a:srgbClr val="3465a4"/>
-            </a:solidFill>
-          </a:ln>
-        </p:spPr>
-        <p:style>
-          <a:lnRef idx="0"/>
-          <a:fillRef idx="0"/>
-          <a:effectRef idx="0"/>
-          <a:fontRef idx="minor"/>
-        </p:style>
-      </p:sp>
-      <p:sp>
-        <p:nvSpPr>
-          <p:cNvPr id="1437" name="CustomShape 132"/>
-          <p:cNvSpPr/>
-          <p:nvPr/>
-        </p:nvSpPr>
-        <p:spPr>
-          <a:xfrm>
-            <a:off x="5892480" y="2840400"/>
-            <a:ext cx="1056240" cy="345600"/>
-          </a:xfrm>
-          <a:prstGeom prst="rect">
-            <a:avLst/>
-          </a:prstGeom>
-          <a:noFill/>
-          <a:ln>
-            <a:noFill/>
-          </a:ln>
-        </p:spPr>
-        <p:style>
-          <a:lnRef idx="0"/>
-          <a:fillRef idx="0"/>
-          <a:effectRef idx="0"/>
-          <a:fontRef idx="minor"/>
-        </p:style>
-        <p:txBody>
-          <a:bodyPr lIns="90000" rIns="90000" tIns="45000" bIns="45000">
-            <a:noAutofit/>
-          </a:bodyPr>
-          <a:p>
-            <a:pPr>
-              <a:lnSpc>
-                <a:spcPct val="100000"/>
-              </a:lnSpc>
-            </a:pPr>
-            <a:r>
-              <a:rPr b="0" lang="en-US" sz="1800" spc="-1" strike="noStrike">
-                <a:solidFill>
-                  <a:srgbClr val="000000"/>
-                </a:solidFill>
-                <a:latin typeface="Arial"/>
-                <a:ea typeface="DejaVu Sans"/>
-              </a:rPr>
-              <a:t>Start Pin</a:t>
-            </a:r>
-            <a:endParaRPr b="0" lang="en-US" sz="1800" spc="-1" strike="noStrike">
-              <a:latin typeface="Arial"/>
-            </a:endParaRPr>
-          </a:p>
-        </p:txBody>
-      </p:sp>
-      <p:pic>
-        <p:nvPicPr>
-          <p:cNvPr id="1438" name="" descr=""/>
-          <p:cNvPicPr/>
-          <p:nvPr/>
-        </p:nvPicPr>
-        <p:blipFill>
-          <a:blip r:embed="rId11"/>
-          <a:stretch/>
-        </p:blipFill>
-        <p:spPr>
-          <a:xfrm>
-            <a:off x="5577840" y="2840400"/>
-            <a:ext cx="265680" cy="342000"/>
-          </a:xfrm>
-          <a:prstGeom prst="rect">
-            <a:avLst/>
-          </a:prstGeom>
-          <a:ln>
-            <a:noFill/>
-          </a:ln>
-        </p:spPr>
-      </p:pic>
-      <p:sp>
-        <p:nvSpPr>
-          <p:cNvPr id="1439" name="CustomShape 133"/>
-          <p:cNvSpPr/>
-          <p:nvPr/>
-        </p:nvSpPr>
-        <p:spPr>
-          <a:xfrm>
-            <a:off x="5892480" y="3200400"/>
-            <a:ext cx="1765080" cy="345600"/>
-          </a:xfrm>
-          <a:prstGeom prst="rect">
-            <a:avLst/>
-          </a:prstGeom>
-          <a:noFill/>
-          <a:ln>
-            <a:noFill/>
-          </a:ln>
-        </p:spPr>
-        <p:style>
-          <a:lnRef idx="0"/>
-          <a:fillRef idx="0"/>
-          <a:effectRef idx="0"/>
-          <a:fontRef idx="minor"/>
-        </p:style>
-        <p:txBody>
-          <a:bodyPr lIns="90000" rIns="90000" tIns="45000" bIns="45000">
-            <a:noAutofit/>
-          </a:bodyPr>
-          <a:p>
-            <a:pPr>
-              <a:lnSpc>
-                <a:spcPct val="100000"/>
-              </a:lnSpc>
-            </a:pPr>
-            <a:r>
-              <a:rPr b="0" lang="en-US" sz="1800" spc="-1" strike="noStrike">
-                <a:solidFill>
-                  <a:srgbClr val="000000"/>
-                </a:solidFill>
-                <a:latin typeface="Arial"/>
-                <a:ea typeface="DejaVu Sans"/>
-              </a:rPr>
-              <a:t>Windward Mark</a:t>
-            </a:r>
-            <a:endParaRPr b="0" lang="en-US" sz="1800" spc="-1" strike="noStrike">
-              <a:latin typeface="Arial"/>
-            </a:endParaRPr>
-          </a:p>
-        </p:txBody>
-      </p:sp>
-      <p:pic>
-        <p:nvPicPr>
-          <p:cNvPr id="1440" name="" descr=""/>
-          <p:cNvPicPr/>
-          <p:nvPr/>
-        </p:nvPicPr>
-        <p:blipFill>
-          <a:blip r:embed="rId12"/>
-          <a:stretch/>
-        </p:blipFill>
-        <p:spPr>
-          <a:xfrm>
-            <a:off x="5577840" y="3200400"/>
-            <a:ext cx="265680" cy="342000"/>
-          </a:xfrm>
-          <a:prstGeom prst="rect">
-            <a:avLst/>
-          </a:prstGeom>
-          <a:ln>
-            <a:noFill/>
-          </a:ln>
-        </p:spPr>
-      </p:pic>
-      <p:sp>
-        <p:nvSpPr>
-          <p:cNvPr id="1441" name="CustomShape 134"/>
-          <p:cNvSpPr/>
-          <p:nvPr/>
-        </p:nvSpPr>
-        <p:spPr>
-          <a:xfrm>
-            <a:off x="5892840" y="3560400"/>
-            <a:ext cx="2246400" cy="345600"/>
-          </a:xfrm>
-          <a:prstGeom prst="rect">
-            <a:avLst/>
-          </a:prstGeom>
-          <a:noFill/>
-          <a:ln>
-            <a:noFill/>
-          </a:ln>
-        </p:spPr>
-        <p:style>
-          <a:lnRef idx="0"/>
-          <a:fillRef idx="0"/>
-          <a:effectRef idx="0"/>
-          <a:fontRef idx="minor"/>
-        </p:style>
-        <p:txBody>
-          <a:bodyPr lIns="90000" rIns="90000" tIns="45000" bIns="45000">
-            <a:noAutofit/>
-          </a:bodyPr>
-          <a:p>
-            <a:pPr>
-              <a:lnSpc>
-                <a:spcPct val="100000"/>
-              </a:lnSpc>
-            </a:pPr>
-            <a:r>
-              <a:rPr b="0" lang="en-US" sz="1800" spc="-1" strike="noStrike">
-                <a:solidFill>
-                  <a:srgbClr val="000000"/>
-                </a:solidFill>
-                <a:latin typeface="Arial"/>
-                <a:ea typeface="DejaVu Sans"/>
-              </a:rPr>
-              <a:t>Windward Mark Red</a:t>
-            </a:r>
-            <a:endParaRPr b="0" lang="en-US" sz="1800" spc="-1" strike="noStrike">
-              <a:latin typeface="Arial"/>
-            </a:endParaRPr>
-          </a:p>
-        </p:txBody>
-      </p:sp>
-      <p:pic>
-        <p:nvPicPr>
-          <p:cNvPr id="1442" name="" descr=""/>
-          <p:cNvPicPr/>
-          <p:nvPr/>
-        </p:nvPicPr>
-        <p:blipFill>
-          <a:blip r:embed="rId13"/>
-          <a:stretch/>
-        </p:blipFill>
-        <p:spPr>
-          <a:xfrm>
-            <a:off x="5577840" y="3560400"/>
-            <a:ext cx="267840" cy="375120"/>
-          </a:xfrm>
-          <a:prstGeom prst="rect">
-            <a:avLst/>
-          </a:prstGeom>
-          <a:ln>
-            <a:noFill/>
-          </a:ln>
-        </p:spPr>
-      </p:pic>
-      <p:pic>
-        <p:nvPicPr>
-          <p:cNvPr id="1443" name="" descr=""/>
-          <p:cNvPicPr/>
-          <p:nvPr/>
-        </p:nvPicPr>
-        <p:blipFill>
-          <a:blip r:embed="rId14"/>
-          <a:stretch/>
-        </p:blipFill>
-        <p:spPr>
-          <a:xfrm>
-            <a:off x="5538960" y="5784840"/>
-            <a:ext cx="408600" cy="389520"/>
-          </a:xfrm>
-          <a:prstGeom prst="rect">
-            <a:avLst/>
-          </a:prstGeom>
-          <a:ln>
-            <a:noFill/>
-          </a:ln>
-        </p:spPr>
-      </p:pic>
-      <p:sp>
-        <p:nvSpPr>
-          <p:cNvPr id="1444" name="CustomShape 135"/>
-          <p:cNvSpPr/>
-          <p:nvPr/>
-        </p:nvSpPr>
-        <p:spPr>
-          <a:xfrm>
-            <a:off x="5934960" y="5828760"/>
-            <a:ext cx="1196640" cy="345600"/>
-          </a:xfrm>
-          <a:prstGeom prst="rect">
-            <a:avLst/>
-          </a:prstGeom>
-          <a:noFill/>
-          <a:ln>
-            <a:noFill/>
-          </a:ln>
-        </p:spPr>
-        <p:style>
-          <a:lnRef idx="0"/>
-          <a:fillRef idx="0"/>
-          <a:effectRef idx="0"/>
-          <a:fontRef idx="minor"/>
-        </p:style>
-        <p:txBody>
-          <a:bodyPr lIns="90000" rIns="90000" tIns="45000" bIns="45000">
-            <a:noAutofit/>
-          </a:bodyPr>
-          <a:p>
-            <a:pPr>
-              <a:lnSpc>
-                <a:spcPct val="100000"/>
-              </a:lnSpc>
-            </a:pPr>
-            <a:r>
-              <a:rPr b="0" lang="en-US" sz="1800" spc="-1" strike="noStrike">
-                <a:solidFill>
-                  <a:srgbClr val="000000"/>
-                </a:solidFill>
-                <a:latin typeface="Arial"/>
-                <a:ea typeface="DejaVu Sans"/>
-              </a:rPr>
-              <a:t>Start Boat</a:t>
-            </a:r>
-            <a:endParaRPr b="0" lang="en-US" sz="1800" spc="-1" strike="noStrike">
-              <a:latin typeface="Arial"/>
-            </a:endParaRPr>
-          </a:p>
-        </p:txBody>
-      </p:sp>
-      <p:grpSp>
-        <p:nvGrpSpPr>
-          <p:cNvPr id="1445" name="Group 136"/>
-          <p:cNvGrpSpPr/>
-          <p:nvPr/>
-        </p:nvGrpSpPr>
-        <p:grpSpPr>
-          <a:xfrm>
-            <a:off x="11218320" y="5940000"/>
-            <a:ext cx="120240" cy="182880"/>
-            <a:chOff x="11218320" y="5940000"/>
-            <a:chExt cx="120240" cy="182880"/>
-          </a:xfrm>
-        </p:grpSpPr>
-        <p:sp>
-          <p:nvSpPr>
-            <p:cNvPr id="1446" name="Line 137"/>
-            <p:cNvSpPr/>
-            <p:nvPr/>
-          </p:nvSpPr>
-          <p:spPr>
-            <a:xfrm>
-              <a:off x="11218320" y="6077160"/>
-              <a:ext cx="39960" cy="45720"/>
-            </a:xfrm>
-            <a:prstGeom prst="line">
-              <a:avLst/>
-            </a:prstGeom>
-            <a:ln>
-              <a:solidFill>
-                <a:srgbClr val="069a2e"/>
-              </a:solidFill>
-            </a:ln>
-          </p:spPr>
-          <p:style>
-            <a:lnRef idx="0"/>
-            <a:fillRef idx="0"/>
-            <a:effectRef idx="0"/>
-            <a:fontRef idx="minor"/>
-          </p:style>
-        </p:sp>
-        <p:sp>
-          <p:nvSpPr>
-            <p:cNvPr id="1447" name="Line 138"/>
-            <p:cNvSpPr/>
-            <p:nvPr/>
-          </p:nvSpPr>
-          <p:spPr>
-            <a:xfrm flipH="1">
-              <a:off x="11258280" y="5940000"/>
-              <a:ext cx="80280" cy="182880"/>
-            </a:xfrm>
-            <a:prstGeom prst="line">
-              <a:avLst/>
-            </a:prstGeom>
-            <a:ln>
-              <a:solidFill>
-                <a:srgbClr val="069a2e"/>
-              </a:solidFill>
-            </a:ln>
-          </p:spPr>
-          <p:style>
-            <a:lnRef idx="0"/>
-            <a:fillRef idx="0"/>
-            <a:effectRef idx="0"/>
-            <a:fontRef idx="minor"/>
-          </p:style>
-        </p:sp>
-      </p:grpSp>
-      <p:pic>
-        <p:nvPicPr>
-          <p:cNvPr id="1448" name="" descr=""/>
-          <p:cNvPicPr/>
-          <p:nvPr/>
-        </p:nvPicPr>
-        <p:blipFill>
-          <a:blip r:embed="rId15"/>
-          <a:stretch/>
-        </p:blipFill>
-        <p:spPr>
-          <a:xfrm>
-            <a:off x="5650920" y="5062320"/>
-            <a:ext cx="200520" cy="346320"/>
-          </a:xfrm>
-          <a:prstGeom prst="rect">
-            <a:avLst/>
-          </a:prstGeom>
-          <a:ln>
-            <a:noFill/>
-          </a:ln>
-        </p:spPr>
-      </p:pic>
-      <p:sp>
-        <p:nvSpPr>
-          <p:cNvPr id="1449" name="CustomShape 139"/>
-          <p:cNvSpPr/>
-          <p:nvPr/>
-        </p:nvSpPr>
-        <p:spPr>
-          <a:xfrm>
-            <a:off x="5943600" y="5063040"/>
-            <a:ext cx="1737360" cy="345600"/>
-          </a:xfrm>
-          <a:prstGeom prst="rect">
-            <a:avLst/>
-          </a:prstGeom>
-          <a:noFill/>
-          <a:ln>
-            <a:noFill/>
-          </a:ln>
-        </p:spPr>
-        <p:style>
-          <a:lnRef idx="0"/>
-          <a:fillRef idx="0"/>
-          <a:effectRef idx="0"/>
-          <a:fontRef idx="minor"/>
-        </p:style>
-        <p:txBody>
-          <a:bodyPr lIns="90000" rIns="90000" tIns="45000" bIns="45000">
-            <a:noAutofit/>
-          </a:bodyPr>
-          <a:p>
-            <a:pPr>
-              <a:lnSpc>
-                <a:spcPct val="100000"/>
-              </a:lnSpc>
-            </a:pPr>
-            <a:r>
-              <a:rPr b="0" lang="en-US" sz="1800" spc="-1" strike="noStrike">
-                <a:solidFill>
-                  <a:srgbClr val="000000"/>
-                </a:solidFill>
-                <a:latin typeface="Arial"/>
-                <a:ea typeface="DejaVu Sans"/>
-              </a:rPr>
-              <a:t>Kiel Lighthouse</a:t>
-            </a:r>
-            <a:endParaRPr b="0" lang="en-US" sz="1800" spc="-1" strike="noStrike">
-              <a:latin typeface="Arial"/>
-            </a:endParaRPr>
-          </a:p>
-        </p:txBody>
-      </p:sp>
-      <p:sp>
-        <p:nvSpPr>
-          <p:cNvPr id="1450" name="CustomShape 140"/>
-          <p:cNvSpPr/>
-          <p:nvPr/>
-        </p:nvSpPr>
-        <p:spPr>
-          <a:xfrm>
-            <a:off x="5893200" y="3956400"/>
-            <a:ext cx="1828800" cy="345600"/>
-          </a:xfrm>
-          <a:prstGeom prst="rect">
-            <a:avLst/>
-          </a:prstGeom>
-          <a:noFill/>
-          <a:ln>
-            <a:noFill/>
-          </a:ln>
-        </p:spPr>
-        <p:style>
-          <a:lnRef idx="0"/>
-          <a:fillRef idx="0"/>
-          <a:effectRef idx="0"/>
-          <a:fontRef idx="minor"/>
-        </p:style>
-        <p:txBody>
-          <a:bodyPr lIns="90000" rIns="90000" tIns="45000" bIns="45000">
-            <a:noAutofit/>
-          </a:bodyPr>
-          <a:p>
-            <a:pPr>
-              <a:lnSpc>
-                <a:spcPct val="100000"/>
-              </a:lnSpc>
-            </a:pPr>
-            <a:r>
-              <a:rPr b="0" lang="en-US" sz="1800" spc="-1" strike="noStrike">
-                <a:solidFill>
-                  <a:srgbClr val="000000"/>
-                </a:solidFill>
-                <a:latin typeface="Arial"/>
-                <a:ea typeface="DejaVu Sans"/>
-              </a:rPr>
-              <a:t>Leeward Gate P</a:t>
-            </a:r>
-            <a:endParaRPr b="0" lang="en-US" sz="1800" spc="-1" strike="noStrike">
-              <a:latin typeface="Arial"/>
-            </a:endParaRPr>
-          </a:p>
-        </p:txBody>
-      </p:sp>
-      <p:sp>
-        <p:nvSpPr>
-          <p:cNvPr id="1451" name="CustomShape 141"/>
-          <p:cNvSpPr/>
-          <p:nvPr/>
-        </p:nvSpPr>
-        <p:spPr>
-          <a:xfrm>
-            <a:off x="5893200" y="4352400"/>
-            <a:ext cx="1828800" cy="345600"/>
-          </a:xfrm>
-          <a:prstGeom prst="rect">
-            <a:avLst/>
-          </a:prstGeom>
-          <a:noFill/>
-          <a:ln>
-            <a:noFill/>
-          </a:ln>
-        </p:spPr>
-        <p:style>
-          <a:lnRef idx="0"/>
-          <a:fillRef idx="0"/>
-          <a:effectRef idx="0"/>
-          <a:fontRef idx="minor"/>
-        </p:style>
-        <p:txBody>
-          <a:bodyPr lIns="90000" rIns="90000" tIns="45000" bIns="45000">
-            <a:noAutofit/>
-          </a:bodyPr>
-          <a:p>
-            <a:pPr>
-              <a:lnSpc>
-                <a:spcPct val="100000"/>
-              </a:lnSpc>
-            </a:pPr>
-            <a:r>
-              <a:rPr b="0" lang="en-US" sz="1800" spc="-1" strike="noStrike">
-                <a:solidFill>
-                  <a:srgbClr val="000000"/>
-                </a:solidFill>
-                <a:latin typeface="Arial"/>
-                <a:ea typeface="DejaVu Sans"/>
-              </a:rPr>
-              <a:t>Leeward Gate S</a:t>
-            </a:r>
-            <a:endParaRPr b="0" lang="en-US" sz="1800" spc="-1" strike="noStrike">
-              <a:latin typeface="Arial"/>
-            </a:endParaRPr>
-          </a:p>
-        </p:txBody>
-      </p:sp>
-      <p:pic>
-        <p:nvPicPr>
-          <p:cNvPr id="1452" name="" descr=""/>
-          <p:cNvPicPr/>
-          <p:nvPr/>
-        </p:nvPicPr>
-        <p:blipFill>
-          <a:blip r:embed="rId16"/>
-          <a:stretch/>
-        </p:blipFill>
-        <p:spPr>
-          <a:xfrm>
-            <a:off x="5577840" y="3956400"/>
-            <a:ext cx="265680" cy="342000"/>
-          </a:xfrm>
-          <a:prstGeom prst="rect">
-            <a:avLst/>
-          </a:prstGeom>
-          <a:ln>
-            <a:noFill/>
-          </a:ln>
-        </p:spPr>
-      </p:pic>
-      <p:pic>
-        <p:nvPicPr>
-          <p:cNvPr id="1453" name="" descr=""/>
-          <p:cNvPicPr/>
-          <p:nvPr/>
-        </p:nvPicPr>
-        <p:blipFill>
-          <a:blip r:embed="rId17"/>
-          <a:stretch/>
-        </p:blipFill>
-        <p:spPr>
-          <a:xfrm>
-            <a:off x="5577840" y="4316400"/>
-            <a:ext cx="265680" cy="342000"/>
-          </a:xfrm>
-          <a:prstGeom prst="rect">
-            <a:avLst/>
-          </a:prstGeom>
-          <a:ln>
-            <a:noFill/>
-          </a:ln>
-        </p:spPr>
-      </p:pic>
-      <p:grpSp>
-        <p:nvGrpSpPr>
-          <p:cNvPr id="1454" name="Group 142"/>
-          <p:cNvGrpSpPr/>
-          <p:nvPr/>
-        </p:nvGrpSpPr>
-        <p:grpSpPr>
-          <a:xfrm>
-            <a:off x="2215080" y="3566520"/>
-            <a:ext cx="437040" cy="1992600"/>
-            <a:chOff x="2215080" y="3566520"/>
-            <a:chExt cx="437040" cy="1992600"/>
-          </a:xfrm>
-        </p:grpSpPr>
-        <p:grpSp>
-          <p:nvGrpSpPr>
-            <p:cNvPr id="1455" name="Group 143"/>
-            <p:cNvGrpSpPr/>
-            <p:nvPr/>
-          </p:nvGrpSpPr>
-          <p:grpSpPr>
-            <a:xfrm>
-              <a:off x="2286360" y="3566520"/>
-              <a:ext cx="365760" cy="1992600"/>
-              <a:chOff x="2286360" y="3566520"/>
-              <a:chExt cx="365760" cy="1992600"/>
-            </a:xfrm>
-          </p:grpSpPr>
-          <p:sp>
-            <p:nvSpPr>
-              <p:cNvPr id="1456" name="Line 144"/>
-              <p:cNvSpPr/>
-              <p:nvPr/>
-            </p:nvSpPr>
-            <p:spPr>
-              <a:xfrm flipH="1">
-                <a:off x="2286360" y="3566520"/>
-                <a:ext cx="365760" cy="0"/>
-              </a:xfrm>
-              <a:prstGeom prst="line">
-                <a:avLst/>
-              </a:prstGeom>
-              <a:ln>
-                <a:solidFill>
-                  <a:srgbClr val="3465a4"/>
-                </a:solidFill>
-              </a:ln>
-            </p:spPr>
-            <p:style>
-              <a:lnRef idx="0"/>
-              <a:fillRef idx="0"/>
-              <a:effectRef idx="0"/>
-              <a:fontRef idx="minor"/>
-            </p:style>
-          </p:sp>
-          <p:sp>
-            <p:nvSpPr>
-              <p:cNvPr id="1457" name="Line 145"/>
-              <p:cNvSpPr/>
-              <p:nvPr/>
-            </p:nvSpPr>
-            <p:spPr>
-              <a:xfrm flipV="1">
-                <a:off x="2286360" y="3566520"/>
-                <a:ext cx="0" cy="1992600"/>
-              </a:xfrm>
-              <a:prstGeom prst="line">
-                <a:avLst/>
-              </a:prstGeom>
-              <a:ln>
-                <a:solidFill>
-                  <a:srgbClr val="3465a4"/>
-                </a:solidFill>
-              </a:ln>
-            </p:spPr>
-            <p:style>
-              <a:lnRef idx="0"/>
-              <a:fillRef idx="0"/>
-              <a:effectRef idx="0"/>
-              <a:fontRef idx="minor"/>
-            </p:style>
-          </p:sp>
-          <p:sp>
-            <p:nvSpPr>
-              <p:cNvPr id="1458" name="Line 146"/>
-              <p:cNvSpPr/>
-              <p:nvPr/>
-            </p:nvSpPr>
-            <p:spPr>
-              <a:xfrm flipH="1">
-                <a:off x="2286360" y="5559120"/>
-                <a:ext cx="365760" cy="0"/>
-              </a:xfrm>
-              <a:prstGeom prst="line">
-                <a:avLst/>
-              </a:prstGeom>
-              <a:ln>
-                <a:solidFill>
-                  <a:srgbClr val="3465a4"/>
-                </a:solidFill>
-              </a:ln>
-            </p:spPr>
-            <p:style>
-              <a:lnRef idx="0"/>
-              <a:fillRef idx="0"/>
-              <a:effectRef idx="0"/>
-              <a:fontRef idx="minor"/>
-            </p:style>
-          </p:sp>
-        </p:grpSp>
-        <p:sp>
-          <p:nvSpPr>
-            <p:cNvPr id="1459" name="CustomShape 147"/>
-            <p:cNvSpPr/>
-            <p:nvPr/>
-          </p:nvSpPr>
-          <p:spPr>
-            <a:xfrm rot="5400000">
-              <a:off x="2201760" y="4395600"/>
-              <a:ext cx="371880" cy="345600"/>
-            </a:xfrm>
-            <a:prstGeom prst="rect">
-              <a:avLst/>
-            </a:prstGeom>
-            <a:noFill/>
-            <a:ln>
-              <a:noFill/>
-            </a:ln>
-          </p:spPr>
-          <p:style>
-            <a:lnRef idx="0"/>
-            <a:fillRef idx="0"/>
-            <a:effectRef idx="0"/>
-            <a:fontRef idx="minor"/>
-          </p:style>
-          <p:txBody>
-            <a:bodyPr lIns="90000" rIns="90000" tIns="45000" bIns="45000">
-              <a:noAutofit/>
-            </a:bodyPr>
-            <a:p>
-              <a:pPr>
-                <a:lnSpc>
-                  <a:spcPct val="100000"/>
-                </a:lnSpc>
-              </a:pPr>
-              <a:r>
-                <a:rPr b="0" lang="en-US" sz="1800" spc="-1" strike="noStrike">
-                  <a:solidFill>
-                    <a:srgbClr val="000000"/>
-                  </a:solidFill>
-                  <a:latin typeface="Arial"/>
-                  <a:ea typeface="DejaVu Sans"/>
-                </a:rPr>
-                <a:t>...</a:t>
-              </a:r>
-              <a:endParaRPr b="0" lang="en-US" sz="1800" spc="-1" strike="noStrike">
-                <a:latin typeface="Arial"/>
-              </a:endParaRPr>
-            </a:p>
-          </p:txBody>
-        </p:sp>
-      </p:grpSp>
-      <p:sp>
-        <p:nvSpPr>
-          <p:cNvPr id="1460" name="CustomShape 148"/>
-          <p:cNvSpPr/>
-          <p:nvPr/>
-        </p:nvSpPr>
-        <p:spPr>
-          <a:xfrm>
-            <a:off x="6566040" y="440640"/>
+            <a:off x="6565680" y="440640"/>
             <a:ext cx="1866960" cy="345600"/>
           </a:xfrm>
           <a:prstGeom prst="rect">
@@ -56377,13 +54834,13 @@
       </p:sp>
       <p:sp>
         <p:nvSpPr>
-          <p:cNvPr id="1461" name="CustomShape 149"/>
+          <p:cNvPr id="1412" name="CustomShape 107"/>
           <p:cNvSpPr/>
           <p:nvPr/>
         </p:nvSpPr>
         <p:spPr>
           <a:xfrm>
-            <a:off x="8595720" y="349200"/>
+            <a:off x="8595360" y="349200"/>
             <a:ext cx="639360" cy="547920"/>
           </a:xfrm>
           <a:prstGeom prst="rect">
@@ -56422,7 +54879,7 @@
                 <a:latin typeface="Arial"/>
                 <a:ea typeface="DejaVu Sans"/>
               </a:rPr>
-              <a:t>2</a:t>
+              <a:t>3</a:t>
             </a:r>
             <a:endParaRPr b="0" lang="en-US" sz="1800" spc="-1" strike="noStrike">
               <a:latin typeface="Arial"/>
@@ -56430,16 +54887,112 @@
           </a:p>
         </p:txBody>
       </p:sp>
-      <p:sp>
-        <p:nvSpPr>
-          <p:cNvPr id="1462" name="CustomShape 150"/>
+      <p:grpSp>
+        <p:nvGrpSpPr>
+          <p:cNvPr id="1413" name="Group 108"/>
+          <p:cNvGrpSpPr/>
+          <p:nvPr/>
+        </p:nvGrpSpPr>
+        <p:grpSpPr>
+          <a:xfrm>
+            <a:off x="2377440" y="3566160"/>
+            <a:ext cx="497160" cy="4023360"/>
+            <a:chOff x="2377440" y="3566160"/>
+            <a:chExt cx="497160" cy="4023360"/>
+          </a:xfrm>
+        </p:grpSpPr>
+        <p:sp>
+          <p:nvSpPr>
+            <p:cNvPr id="1414" name="Line 109"/>
+            <p:cNvSpPr/>
+            <p:nvPr/>
+          </p:nvSpPr>
+          <p:spPr>
+            <a:xfrm flipH="1">
+              <a:off x="2377440" y="3566160"/>
+              <a:ext cx="497160" cy="0"/>
+            </a:xfrm>
+            <a:prstGeom prst="line">
+              <a:avLst/>
+            </a:prstGeom>
+            <a:ln>
+              <a:solidFill>
+                <a:srgbClr val="3465a4"/>
+              </a:solidFill>
+            </a:ln>
+          </p:spPr>
+          <p:style>
+            <a:lnRef idx="0"/>
+            <a:fillRef idx="0"/>
+            <a:effectRef idx="0"/>
+            <a:fontRef idx="minor"/>
+          </p:style>
+        </p:sp>
+        <p:sp>
+          <p:nvSpPr>
+            <p:cNvPr id="1415" name="Line 110"/>
+            <p:cNvSpPr/>
+            <p:nvPr/>
+          </p:nvSpPr>
+          <p:spPr>
+            <a:xfrm flipV="1">
+              <a:off x="2377440" y="3566160"/>
+              <a:ext cx="0" cy="4023360"/>
+            </a:xfrm>
+            <a:prstGeom prst="line">
+              <a:avLst/>
+            </a:prstGeom>
+            <a:ln>
+              <a:solidFill>
+                <a:srgbClr val="3465a4"/>
+              </a:solidFill>
+            </a:ln>
+          </p:spPr>
+          <p:style>
+            <a:lnRef idx="0"/>
+            <a:fillRef idx="0"/>
+            <a:effectRef idx="0"/>
+            <a:fontRef idx="minor"/>
+          </p:style>
+        </p:sp>
+        <p:sp>
+          <p:nvSpPr>
+            <p:cNvPr id="1416" name="Line 111"/>
+            <p:cNvSpPr/>
+            <p:nvPr/>
+          </p:nvSpPr>
+          <p:spPr>
+            <a:xfrm flipH="1">
+              <a:off x="2377440" y="7589520"/>
+              <a:ext cx="497160" cy="0"/>
+            </a:xfrm>
+            <a:prstGeom prst="line">
+              <a:avLst/>
+            </a:prstGeom>
+            <a:ln>
+              <a:solidFill>
+                <a:srgbClr val="3465a4"/>
+              </a:solidFill>
+            </a:ln>
+          </p:spPr>
+          <p:style>
+            <a:lnRef idx="0"/>
+            <a:fillRef idx="0"/>
+            <a:effectRef idx="0"/>
+            <a:fontRef idx="minor"/>
+          </p:style>
+        </p:sp>
+      </p:grpSp>
+      <p:sp>
+        <p:nvSpPr>
+          <p:cNvPr id="1417" name="CustomShape 112"/>
           <p:cNvSpPr/>
           <p:nvPr/>
         </p:nvSpPr>
         <p:spPr>
-          <a:xfrm>
-            <a:off x="5486760" y="4654080"/>
-            <a:ext cx="3931200" cy="345600"/>
+          <a:xfrm rot="5400000">
+            <a:off x="1965240" y="5240160"/>
+            <a:ext cx="750960" cy="698040"/>
           </a:xfrm>
           <a:prstGeom prst="rect">
             <a:avLst/>
@@ -56468,12 +55021,12 @@
             <a:r>
               <a:rPr b="0" lang="en-US" sz="1800" spc="-1" strike="noStrike">
                 <a:solidFill>
-                  <a:srgbClr val="b2b2b2"/>
+                  <a:srgbClr val="000000"/>
                 </a:solidFill>
                 <a:latin typeface="Arial"/>
                 <a:ea typeface="DejaVu Sans"/>
               </a:rPr>
-              <a:t>Mark Properties from Your Inventory</a:t>
+              <a:t>...</a:t>
             </a:r>
             <a:endParaRPr b="0" lang="en-US" sz="1800" spc="-1" strike="noStrike">
               <a:latin typeface="Arial"/>
@@ -56483,22 +55036,21 @@
       </p:sp>
       <p:sp>
         <p:nvSpPr>
-          <p:cNvPr id="1463" name="Line 151"/>
+          <p:cNvPr id="1418" name="CustomShape 113"/>
           <p:cNvSpPr/>
           <p:nvPr/>
         </p:nvSpPr>
         <p:spPr>
           <a:xfrm>
-            <a:off x="5446080" y="4689360"/>
-            <a:ext cx="6166800" cy="0"/>
-          </a:xfrm>
-          <a:prstGeom prst="line">
-            <a:avLst/>
-          </a:prstGeom>
+            <a:off x="9509760" y="127440"/>
+            <a:ext cx="2468160" cy="881640"/>
+          </a:xfrm>
+          <a:prstGeom prst="rect">
+            <a:avLst/>
+          </a:prstGeom>
+          <a:noFill/>
           <a:ln>
-            <a:solidFill>
-              <a:srgbClr val="3465a4"/>
-            </a:solidFill>
+            <a:noFill/>
           </a:ln>
         </p:spPr>
         <p:style>
@@ -56507,21 +55059,613 @@
           <a:effectRef idx="0"/>
           <a:fontRef idx="minor"/>
         </p:style>
-      </p:sp>
-      <p:sp>
-        <p:nvSpPr>
-          <p:cNvPr id="1464" name="Line 152"/>
+        <p:txBody>
+          <a:bodyPr lIns="90000" rIns="90000" tIns="45000" bIns="45000">
+            <a:noAutofit/>
+          </a:bodyPr>
+          <a:p>
+            <a:pPr>
+              <a:lnSpc>
+                <a:spcPct val="100000"/>
+              </a:lnSpc>
+            </a:pPr>
+            <a:r>
+              <a:rPr b="0" lang="en-US" sz="700" spc="-1" strike="noStrike">
+                <a:solidFill>
+                  <a:srgbClr val="000000"/>
+                </a:solidFill>
+                <a:latin typeface="Arial"/>
+                <a:ea typeface="DejaVu Sans"/>
+              </a:rPr>
+              <a:t>Increasing the number of laps from 2 to 3 duplicates the repeatable part and uses the mark configurations of the last repetition so far for the new repetition.</a:t>
+            </a:r>
+            <a:endParaRPr b="0" lang="en-US" sz="700" spc="-1" strike="noStrike">
+              <a:latin typeface="Arial"/>
+            </a:endParaRPr>
+          </a:p>
+        </p:txBody>
+      </p:sp>
+      <p:grpSp>
+        <p:nvGrpSpPr>
+          <p:cNvPr id="1419" name="Group 114"/>
+          <p:cNvGrpSpPr/>
+          <p:nvPr/>
+        </p:nvGrpSpPr>
+        <p:grpSpPr>
+          <a:xfrm>
+            <a:off x="6583680" y="3931920"/>
+            <a:ext cx="914400" cy="273960"/>
+            <a:chOff x="6583680" y="3931920"/>
+            <a:chExt cx="914400" cy="273960"/>
+          </a:xfrm>
+        </p:grpSpPr>
+        <p:sp>
+          <p:nvSpPr>
+            <p:cNvPr id="1420" name="CustomShape 115"/>
+            <p:cNvSpPr/>
+            <p:nvPr/>
+          </p:nvSpPr>
+          <p:spPr>
+            <a:xfrm>
+              <a:off x="6583680" y="3931920"/>
+              <a:ext cx="914040" cy="273960"/>
+            </a:xfrm>
+            <a:prstGeom prst="rect">
+              <a:avLst/>
+            </a:prstGeom>
+            <a:solidFill>
+              <a:srgbClr val="729fcf"/>
+            </a:solidFill>
+            <a:ln>
+              <a:solidFill>
+                <a:srgbClr val="3465a4"/>
+              </a:solidFill>
+            </a:ln>
+          </p:spPr>
+          <p:style>
+            <a:lnRef idx="0"/>
+            <a:fillRef idx="0"/>
+            <a:effectRef idx="0"/>
+            <a:fontRef idx="minor"/>
+          </p:style>
+        </p:sp>
+        <p:sp>
+          <p:nvSpPr>
+            <p:cNvPr id="1421" name="CustomShape 116"/>
+            <p:cNvSpPr/>
+            <p:nvPr/>
+          </p:nvSpPr>
+          <p:spPr>
+            <a:xfrm rot="10727400">
+              <a:off x="7316280" y="4025520"/>
+              <a:ext cx="180360" cy="135000"/>
+            </a:xfrm>
+            <a:custGeom>
+              <a:avLst/>
+              <a:gdLst/>
+              <a:ahLst/>
+              <a:rect l="l" t="t" r="r" b="b"/>
+              <a:pathLst>
+                <a:path w="1019" h="764">
+                  <a:moveTo>
+                    <a:pt x="508" y="0"/>
+                  </a:moveTo>
+                  <a:lnTo>
+                    <a:pt x="1018" y="763"/>
+                  </a:lnTo>
+                  <a:lnTo>
+                    <a:pt x="0" y="763"/>
+                  </a:lnTo>
+                  <a:lnTo>
+                    <a:pt x="508" y="0"/>
+                  </a:lnTo>
+                </a:path>
+              </a:pathLst>
+            </a:custGeom>
+            <a:solidFill>
+              <a:srgbClr val="ff860d"/>
+            </a:solidFill>
+            <a:ln>
+              <a:solidFill>
+                <a:srgbClr val="3465a4"/>
+              </a:solidFill>
+            </a:ln>
+          </p:spPr>
+          <p:style>
+            <a:lnRef idx="0"/>
+            <a:fillRef idx="0"/>
+            <a:effectRef idx="0"/>
+            <a:fontRef idx="minor"/>
+          </p:style>
+        </p:sp>
+        <p:sp>
+          <p:nvSpPr>
+            <p:cNvPr id="1422" name="CustomShape 117"/>
+            <p:cNvSpPr/>
+            <p:nvPr/>
+          </p:nvSpPr>
+          <p:spPr>
+            <a:xfrm>
+              <a:off x="6675120" y="3960360"/>
+              <a:ext cx="485280" cy="245520"/>
+            </a:xfrm>
+            <a:prstGeom prst="rect">
+              <a:avLst/>
+            </a:prstGeom>
+            <a:noFill/>
+            <a:ln>
+              <a:noFill/>
+            </a:ln>
+          </p:spPr>
+          <p:style>
+            <a:lnRef idx="0"/>
+            <a:fillRef idx="0"/>
+            <a:effectRef idx="0"/>
+            <a:fontRef idx="minor"/>
+          </p:style>
+          <p:txBody>
+            <a:bodyPr lIns="90000" rIns="90000" tIns="45000" bIns="45000">
+              <a:noAutofit/>
+            </a:bodyPr>
+            <a:p>
+              <a:pPr>
+                <a:lnSpc>
+                  <a:spcPct val="100000"/>
+                </a:lnSpc>
+              </a:pPr>
+              <a:r>
+                <a:rPr b="0" lang="en-US" sz="1100" spc="-1" strike="noStrike">
+                  <a:latin typeface="Arial"/>
+                </a:rPr>
+                <a:t>Gate</a:t>
+              </a:r>
+              <a:endParaRPr b="0" lang="en-US" sz="1100" spc="-1" strike="noStrike">
+                <a:latin typeface="Arial"/>
+              </a:endParaRPr>
+            </a:p>
+          </p:txBody>
+        </p:sp>
+      </p:grpSp>
+      <p:grpSp>
+        <p:nvGrpSpPr>
+          <p:cNvPr id="1423" name="Group 118"/>
+          <p:cNvGrpSpPr/>
+          <p:nvPr/>
+        </p:nvGrpSpPr>
+        <p:grpSpPr>
+          <a:xfrm>
+            <a:off x="6583680" y="4903920"/>
+            <a:ext cx="914400" cy="273960"/>
+            <a:chOff x="6583680" y="4903920"/>
+            <a:chExt cx="914400" cy="273960"/>
+          </a:xfrm>
+        </p:grpSpPr>
+        <p:sp>
+          <p:nvSpPr>
+            <p:cNvPr id="1424" name="CustomShape 119"/>
+            <p:cNvSpPr/>
+            <p:nvPr/>
+          </p:nvSpPr>
+          <p:spPr>
+            <a:xfrm>
+              <a:off x="6583680" y="4903920"/>
+              <a:ext cx="914040" cy="273960"/>
+            </a:xfrm>
+            <a:prstGeom prst="rect">
+              <a:avLst/>
+            </a:prstGeom>
+            <a:solidFill>
+              <a:srgbClr val="729fcf"/>
+            </a:solidFill>
+            <a:ln>
+              <a:solidFill>
+                <a:srgbClr val="3465a4"/>
+              </a:solidFill>
+            </a:ln>
+          </p:spPr>
+          <p:style>
+            <a:lnRef idx="0"/>
+            <a:fillRef idx="0"/>
+            <a:effectRef idx="0"/>
+            <a:fontRef idx="minor"/>
+          </p:style>
+        </p:sp>
+        <p:sp>
+          <p:nvSpPr>
+            <p:cNvPr id="1425" name="CustomShape 120"/>
+            <p:cNvSpPr/>
+            <p:nvPr/>
+          </p:nvSpPr>
+          <p:spPr>
+            <a:xfrm rot="10727400">
+              <a:off x="7316280" y="4997520"/>
+              <a:ext cx="180360" cy="135000"/>
+            </a:xfrm>
+            <a:custGeom>
+              <a:avLst/>
+              <a:gdLst/>
+              <a:ahLst/>
+              <a:rect l="l" t="t" r="r" b="b"/>
+              <a:pathLst>
+                <a:path w="1019" h="764">
+                  <a:moveTo>
+                    <a:pt x="508" y="0"/>
+                  </a:moveTo>
+                  <a:lnTo>
+                    <a:pt x="1018" y="763"/>
+                  </a:lnTo>
+                  <a:lnTo>
+                    <a:pt x="0" y="763"/>
+                  </a:lnTo>
+                  <a:lnTo>
+                    <a:pt x="508" y="0"/>
+                  </a:lnTo>
+                </a:path>
+              </a:pathLst>
+            </a:custGeom>
+            <a:solidFill>
+              <a:srgbClr val="ff860d"/>
+            </a:solidFill>
+            <a:ln>
+              <a:solidFill>
+                <a:srgbClr val="3465a4"/>
+              </a:solidFill>
+            </a:ln>
+          </p:spPr>
+          <p:style>
+            <a:lnRef idx="0"/>
+            <a:fillRef idx="0"/>
+            <a:effectRef idx="0"/>
+            <a:fontRef idx="minor"/>
+          </p:style>
+        </p:sp>
+        <p:sp>
+          <p:nvSpPr>
+            <p:cNvPr id="1426" name="CustomShape 121"/>
+            <p:cNvSpPr/>
+            <p:nvPr/>
+          </p:nvSpPr>
+          <p:spPr>
+            <a:xfrm>
+              <a:off x="6675120" y="4932360"/>
+              <a:ext cx="437760" cy="245520"/>
+            </a:xfrm>
+            <a:prstGeom prst="rect">
+              <a:avLst/>
+            </a:prstGeom>
+            <a:noFill/>
+            <a:ln>
+              <a:noFill/>
+            </a:ln>
+          </p:spPr>
+          <p:style>
+            <a:lnRef idx="0"/>
+            <a:fillRef idx="0"/>
+            <a:effectRef idx="0"/>
+            <a:fontRef idx="minor"/>
+          </p:style>
+          <p:txBody>
+            <a:bodyPr lIns="90000" rIns="90000" tIns="45000" bIns="45000">
+              <a:noAutofit/>
+            </a:bodyPr>
+            <a:p>
+              <a:pPr>
+                <a:lnSpc>
+                  <a:spcPct val="100000"/>
+                </a:lnSpc>
+              </a:pPr>
+              <a:r>
+                <a:rPr b="0" lang="en-US" sz="1100" spc="-1" strike="noStrike">
+                  <a:latin typeface="Arial"/>
+                </a:rPr>
+                <a:t>Port</a:t>
+              </a:r>
+              <a:endParaRPr b="0" lang="en-US" sz="1100" spc="-1" strike="noStrike">
+                <a:latin typeface="Arial"/>
+              </a:endParaRPr>
+            </a:p>
+          </p:txBody>
+        </p:sp>
+      </p:grpSp>
+      <p:grpSp>
+        <p:nvGrpSpPr>
+          <p:cNvPr id="1427" name="Group 122"/>
+          <p:cNvGrpSpPr/>
+          <p:nvPr/>
+        </p:nvGrpSpPr>
+        <p:grpSpPr>
+          <a:xfrm>
+            <a:off x="6583680" y="7927920"/>
+            <a:ext cx="914400" cy="273960"/>
+            <a:chOff x="6583680" y="7927920"/>
+            <a:chExt cx="914400" cy="273960"/>
+          </a:xfrm>
+        </p:grpSpPr>
+        <p:sp>
+          <p:nvSpPr>
+            <p:cNvPr id="1428" name="CustomShape 123"/>
+            <p:cNvSpPr/>
+            <p:nvPr/>
+          </p:nvSpPr>
+          <p:spPr>
+            <a:xfrm>
+              <a:off x="6583680" y="7927920"/>
+              <a:ext cx="914040" cy="273960"/>
+            </a:xfrm>
+            <a:prstGeom prst="rect">
+              <a:avLst/>
+            </a:prstGeom>
+            <a:solidFill>
+              <a:srgbClr val="729fcf"/>
+            </a:solidFill>
+            <a:ln>
+              <a:solidFill>
+                <a:srgbClr val="3465a4"/>
+              </a:solidFill>
+            </a:ln>
+          </p:spPr>
+          <p:style>
+            <a:lnRef idx="0"/>
+            <a:fillRef idx="0"/>
+            <a:effectRef idx="0"/>
+            <a:fontRef idx="minor"/>
+          </p:style>
+        </p:sp>
+        <p:sp>
+          <p:nvSpPr>
+            <p:cNvPr id="1429" name="CustomShape 124"/>
+            <p:cNvSpPr/>
+            <p:nvPr/>
+          </p:nvSpPr>
+          <p:spPr>
+            <a:xfrm rot="10727400">
+              <a:off x="7316280" y="8021520"/>
+              <a:ext cx="180360" cy="135000"/>
+            </a:xfrm>
+            <a:custGeom>
+              <a:avLst/>
+              <a:gdLst/>
+              <a:ahLst/>
+              <a:rect l="l" t="t" r="r" b="b"/>
+              <a:pathLst>
+                <a:path w="1019" h="764">
+                  <a:moveTo>
+                    <a:pt x="508" y="0"/>
+                  </a:moveTo>
+                  <a:lnTo>
+                    <a:pt x="1018" y="763"/>
+                  </a:lnTo>
+                  <a:lnTo>
+                    <a:pt x="0" y="763"/>
+                  </a:lnTo>
+                  <a:lnTo>
+                    <a:pt x="508" y="0"/>
+                  </a:lnTo>
+                </a:path>
+              </a:pathLst>
+            </a:custGeom>
+            <a:solidFill>
+              <a:srgbClr val="ff860d"/>
+            </a:solidFill>
+            <a:ln>
+              <a:solidFill>
+                <a:srgbClr val="3465a4"/>
+              </a:solidFill>
+            </a:ln>
+          </p:spPr>
+          <p:style>
+            <a:lnRef idx="0"/>
+            <a:fillRef idx="0"/>
+            <a:effectRef idx="0"/>
+            <a:fontRef idx="minor"/>
+          </p:style>
+        </p:sp>
+        <p:sp>
+          <p:nvSpPr>
+            <p:cNvPr id="1430" name="CustomShape 125"/>
+            <p:cNvSpPr/>
+            <p:nvPr/>
+          </p:nvSpPr>
+          <p:spPr>
+            <a:xfrm>
+              <a:off x="6675120" y="7956360"/>
+              <a:ext cx="443880" cy="245520"/>
+            </a:xfrm>
+            <a:prstGeom prst="rect">
+              <a:avLst/>
+            </a:prstGeom>
+            <a:noFill/>
+            <a:ln>
+              <a:noFill/>
+            </a:ln>
+          </p:spPr>
+          <p:style>
+            <a:lnRef idx="0"/>
+            <a:fillRef idx="0"/>
+            <a:effectRef idx="0"/>
+            <a:fontRef idx="minor"/>
+          </p:style>
+          <p:txBody>
+            <a:bodyPr lIns="90000" rIns="90000" tIns="45000" bIns="45000">
+              <a:noAutofit/>
+            </a:bodyPr>
+            <a:p>
+              <a:pPr>
+                <a:lnSpc>
+                  <a:spcPct val="100000"/>
+                </a:lnSpc>
+              </a:pPr>
+              <a:r>
+                <a:rPr b="0" lang="en-US" sz="1100" spc="-1" strike="noStrike">
+                  <a:latin typeface="Arial"/>
+                </a:rPr>
+                <a:t>Line</a:t>
+              </a:r>
+              <a:endParaRPr b="0" lang="en-US" sz="1100" spc="-1" strike="noStrike">
+                <a:latin typeface="Arial"/>
+              </a:endParaRPr>
+            </a:p>
+          </p:txBody>
+        </p:sp>
+      </p:grpSp>
+      <p:grpSp>
+        <p:nvGrpSpPr>
+          <p:cNvPr id="1431" name="Group 126"/>
+          <p:cNvGrpSpPr/>
+          <p:nvPr/>
+        </p:nvGrpSpPr>
+        <p:grpSpPr>
+          <a:xfrm>
+            <a:off x="6583680" y="1843920"/>
+            <a:ext cx="914400" cy="273960"/>
+            <a:chOff x="6583680" y="1843920"/>
+            <a:chExt cx="914400" cy="273960"/>
+          </a:xfrm>
+        </p:grpSpPr>
+        <p:sp>
+          <p:nvSpPr>
+            <p:cNvPr id="1432" name="CustomShape 127"/>
+            <p:cNvSpPr/>
+            <p:nvPr/>
+          </p:nvSpPr>
+          <p:spPr>
+            <a:xfrm>
+              <a:off x="6583680" y="1843920"/>
+              <a:ext cx="914040" cy="273960"/>
+            </a:xfrm>
+            <a:prstGeom prst="rect">
+              <a:avLst/>
+            </a:prstGeom>
+            <a:solidFill>
+              <a:srgbClr val="729fcf"/>
+            </a:solidFill>
+            <a:ln>
+              <a:solidFill>
+                <a:srgbClr val="3465a4"/>
+              </a:solidFill>
+            </a:ln>
+          </p:spPr>
+          <p:style>
+            <a:lnRef idx="0"/>
+            <a:fillRef idx="0"/>
+            <a:effectRef idx="0"/>
+            <a:fontRef idx="minor"/>
+          </p:style>
+        </p:sp>
+        <p:sp>
+          <p:nvSpPr>
+            <p:cNvPr id="1433" name="CustomShape 128"/>
+            <p:cNvSpPr/>
+            <p:nvPr/>
+          </p:nvSpPr>
+          <p:spPr>
+            <a:xfrm rot="10727400">
+              <a:off x="7316280" y="1937520"/>
+              <a:ext cx="180360" cy="135000"/>
+            </a:xfrm>
+            <a:custGeom>
+              <a:avLst/>
+              <a:gdLst/>
+              <a:ahLst/>
+              <a:rect l="l" t="t" r="r" b="b"/>
+              <a:pathLst>
+                <a:path w="1019" h="764">
+                  <a:moveTo>
+                    <a:pt x="508" y="0"/>
+                  </a:moveTo>
+                  <a:lnTo>
+                    <a:pt x="1018" y="763"/>
+                  </a:lnTo>
+                  <a:lnTo>
+                    <a:pt x="0" y="763"/>
+                  </a:lnTo>
+                  <a:lnTo>
+                    <a:pt x="508" y="0"/>
+                  </a:lnTo>
+                </a:path>
+              </a:pathLst>
+            </a:custGeom>
+            <a:solidFill>
+              <a:srgbClr val="ff860d"/>
+            </a:solidFill>
+            <a:ln>
+              <a:solidFill>
+                <a:srgbClr val="3465a4"/>
+              </a:solidFill>
+            </a:ln>
+          </p:spPr>
+          <p:style>
+            <a:lnRef idx="0"/>
+            <a:fillRef idx="0"/>
+            <a:effectRef idx="0"/>
+            <a:fontRef idx="minor"/>
+          </p:style>
+        </p:sp>
+        <p:sp>
+          <p:nvSpPr>
+            <p:cNvPr id="1434" name="CustomShape 129"/>
+            <p:cNvSpPr/>
+            <p:nvPr/>
+          </p:nvSpPr>
+          <p:spPr>
+            <a:xfrm>
+              <a:off x="6675120" y="1872360"/>
+              <a:ext cx="443880" cy="245520"/>
+            </a:xfrm>
+            <a:prstGeom prst="rect">
+              <a:avLst/>
+            </a:prstGeom>
+            <a:noFill/>
+            <a:ln>
+              <a:noFill/>
+            </a:ln>
+          </p:spPr>
+          <p:style>
+            <a:lnRef idx="0"/>
+            <a:fillRef idx="0"/>
+            <a:effectRef idx="0"/>
+            <a:fontRef idx="minor"/>
+          </p:style>
+          <p:txBody>
+            <a:bodyPr lIns="90000" rIns="90000" tIns="45000" bIns="45000">
+              <a:noAutofit/>
+            </a:bodyPr>
+            <a:p>
+              <a:pPr>
+                <a:lnSpc>
+                  <a:spcPct val="100000"/>
+                </a:lnSpc>
+              </a:pPr>
+              <a:r>
+                <a:rPr b="0" lang="en-US" sz="1100" spc="-1" strike="noStrike">
+                  <a:latin typeface="Arial"/>
+                </a:rPr>
+                <a:t>Line</a:t>
+              </a:r>
+              <a:endParaRPr b="0" lang="en-US" sz="1100" spc="-1" strike="noStrike">
+                <a:latin typeface="Arial"/>
+              </a:endParaRPr>
+            </a:p>
+          </p:txBody>
+        </p:sp>
+      </p:grpSp>
+      <p:sp>
+        <p:nvSpPr>
+          <p:cNvPr id="1435" name="CustomShape 130"/>
           <p:cNvSpPr/>
           <p:nvPr/>
         </p:nvSpPr>
         <p:spPr>
           <a:xfrm>
-            <a:off x="5446080" y="5013360"/>
-            <a:ext cx="6166800" cy="0"/>
-          </a:xfrm>
-          <a:prstGeom prst="line">
-            <a:avLst/>
-          </a:prstGeom>
+            <a:off x="6583680" y="2887920"/>
+            <a:ext cx="914040" cy="273960"/>
+          </a:xfrm>
+          <a:prstGeom prst="rect">
+            <a:avLst/>
+          </a:prstGeom>
+          <a:solidFill>
+            <a:srgbClr val="729fcf"/>
+          </a:solidFill>
           <a:ln>
             <a:solidFill>
               <a:srgbClr val="3465a4"/>
@@ -56535,39 +55679,488 @@
           <a:fontRef idx="minor"/>
         </p:style>
       </p:sp>
-      <p:pic>
-        <p:nvPicPr>
-          <p:cNvPr id="1465" name="" descr=""/>
-          <p:cNvPicPr/>
-          <p:nvPr/>
-        </p:nvPicPr>
-        <p:blipFill>
-          <a:blip r:embed="rId18"/>
-          <a:stretch/>
-        </p:blipFill>
-        <p:spPr>
-          <a:xfrm>
-            <a:off x="5594400" y="6650640"/>
-            <a:ext cx="165960" cy="312480"/>
+      <p:sp>
+        <p:nvSpPr>
+          <p:cNvPr id="1436" name="CustomShape 131"/>
+          <p:cNvSpPr/>
+          <p:nvPr/>
+        </p:nvSpPr>
+        <p:spPr>
+          <a:xfrm rot="10727400">
+            <a:off x="7316280" y="2981520"/>
+            <a:ext cx="180360" cy="135000"/>
+          </a:xfrm>
+          <a:custGeom>
+            <a:avLst/>
+            <a:gdLst/>
+            <a:ahLst/>
+            <a:rect l="l" t="t" r="r" b="b"/>
+            <a:pathLst>
+              <a:path w="1019" h="764">
+                <a:moveTo>
+                  <a:pt x="508" y="0"/>
+                </a:moveTo>
+                <a:lnTo>
+                  <a:pt x="1018" y="763"/>
+                </a:lnTo>
+                <a:lnTo>
+                  <a:pt x="0" y="763"/>
+                </a:lnTo>
+                <a:lnTo>
+                  <a:pt x="508" y="0"/>
+                </a:lnTo>
+              </a:path>
+            </a:pathLst>
+          </a:custGeom>
+          <a:solidFill>
+            <a:srgbClr val="ff860d"/>
+          </a:solidFill>
+          <a:ln>
+            <a:solidFill>
+              <a:srgbClr val="3465a4"/>
+            </a:solidFill>
+          </a:ln>
+        </p:spPr>
+        <p:style>
+          <a:lnRef idx="0"/>
+          <a:fillRef idx="0"/>
+          <a:effectRef idx="0"/>
+          <a:fontRef idx="minor"/>
+        </p:style>
+      </p:sp>
+      <p:sp>
+        <p:nvSpPr>
+          <p:cNvPr id="1437" name="CustomShape 132"/>
+          <p:cNvSpPr/>
+          <p:nvPr/>
+        </p:nvSpPr>
+        <p:spPr>
+          <a:xfrm>
+            <a:off x="6675120" y="2916360"/>
+            <a:ext cx="437760" cy="245520"/>
           </a:xfrm>
           <a:prstGeom prst="rect">
             <a:avLst/>
           </a:prstGeom>
+          <a:noFill/>
           <a:ln>
             <a:noFill/>
           </a:ln>
         </p:spPr>
-      </p:pic>
-      <p:sp>
-        <p:nvSpPr>
-          <p:cNvPr id="1466" name="CustomShape 153"/>
+        <p:style>
+          <a:lnRef idx="0"/>
+          <a:fillRef idx="0"/>
+          <a:effectRef idx="0"/>
+          <a:fontRef idx="minor"/>
+        </p:style>
+        <p:txBody>
+          <a:bodyPr lIns="90000" rIns="90000" tIns="45000" bIns="45000">
+            <a:noAutofit/>
+          </a:bodyPr>
+          <a:p>
+            <a:pPr>
+              <a:lnSpc>
+                <a:spcPct val="100000"/>
+              </a:lnSpc>
+            </a:pPr>
+            <a:r>
+              <a:rPr b="0" lang="en-US" sz="1100" spc="-1" strike="noStrike">
+                <a:latin typeface="Arial"/>
+              </a:rPr>
+              <a:t>Port</a:t>
+            </a:r>
+            <a:endParaRPr b="0" lang="en-US" sz="1100" spc="-1" strike="noStrike">
+              <a:latin typeface="Arial"/>
+            </a:endParaRPr>
+          </a:p>
+        </p:txBody>
+      </p:sp>
+      <p:sp>
+        <p:nvSpPr>
+          <p:cNvPr id="1438" name="CustomShape 133"/>
           <p:cNvSpPr/>
           <p:nvPr/>
         </p:nvSpPr>
         <p:spPr>
           <a:xfrm>
-            <a:off x="5943600" y="6634080"/>
-            <a:ext cx="1602360" cy="345960"/>
+            <a:off x="6143040" y="1920240"/>
+            <a:ext cx="182520" cy="182520"/>
+          </a:xfrm>
+          <a:prstGeom prst="rect">
+            <a:avLst/>
+          </a:prstGeom>
+          <a:noFill/>
+          <a:ln>
+            <a:solidFill>
+              <a:srgbClr val="3465a4"/>
+            </a:solidFill>
+          </a:ln>
+        </p:spPr>
+        <p:style>
+          <a:lnRef idx="0"/>
+          <a:fillRef idx="0"/>
+          <a:effectRef idx="0"/>
+          <a:fontRef idx="minor"/>
+        </p:style>
+        <p:txBody>
+          <a:bodyPr wrap="none" lIns="90000" rIns="90000" tIns="45000" bIns="45000" anchor="ctr">
+            <a:noAutofit/>
+          </a:bodyPr>
+          <a:p>
+            <a:pPr algn="ctr">
+              <a:lnSpc>
+                <a:spcPct val="100000"/>
+              </a:lnSpc>
+            </a:pPr>
+            <a:r>
+              <a:rPr b="0" lang="en-US" sz="1800" spc="-1" strike="noStrike">
+                <a:solidFill>
+                  <a:srgbClr val="000000"/>
+                </a:solidFill>
+                <a:latin typeface="Arial"/>
+                <a:ea typeface="DejaVu Sans"/>
+              </a:rPr>
+              <a:t>X</a:t>
+            </a:r>
+            <a:endParaRPr b="0" lang="en-US" sz="1800" spc="-1" strike="noStrike">
+              <a:latin typeface="Arial"/>
+            </a:endParaRPr>
+          </a:p>
+        </p:txBody>
+      </p:sp>
+      <p:sp>
+        <p:nvSpPr>
+          <p:cNvPr id="1439" name="CustomShape 134"/>
+          <p:cNvSpPr/>
+          <p:nvPr/>
+        </p:nvSpPr>
+        <p:spPr>
+          <a:xfrm>
+            <a:off x="7691040" y="1920240"/>
+            <a:ext cx="182520" cy="182520"/>
+          </a:xfrm>
+          <a:prstGeom prst="rect">
+            <a:avLst/>
+          </a:prstGeom>
+          <a:noFill/>
+          <a:ln>
+            <a:solidFill>
+              <a:srgbClr val="3465a4"/>
+            </a:solidFill>
+          </a:ln>
+        </p:spPr>
+        <p:style>
+          <a:lnRef idx="0"/>
+          <a:fillRef idx="0"/>
+          <a:effectRef idx="0"/>
+          <a:fontRef idx="minor"/>
+        </p:style>
+        <p:txBody>
+          <a:bodyPr wrap="none" lIns="90000" rIns="90000" tIns="45000" bIns="45000" anchor="ctr">
+            <a:noAutofit/>
+          </a:bodyPr>
+          <a:p>
+            <a:pPr algn="ctr">
+              <a:lnSpc>
+                <a:spcPct val="100000"/>
+              </a:lnSpc>
+            </a:pPr>
+            <a:r>
+              <a:rPr b="0" lang="en-US" sz="1800" spc="-1" strike="noStrike">
+                <a:solidFill>
+                  <a:srgbClr val="000000"/>
+                </a:solidFill>
+                <a:latin typeface="Arial"/>
+                <a:ea typeface="DejaVu Sans"/>
+              </a:rPr>
+              <a:t>X</a:t>
+            </a:r>
+            <a:endParaRPr b="0" lang="en-US" sz="1800" spc="-1" strike="noStrike">
+              <a:latin typeface="Arial"/>
+            </a:endParaRPr>
+          </a:p>
+        </p:txBody>
+      </p:sp>
+      <p:sp>
+        <p:nvSpPr>
+          <p:cNvPr id="1440" name="CustomShape 135"/>
+          <p:cNvSpPr/>
+          <p:nvPr/>
+        </p:nvSpPr>
+        <p:spPr>
+          <a:xfrm>
+            <a:off x="6143040" y="2928240"/>
+            <a:ext cx="182520" cy="182520"/>
+          </a:xfrm>
+          <a:prstGeom prst="rect">
+            <a:avLst/>
+          </a:prstGeom>
+          <a:solidFill>
+            <a:srgbClr val="b2b2b2"/>
+          </a:solidFill>
+          <a:ln>
+            <a:solidFill>
+              <a:srgbClr val="3465a4"/>
+            </a:solidFill>
+          </a:ln>
+        </p:spPr>
+        <p:style>
+          <a:lnRef idx="0"/>
+          <a:fillRef idx="0"/>
+          <a:effectRef idx="0"/>
+          <a:fontRef idx="minor"/>
+        </p:style>
+      </p:sp>
+      <p:sp>
+        <p:nvSpPr>
+          <p:cNvPr id="1441" name="CustomShape 136"/>
+          <p:cNvSpPr/>
+          <p:nvPr/>
+        </p:nvSpPr>
+        <p:spPr>
+          <a:xfrm>
+            <a:off x="6143040" y="3936240"/>
+            <a:ext cx="182520" cy="182520"/>
+          </a:xfrm>
+          <a:prstGeom prst="rect">
+            <a:avLst/>
+          </a:prstGeom>
+          <a:noFill/>
+          <a:ln>
+            <a:solidFill>
+              <a:srgbClr val="3465a4"/>
+            </a:solidFill>
+          </a:ln>
+        </p:spPr>
+        <p:style>
+          <a:lnRef idx="0"/>
+          <a:fillRef idx="0"/>
+          <a:effectRef idx="0"/>
+          <a:fontRef idx="minor"/>
+        </p:style>
+        <p:txBody>
+          <a:bodyPr wrap="none" lIns="90000" rIns="90000" tIns="45000" bIns="45000" anchor="ctr">
+            <a:noAutofit/>
+          </a:bodyPr>
+          <a:p>
+            <a:pPr algn="ctr">
+              <a:lnSpc>
+                <a:spcPct val="100000"/>
+              </a:lnSpc>
+            </a:pPr>
+            <a:r>
+              <a:rPr b="0" lang="en-US" sz="1800" spc="-1" strike="noStrike">
+                <a:solidFill>
+                  <a:srgbClr val="000000"/>
+                </a:solidFill>
+                <a:latin typeface="Arial"/>
+                <a:ea typeface="DejaVu Sans"/>
+              </a:rPr>
+              <a:t>X</a:t>
+            </a:r>
+            <a:endParaRPr b="0" lang="en-US" sz="1800" spc="-1" strike="noStrike">
+              <a:latin typeface="Arial"/>
+            </a:endParaRPr>
+          </a:p>
+        </p:txBody>
+      </p:sp>
+      <p:sp>
+        <p:nvSpPr>
+          <p:cNvPr id="1442" name="CustomShape 137"/>
+          <p:cNvSpPr/>
+          <p:nvPr/>
+        </p:nvSpPr>
+        <p:spPr>
+          <a:xfrm>
+            <a:off x="6143040" y="4980240"/>
+            <a:ext cx="182520" cy="182520"/>
+          </a:xfrm>
+          <a:prstGeom prst="rect">
+            <a:avLst/>
+          </a:prstGeom>
+          <a:noFill/>
+          <a:ln>
+            <a:solidFill>
+              <a:srgbClr val="3465a4"/>
+            </a:solidFill>
+          </a:ln>
+        </p:spPr>
+        <p:style>
+          <a:lnRef idx="0"/>
+          <a:fillRef idx="0"/>
+          <a:effectRef idx="0"/>
+          <a:fontRef idx="minor"/>
+        </p:style>
+      </p:sp>
+      <p:sp>
+        <p:nvSpPr>
+          <p:cNvPr id="1443" name="CustomShape 138"/>
+          <p:cNvSpPr/>
+          <p:nvPr/>
+        </p:nvSpPr>
+        <p:spPr>
+          <a:xfrm>
+            <a:off x="6143040" y="7968240"/>
+            <a:ext cx="182520" cy="182520"/>
+          </a:xfrm>
+          <a:prstGeom prst="rect">
+            <a:avLst/>
+          </a:prstGeom>
+          <a:noFill/>
+          <a:ln>
+            <a:solidFill>
+              <a:srgbClr val="3465a4"/>
+            </a:solidFill>
+          </a:ln>
+        </p:spPr>
+        <p:style>
+          <a:lnRef idx="0"/>
+          <a:fillRef idx="0"/>
+          <a:effectRef idx="0"/>
+          <a:fontRef idx="minor"/>
+        </p:style>
+        <p:txBody>
+          <a:bodyPr wrap="none" lIns="90000" rIns="90000" tIns="45000" bIns="45000" anchor="ctr">
+            <a:noAutofit/>
+          </a:bodyPr>
+          <a:p>
+            <a:pPr algn="ctr">
+              <a:lnSpc>
+                <a:spcPct val="100000"/>
+              </a:lnSpc>
+            </a:pPr>
+            <a:r>
+              <a:rPr b="0" lang="en-US" sz="1800" spc="-1" strike="noStrike">
+                <a:solidFill>
+                  <a:srgbClr val="000000"/>
+                </a:solidFill>
+                <a:latin typeface="Arial"/>
+                <a:ea typeface="DejaVu Sans"/>
+              </a:rPr>
+              <a:t>X</a:t>
+            </a:r>
+            <a:endParaRPr b="0" lang="en-US" sz="1800" spc="-1" strike="noStrike">
+              <a:latin typeface="Arial"/>
+            </a:endParaRPr>
+          </a:p>
+        </p:txBody>
+      </p:sp>
+      <p:sp>
+        <p:nvSpPr>
+          <p:cNvPr id="1444" name="CustomShape 139"/>
+          <p:cNvSpPr/>
+          <p:nvPr/>
+        </p:nvSpPr>
+        <p:spPr>
+          <a:xfrm>
+            <a:off x="7691040" y="3936240"/>
+            <a:ext cx="182520" cy="182520"/>
+          </a:xfrm>
+          <a:prstGeom prst="rect">
+            <a:avLst/>
+          </a:prstGeom>
+          <a:noFill/>
+          <a:ln>
+            <a:solidFill>
+              <a:srgbClr val="3465a4"/>
+            </a:solidFill>
+          </a:ln>
+        </p:spPr>
+        <p:style>
+          <a:lnRef idx="0"/>
+          <a:fillRef idx="0"/>
+          <a:effectRef idx="0"/>
+          <a:fontRef idx="minor"/>
+        </p:style>
+        <p:txBody>
+          <a:bodyPr wrap="none" lIns="90000" rIns="90000" tIns="45000" bIns="45000" anchor="ctr">
+            <a:noAutofit/>
+          </a:bodyPr>
+          <a:p>
+            <a:pPr algn="ctr">
+              <a:lnSpc>
+                <a:spcPct val="100000"/>
+              </a:lnSpc>
+            </a:pPr>
+            <a:r>
+              <a:rPr b="0" lang="en-US" sz="1800" spc="-1" strike="noStrike">
+                <a:solidFill>
+                  <a:srgbClr val="000000"/>
+                </a:solidFill>
+                <a:latin typeface="Arial"/>
+                <a:ea typeface="DejaVu Sans"/>
+              </a:rPr>
+              <a:t>X</a:t>
+            </a:r>
+            <a:endParaRPr b="0" lang="en-US" sz="1800" spc="-1" strike="noStrike">
+              <a:latin typeface="Arial"/>
+            </a:endParaRPr>
+          </a:p>
+        </p:txBody>
+      </p:sp>
+      <p:sp>
+        <p:nvSpPr>
+          <p:cNvPr id="1445" name="CustomShape 140"/>
+          <p:cNvSpPr/>
+          <p:nvPr/>
+        </p:nvSpPr>
+        <p:spPr>
+          <a:xfrm>
+            <a:off x="7691040" y="7968240"/>
+            <a:ext cx="182520" cy="182520"/>
+          </a:xfrm>
+          <a:prstGeom prst="rect">
+            <a:avLst/>
+          </a:prstGeom>
+          <a:noFill/>
+          <a:ln>
+            <a:solidFill>
+              <a:srgbClr val="3465a4"/>
+            </a:solidFill>
+          </a:ln>
+        </p:spPr>
+        <p:style>
+          <a:lnRef idx="0"/>
+          <a:fillRef idx="0"/>
+          <a:effectRef idx="0"/>
+          <a:fontRef idx="minor"/>
+        </p:style>
+        <p:txBody>
+          <a:bodyPr wrap="none" lIns="90000" rIns="90000" tIns="45000" bIns="45000" anchor="ctr">
+            <a:noAutofit/>
+          </a:bodyPr>
+          <a:p>
+            <a:pPr algn="ctr">
+              <a:lnSpc>
+                <a:spcPct val="100000"/>
+              </a:lnSpc>
+            </a:pPr>
+            <a:r>
+              <a:rPr b="0" lang="en-US" sz="1800" spc="-1" strike="noStrike">
+                <a:solidFill>
+                  <a:srgbClr val="000000"/>
+                </a:solidFill>
+                <a:latin typeface="Arial"/>
+                <a:ea typeface="DejaVu Sans"/>
+              </a:rPr>
+              <a:t>X</a:t>
+            </a:r>
+            <a:endParaRPr b="0" lang="en-US" sz="1800" spc="-1" strike="noStrike">
+              <a:latin typeface="Arial"/>
+            </a:endParaRPr>
+          </a:p>
+        </p:txBody>
+      </p:sp>
+      <p:sp>
+        <p:nvSpPr>
+          <p:cNvPr id="1446" name="CustomShape 141"/>
+          <p:cNvSpPr/>
+          <p:nvPr/>
+        </p:nvSpPr>
+        <p:spPr>
+          <a:xfrm>
+            <a:off x="5891040" y="1277280"/>
+            <a:ext cx="726120" cy="345960"/>
           </a:xfrm>
           <a:prstGeom prst="rect">
             <a:avLst/>
@@ -56597,7 +56190,7 @@
               <a:rPr b="0" lang="en-US" sz="1800" spc="-1" strike="noStrike">
                 <a:latin typeface="Arial"/>
               </a:rPr>
-              <a:t>Yellow Bubble</a:t>
+              <a:t>Store</a:t>
             </a:r>
             <a:endParaRPr b="0" lang="en-US" sz="1800" spc="-1" strike="noStrike">
               <a:latin typeface="Arial"/>
@@ -56607,23 +56200,21 @@
       </p:sp>
       <p:sp>
         <p:nvSpPr>
-          <p:cNvPr id="1467" name="CustomShape 154"/>
+          <p:cNvPr id="1447" name="CustomShape 142"/>
           <p:cNvSpPr/>
           <p:nvPr/>
         </p:nvSpPr>
         <p:spPr>
           <a:xfrm>
-            <a:off x="5394960" y="6949440"/>
-            <a:ext cx="3383280" cy="548640"/>
-          </a:xfrm>
-          <a:prstGeom prst="ellipse">
+            <a:off x="7439040" y="1277280"/>
+            <a:ext cx="726120" cy="345960"/>
+          </a:xfrm>
+          <a:prstGeom prst="rect">
             <a:avLst/>
           </a:prstGeom>
           <a:noFill/>
           <a:ln>
-            <a:solidFill>
-              <a:srgbClr val="ff0000"/>
-            </a:solidFill>
+            <a:noFill/>
           </a:ln>
         </p:spPr>
         <p:style>
@@ -56632,21 +56223,590 @@
           <a:effectRef idx="0"/>
           <a:fontRef idx="minor"/>
         </p:style>
+        <p:txBody>
+          <a:bodyPr lIns="90000" rIns="90000" tIns="45000" bIns="45000">
+            <a:noAutofit/>
+          </a:bodyPr>
+          <a:p>
+            <a:pPr>
+              <a:lnSpc>
+                <a:spcPct val="100000"/>
+              </a:lnSpc>
+            </a:pPr>
+            <a:r>
+              <a:rPr b="0" lang="en-US" sz="1800" spc="-1" strike="noStrike">
+                <a:latin typeface="Arial"/>
+              </a:rPr>
+              <a:t>Store</a:t>
+            </a:r>
+            <a:endParaRPr b="0" lang="en-US" sz="1800" spc="-1" strike="noStrike">
+              <a:latin typeface="Arial"/>
+            </a:endParaRPr>
+          </a:p>
+        </p:txBody>
+      </p:sp>
+      <p:sp>
+        <p:nvSpPr>
+          <p:cNvPr id="1448" name="CustomShape 143"/>
+          <p:cNvSpPr/>
+          <p:nvPr/>
+        </p:nvSpPr>
+        <p:spPr>
+          <a:xfrm>
+            <a:off x="2743200" y="5717160"/>
+            <a:ext cx="3199680" cy="639360"/>
+          </a:xfrm>
+          <a:prstGeom prst="rect">
+            <a:avLst/>
+          </a:prstGeom>
+          <a:solidFill>
+            <a:srgbClr val="729fcf"/>
+          </a:solidFill>
+          <a:ln>
+            <a:solidFill>
+              <a:srgbClr val="3465a4"/>
+            </a:solidFill>
+          </a:ln>
+        </p:spPr>
+        <p:style>
+          <a:lnRef idx="0"/>
+          <a:fillRef idx="0"/>
+          <a:effectRef idx="0"/>
+          <a:fontRef idx="minor"/>
+        </p:style>
+      </p:sp>
+      <p:sp>
+        <p:nvSpPr>
+          <p:cNvPr id="1449" name="CustomShape 144"/>
+          <p:cNvSpPr/>
+          <p:nvPr/>
+        </p:nvSpPr>
+        <p:spPr>
+          <a:xfrm rot="10727400">
+            <a:off x="5484240" y="5900040"/>
+            <a:ext cx="365040" cy="273600"/>
+          </a:xfrm>
+          <a:custGeom>
+            <a:avLst/>
+            <a:gdLst/>
+            <a:ahLst/>
+            <a:rect l="l" t="t" r="r" b="b"/>
+            <a:pathLst>
+              <a:path w="1019" h="764">
+                <a:moveTo>
+                  <a:pt x="508" y="0"/>
+                </a:moveTo>
+                <a:lnTo>
+                  <a:pt x="1018" y="763"/>
+                </a:lnTo>
+                <a:lnTo>
+                  <a:pt x="0" y="763"/>
+                </a:lnTo>
+                <a:lnTo>
+                  <a:pt x="508" y="0"/>
+                </a:lnTo>
+              </a:path>
+            </a:pathLst>
+          </a:custGeom>
+          <a:solidFill>
+            <a:srgbClr val="ff860d"/>
+          </a:solidFill>
+          <a:ln>
+            <a:solidFill>
+              <a:srgbClr val="3465a4"/>
+            </a:solidFill>
+          </a:ln>
+        </p:spPr>
+        <p:style>
+          <a:lnRef idx="0"/>
+          <a:fillRef idx="0"/>
+          <a:effectRef idx="0"/>
+          <a:fontRef idx="minor"/>
+        </p:style>
+      </p:sp>
+      <p:sp>
+        <p:nvSpPr>
+          <p:cNvPr id="1450" name="CustomShape 145"/>
+          <p:cNvSpPr/>
+          <p:nvPr/>
+        </p:nvSpPr>
+        <p:spPr>
+          <a:xfrm>
+            <a:off x="3200400" y="5915160"/>
+            <a:ext cx="1645200" cy="301320"/>
+          </a:xfrm>
+          <a:prstGeom prst="rect">
+            <a:avLst/>
+          </a:prstGeom>
+          <a:noFill/>
+          <a:ln>
+            <a:noFill/>
+          </a:ln>
+        </p:spPr>
+        <p:style>
+          <a:lnRef idx="0"/>
+          <a:fillRef idx="0"/>
+          <a:effectRef idx="0"/>
+          <a:fontRef idx="minor"/>
+        </p:style>
+        <p:txBody>
+          <a:bodyPr lIns="90000" rIns="90000" tIns="45000" bIns="45000">
+            <a:noAutofit/>
+          </a:bodyPr>
+          <a:p>
+            <a:pPr>
+              <a:lnSpc>
+                <a:spcPct val="100000"/>
+              </a:lnSpc>
+            </a:pPr>
+            <a:r>
+              <a:rPr b="0" lang="en-US" sz="1500" spc="-1" strike="noStrike">
+                <a:solidFill>
+                  <a:srgbClr val="000000"/>
+                </a:solidFill>
+                <a:latin typeface="Arial"/>
+                <a:ea typeface="DejaVu Sans"/>
+              </a:rPr>
+              <a:t>Leeward Gate P</a:t>
+            </a:r>
+            <a:endParaRPr b="0" lang="en-US" sz="1500" spc="-1" strike="noStrike">
+              <a:latin typeface="Arial"/>
+            </a:endParaRPr>
+          </a:p>
+        </p:txBody>
+      </p:sp>
+      <p:sp>
+        <p:nvSpPr>
+          <p:cNvPr id="1451" name="CustomShape 146"/>
+          <p:cNvSpPr/>
+          <p:nvPr/>
+        </p:nvSpPr>
+        <p:spPr>
+          <a:xfrm>
+            <a:off x="2560320" y="5625720"/>
+            <a:ext cx="8868960" cy="822240"/>
+          </a:xfrm>
+          <a:prstGeom prst="rect">
+            <a:avLst/>
+          </a:prstGeom>
+          <a:noFill/>
+          <a:ln>
+            <a:solidFill>
+              <a:srgbClr val="3465a4"/>
+            </a:solidFill>
+          </a:ln>
+        </p:spPr>
+        <p:style>
+          <a:lnRef idx="0"/>
+          <a:fillRef idx="0"/>
+          <a:effectRef idx="0"/>
+          <a:fontRef idx="minor"/>
+        </p:style>
+      </p:sp>
+      <p:sp>
+        <p:nvSpPr>
+          <p:cNvPr id="1452" name="CustomShape 147"/>
+          <p:cNvSpPr/>
+          <p:nvPr/>
+        </p:nvSpPr>
+        <p:spPr>
+          <a:xfrm>
+            <a:off x="8046720" y="5717160"/>
+            <a:ext cx="3199680" cy="639360"/>
+          </a:xfrm>
+          <a:prstGeom prst="rect">
+            <a:avLst/>
+          </a:prstGeom>
+          <a:solidFill>
+            <a:srgbClr val="729fcf"/>
+          </a:solidFill>
+          <a:ln>
+            <a:solidFill>
+              <a:srgbClr val="3465a4"/>
+            </a:solidFill>
+          </a:ln>
+        </p:spPr>
+        <p:style>
+          <a:lnRef idx="0"/>
+          <a:fillRef idx="0"/>
+          <a:effectRef idx="0"/>
+          <a:fontRef idx="minor"/>
+        </p:style>
+      </p:sp>
+      <p:sp>
+        <p:nvSpPr>
+          <p:cNvPr id="1453" name="CustomShape 148"/>
+          <p:cNvSpPr/>
+          <p:nvPr/>
+        </p:nvSpPr>
+        <p:spPr>
+          <a:xfrm rot="10727400">
+            <a:off x="10787760" y="5900040"/>
+            <a:ext cx="365040" cy="273600"/>
+          </a:xfrm>
+          <a:custGeom>
+            <a:avLst/>
+            <a:gdLst/>
+            <a:ahLst/>
+            <a:rect l="l" t="t" r="r" b="b"/>
+            <a:pathLst>
+              <a:path w="1018" h="765">
+                <a:moveTo>
+                  <a:pt x="508" y="0"/>
+                </a:moveTo>
+                <a:lnTo>
+                  <a:pt x="1017" y="763"/>
+                </a:lnTo>
+                <a:lnTo>
+                  <a:pt x="0" y="764"/>
+                </a:lnTo>
+                <a:lnTo>
+                  <a:pt x="508" y="0"/>
+                </a:lnTo>
+              </a:path>
+            </a:pathLst>
+          </a:custGeom>
+          <a:solidFill>
+            <a:srgbClr val="ff860d"/>
+          </a:solidFill>
+          <a:ln>
+            <a:solidFill>
+              <a:srgbClr val="3465a4"/>
+            </a:solidFill>
+          </a:ln>
+        </p:spPr>
+        <p:style>
+          <a:lnRef idx="0"/>
+          <a:fillRef idx="0"/>
+          <a:effectRef idx="0"/>
+          <a:fontRef idx="minor"/>
+        </p:style>
+      </p:sp>
+      <p:sp>
+        <p:nvSpPr>
+          <p:cNvPr id="1454" name="CustomShape 149"/>
+          <p:cNvSpPr/>
+          <p:nvPr/>
+        </p:nvSpPr>
+        <p:spPr>
+          <a:xfrm>
+            <a:off x="8577360" y="5887440"/>
+            <a:ext cx="1603800" cy="301320"/>
+          </a:xfrm>
+          <a:prstGeom prst="rect">
+            <a:avLst/>
+          </a:prstGeom>
+          <a:noFill/>
+          <a:ln>
+            <a:noFill/>
+          </a:ln>
+        </p:spPr>
+        <p:style>
+          <a:lnRef idx="0"/>
+          <a:fillRef idx="0"/>
+          <a:effectRef idx="0"/>
+          <a:fontRef idx="minor"/>
+        </p:style>
+        <p:txBody>
+          <a:bodyPr lIns="90000" rIns="90000" tIns="45000" bIns="45000">
+            <a:noAutofit/>
+          </a:bodyPr>
+          <a:p>
+            <a:pPr>
+              <a:lnSpc>
+                <a:spcPct val="100000"/>
+              </a:lnSpc>
+            </a:pPr>
+            <a:r>
+              <a:rPr b="0" lang="en-US" sz="1500" spc="-1" strike="noStrike">
+                <a:solidFill>
+                  <a:srgbClr val="000000"/>
+                </a:solidFill>
+                <a:latin typeface="Arial"/>
+                <a:ea typeface="DejaVu Sans"/>
+              </a:rPr>
+              <a:t>Leeward Gate S</a:t>
+            </a:r>
+            <a:endParaRPr b="0" lang="en-US" sz="1500" spc="-1" strike="noStrike">
+              <a:latin typeface="Arial"/>
+            </a:endParaRPr>
+          </a:p>
+        </p:txBody>
+      </p:sp>
+      <p:sp>
+        <p:nvSpPr>
+          <p:cNvPr id="1455" name="CustomShape 150"/>
+          <p:cNvSpPr/>
+          <p:nvPr/>
+        </p:nvSpPr>
+        <p:spPr>
+          <a:xfrm>
+            <a:off x="11521440" y="5900040"/>
+            <a:ext cx="332280" cy="345600"/>
+          </a:xfrm>
+          <a:prstGeom prst="rect">
+            <a:avLst/>
+          </a:prstGeom>
+          <a:noFill/>
+          <a:ln>
+            <a:noFill/>
+          </a:ln>
+        </p:spPr>
+        <p:style>
+          <a:lnRef idx="0"/>
+          <a:fillRef idx="0"/>
+          <a:effectRef idx="0"/>
+          <a:fontRef idx="minor"/>
+        </p:style>
+        <p:txBody>
+          <a:bodyPr lIns="90000" rIns="90000" tIns="45000" bIns="45000">
+            <a:noAutofit/>
+          </a:bodyPr>
+          <a:p>
+            <a:pPr>
+              <a:lnSpc>
+                <a:spcPct val="100000"/>
+              </a:lnSpc>
+            </a:pPr>
+            <a:r>
+              <a:rPr b="1" lang="en-US" sz="1800" spc="-1" strike="noStrike">
+                <a:solidFill>
+                  <a:srgbClr val="ff0000"/>
+                </a:solidFill>
+                <a:latin typeface="Arial"/>
+                <a:ea typeface="DejaVu Sans"/>
+              </a:rPr>
+              <a:t>X</a:t>
+            </a:r>
+            <a:endParaRPr b="0" lang="en-US" sz="1800" spc="-1" strike="noStrike">
+              <a:latin typeface="Arial"/>
+            </a:endParaRPr>
+          </a:p>
+        </p:txBody>
+      </p:sp>
+      <p:sp>
+        <p:nvSpPr>
+          <p:cNvPr id="1456" name="CustomShape 151"/>
+          <p:cNvSpPr/>
+          <p:nvPr/>
+        </p:nvSpPr>
+        <p:spPr>
+          <a:xfrm>
+            <a:off x="2743200" y="6725160"/>
+            <a:ext cx="3199680" cy="639360"/>
+          </a:xfrm>
+          <a:prstGeom prst="rect">
+            <a:avLst/>
+          </a:prstGeom>
+          <a:solidFill>
+            <a:srgbClr val="729fcf"/>
+          </a:solidFill>
+          <a:ln>
+            <a:solidFill>
+              <a:srgbClr val="3465a4"/>
+            </a:solidFill>
+          </a:ln>
+        </p:spPr>
+        <p:style>
+          <a:lnRef idx="0"/>
+          <a:fillRef idx="0"/>
+          <a:effectRef idx="0"/>
+          <a:fontRef idx="minor"/>
+        </p:style>
+      </p:sp>
+      <p:sp>
+        <p:nvSpPr>
+          <p:cNvPr id="1457" name="CustomShape 152"/>
+          <p:cNvSpPr/>
+          <p:nvPr/>
+        </p:nvSpPr>
+        <p:spPr>
+          <a:xfrm rot="10727400">
+            <a:off x="5484240" y="6908040"/>
+            <a:ext cx="365040" cy="273600"/>
+          </a:xfrm>
+          <a:custGeom>
+            <a:avLst/>
+            <a:gdLst/>
+            <a:ahLst/>
+            <a:rect l="l" t="t" r="r" b="b"/>
+            <a:pathLst>
+              <a:path w="1018" h="765">
+                <a:moveTo>
+                  <a:pt x="508" y="0"/>
+                </a:moveTo>
+                <a:lnTo>
+                  <a:pt x="1017" y="763"/>
+                </a:lnTo>
+                <a:lnTo>
+                  <a:pt x="0" y="764"/>
+                </a:lnTo>
+                <a:lnTo>
+                  <a:pt x="508" y="0"/>
+                </a:lnTo>
+              </a:path>
+            </a:pathLst>
+          </a:custGeom>
+          <a:solidFill>
+            <a:srgbClr val="ff860d"/>
+          </a:solidFill>
+          <a:ln>
+            <a:solidFill>
+              <a:srgbClr val="3465a4"/>
+            </a:solidFill>
+          </a:ln>
+        </p:spPr>
+        <p:style>
+          <a:lnRef idx="0"/>
+          <a:fillRef idx="0"/>
+          <a:effectRef idx="0"/>
+          <a:fontRef idx="minor"/>
+        </p:style>
+      </p:sp>
+      <p:sp>
+        <p:nvSpPr>
+          <p:cNvPr id="1458" name="CustomShape 153"/>
+          <p:cNvSpPr/>
+          <p:nvPr/>
+        </p:nvSpPr>
+        <p:spPr>
+          <a:xfrm>
+            <a:off x="3200400" y="6893280"/>
+            <a:ext cx="1645200" cy="513000"/>
+          </a:xfrm>
+          <a:prstGeom prst="rect">
+            <a:avLst/>
+          </a:prstGeom>
+          <a:noFill/>
+          <a:ln>
+            <a:noFill/>
+          </a:ln>
+        </p:spPr>
+        <p:style>
+          <a:lnRef idx="0"/>
+          <a:fillRef idx="0"/>
+          <a:effectRef idx="0"/>
+          <a:fontRef idx="minor"/>
+        </p:style>
+        <p:txBody>
+          <a:bodyPr lIns="90000" rIns="90000" tIns="45000" bIns="45000">
+            <a:noAutofit/>
+          </a:bodyPr>
+          <a:p>
+            <a:pPr>
+              <a:lnSpc>
+                <a:spcPct val="100000"/>
+              </a:lnSpc>
+            </a:pPr>
+            <a:r>
+              <a:rPr b="0" lang="en-US" sz="1500" spc="-1" strike="noStrike">
+                <a:solidFill>
+                  <a:srgbClr val="000000"/>
+                </a:solidFill>
+                <a:latin typeface="Arial"/>
+                <a:ea typeface="DejaVu Sans"/>
+              </a:rPr>
+              <a:t>Windward Mark Red</a:t>
+            </a:r>
+            <a:endParaRPr b="0" lang="en-US" sz="1500" spc="-1" strike="noStrike">
+              <a:latin typeface="Arial"/>
+            </a:endParaRPr>
+          </a:p>
+        </p:txBody>
+      </p:sp>
+      <p:sp>
+        <p:nvSpPr>
+          <p:cNvPr id="1459" name="CustomShape 154"/>
+          <p:cNvSpPr/>
+          <p:nvPr/>
+        </p:nvSpPr>
+        <p:spPr>
+          <a:xfrm>
+            <a:off x="2560320" y="6633720"/>
+            <a:ext cx="8868960" cy="822240"/>
+          </a:xfrm>
+          <a:prstGeom prst="rect">
+            <a:avLst/>
+          </a:prstGeom>
+          <a:noFill/>
+          <a:ln>
+            <a:solidFill>
+              <a:srgbClr val="3465a4"/>
+            </a:solidFill>
+          </a:ln>
+        </p:spPr>
+        <p:style>
+          <a:lnRef idx="0"/>
+          <a:fillRef idx="0"/>
+          <a:effectRef idx="0"/>
+          <a:fontRef idx="minor"/>
+        </p:style>
+      </p:sp>
+      <p:sp>
+        <p:nvSpPr>
+          <p:cNvPr id="1460" name="CustomShape 155"/>
+          <p:cNvSpPr/>
+          <p:nvPr/>
+        </p:nvSpPr>
+        <p:spPr>
+          <a:xfrm>
+            <a:off x="11521440" y="6908040"/>
+            <a:ext cx="332280" cy="345600"/>
+          </a:xfrm>
+          <a:prstGeom prst="rect">
+            <a:avLst/>
+          </a:prstGeom>
+          <a:noFill/>
+          <a:ln>
+            <a:noFill/>
+          </a:ln>
+        </p:spPr>
+        <p:style>
+          <a:lnRef idx="0"/>
+          <a:fillRef idx="0"/>
+          <a:effectRef idx="0"/>
+          <a:fontRef idx="minor"/>
+        </p:style>
+        <p:txBody>
+          <a:bodyPr lIns="90000" rIns="90000" tIns="45000" bIns="45000">
+            <a:noAutofit/>
+          </a:bodyPr>
+          <a:p>
+            <a:pPr>
+              <a:lnSpc>
+                <a:spcPct val="100000"/>
+              </a:lnSpc>
+            </a:pPr>
+            <a:r>
+              <a:rPr b="1" lang="en-US" sz="1800" spc="-1" strike="noStrike">
+                <a:solidFill>
+                  <a:srgbClr val="ff0000"/>
+                </a:solidFill>
+                <a:latin typeface="Arial"/>
+                <a:ea typeface="DejaVu Sans"/>
+              </a:rPr>
+              <a:t>X</a:t>
+            </a:r>
+            <a:endParaRPr b="0" lang="en-US" sz="1800" spc="-1" strike="noStrike">
+              <a:latin typeface="Arial"/>
+            </a:endParaRPr>
+          </a:p>
+        </p:txBody>
       </p:sp>
       <p:pic>
         <p:nvPicPr>
-          <p:cNvPr id="1468" name="" descr=""/>
+          <p:cNvPr id="1461" name="" descr=""/>
           <p:cNvPicPr/>
           <p:nvPr/>
         </p:nvPicPr>
         <p:blipFill>
-          <a:blip r:embed="rId19"/>
+          <a:blip r:embed="rId11"/>
           <a:stretch/>
         </p:blipFill>
         <p:spPr>
           <a:xfrm>
-            <a:off x="3451320" y="2112840"/>
-            <a:ext cx="4667040" cy="3190680"/>
+            <a:off x="5109480" y="6829560"/>
+            <a:ext cx="284760" cy="398880"/>
           </a:xfrm>
           <a:prstGeom prst="rect">
             <a:avLst/>
@@ -56656,25 +56816,836 @@
           </a:ln>
         </p:spPr>
       </p:pic>
-      <p:sp>
-        <p:nvSpPr>
-          <p:cNvPr id="1469" name="Line 155"/>
+      <p:pic>
+        <p:nvPicPr>
+          <p:cNvPr id="1462" name="" descr=""/>
+          <p:cNvPicPr/>
+          <p:nvPr/>
+        </p:nvPicPr>
+        <p:blipFill>
+          <a:blip r:embed="rId12"/>
+          <a:stretch/>
+        </p:blipFill>
+        <p:spPr>
+          <a:xfrm>
+            <a:off x="5120640" y="5837400"/>
+            <a:ext cx="255960" cy="351360"/>
+          </a:xfrm>
+          <a:prstGeom prst="rect">
+            <a:avLst/>
+          </a:prstGeom>
+          <a:ln>
+            <a:noFill/>
+          </a:ln>
+        </p:spPr>
+      </p:pic>
+      <p:pic>
+        <p:nvPicPr>
+          <p:cNvPr id="1463" name="" descr=""/>
+          <p:cNvPicPr/>
+          <p:nvPr/>
+        </p:nvPicPr>
+        <p:blipFill>
+          <a:blip r:embed="rId13"/>
+          <a:stretch/>
+        </p:blipFill>
+        <p:spPr>
+          <a:xfrm>
+            <a:off x="10258920" y="5837400"/>
+            <a:ext cx="255960" cy="351360"/>
+          </a:xfrm>
+          <a:prstGeom prst="rect">
+            <a:avLst/>
+          </a:prstGeom>
+          <a:ln>
+            <a:noFill/>
+          </a:ln>
+        </p:spPr>
+      </p:pic>
+      <p:sp>
+        <p:nvSpPr>
+          <p:cNvPr id="1464" name="CustomShape 156"/>
           <p:cNvSpPr/>
           <p:nvPr/>
         </p:nvSpPr>
         <p:spPr>
-          <a:xfrm flipH="1" flipV="1">
-            <a:off x="5669280" y="4653360"/>
-            <a:ext cx="182880" cy="2376720"/>
-          </a:xfrm>
-          <a:prstGeom prst="line">
-            <a:avLst/>
-          </a:prstGeom>
+          <a:xfrm>
+            <a:off x="2790720" y="5809320"/>
+            <a:ext cx="457920" cy="457920"/>
+          </a:xfrm>
+          <a:prstGeom prst="ellipse">
+            <a:avLst/>
+          </a:prstGeom>
+          <a:solidFill>
+            <a:srgbClr val="ff972f"/>
+          </a:solidFill>
+          <a:ln>
+            <a:solidFill>
+              <a:srgbClr val="3465a4"/>
+            </a:solidFill>
+          </a:ln>
+        </p:spPr>
+        <p:style>
+          <a:lnRef idx="0"/>
+          <a:fillRef idx="0"/>
+          <a:effectRef idx="0"/>
+          <a:fontRef idx="minor"/>
+        </p:style>
+      </p:sp>
+      <p:sp>
+        <p:nvSpPr>
+          <p:cNvPr id="1465" name="CustomShape 157"/>
+          <p:cNvSpPr/>
+          <p:nvPr/>
+        </p:nvSpPr>
+        <p:spPr>
+          <a:xfrm>
+            <a:off x="2815560" y="5900760"/>
+            <a:ext cx="393480" cy="301320"/>
+          </a:xfrm>
+          <a:prstGeom prst="rect">
+            <a:avLst/>
+          </a:prstGeom>
+          <a:noFill/>
+          <a:ln>
+            <a:noFill/>
+          </a:ln>
+        </p:spPr>
+        <p:style>
+          <a:lnRef idx="0"/>
+          <a:fillRef idx="0"/>
+          <a:effectRef idx="0"/>
+          <a:fontRef idx="minor"/>
+        </p:style>
+        <p:txBody>
+          <a:bodyPr lIns="90000" rIns="90000" tIns="45000" bIns="45000">
+            <a:noAutofit/>
+          </a:bodyPr>
+          <a:p>
+            <a:pPr>
+              <a:lnSpc>
+                <a:spcPct val="100000"/>
+              </a:lnSpc>
+            </a:pPr>
+            <a:r>
+              <a:rPr b="0" lang="en-US" sz="1500" spc="-1" strike="noStrike">
+                <a:solidFill>
+                  <a:srgbClr val="000000"/>
+                </a:solidFill>
+                <a:latin typeface="Arial"/>
+                <a:ea typeface="DejaVu Sans"/>
+              </a:rPr>
+              <a:t>3p</a:t>
+            </a:r>
+            <a:endParaRPr b="0" lang="en-US" sz="1500" spc="-1" strike="noStrike">
+              <a:latin typeface="Arial"/>
+            </a:endParaRPr>
+          </a:p>
+        </p:txBody>
+      </p:sp>
+      <p:sp>
+        <p:nvSpPr>
+          <p:cNvPr id="1466" name="CustomShape 158"/>
+          <p:cNvSpPr/>
+          <p:nvPr/>
+        </p:nvSpPr>
+        <p:spPr>
+          <a:xfrm>
+            <a:off x="8118720" y="5809320"/>
+            <a:ext cx="457920" cy="457920"/>
+          </a:xfrm>
+          <a:prstGeom prst="ellipse">
+            <a:avLst/>
+          </a:prstGeom>
+          <a:solidFill>
+            <a:srgbClr val="ff972f"/>
+          </a:solidFill>
+          <a:ln>
+            <a:solidFill>
+              <a:srgbClr val="3465a4"/>
+            </a:solidFill>
+          </a:ln>
+        </p:spPr>
+        <p:style>
+          <a:lnRef idx="0"/>
+          <a:fillRef idx="0"/>
+          <a:effectRef idx="0"/>
+          <a:fontRef idx="minor"/>
+        </p:style>
+      </p:sp>
+      <p:sp>
+        <p:nvSpPr>
+          <p:cNvPr id="1467" name="CustomShape 159"/>
+          <p:cNvSpPr/>
+          <p:nvPr/>
+        </p:nvSpPr>
+        <p:spPr>
+          <a:xfrm>
+            <a:off x="8179560" y="5900760"/>
+            <a:ext cx="382680" cy="301320"/>
+          </a:xfrm>
+          <a:prstGeom prst="rect">
+            <a:avLst/>
+          </a:prstGeom>
+          <a:noFill/>
+          <a:ln>
+            <a:noFill/>
+          </a:ln>
+        </p:spPr>
+        <p:style>
+          <a:lnRef idx="0"/>
+          <a:fillRef idx="0"/>
+          <a:effectRef idx="0"/>
+          <a:fontRef idx="minor"/>
+        </p:style>
+        <p:txBody>
+          <a:bodyPr lIns="90000" rIns="90000" tIns="45000" bIns="45000">
+            <a:noAutofit/>
+          </a:bodyPr>
+          <a:p>
+            <a:pPr>
+              <a:lnSpc>
+                <a:spcPct val="100000"/>
+              </a:lnSpc>
+            </a:pPr>
+            <a:r>
+              <a:rPr b="0" lang="en-US" sz="1500" spc="-1" strike="noStrike">
+                <a:solidFill>
+                  <a:srgbClr val="000000"/>
+                </a:solidFill>
+                <a:latin typeface="Arial"/>
+                <a:ea typeface="DejaVu Sans"/>
+              </a:rPr>
+              <a:t>3s</a:t>
+            </a:r>
+            <a:endParaRPr b="0" lang="en-US" sz="1500" spc="-1" strike="noStrike">
+              <a:latin typeface="Arial"/>
+            </a:endParaRPr>
+          </a:p>
+        </p:txBody>
+      </p:sp>
+      <p:sp>
+        <p:nvSpPr>
+          <p:cNvPr id="1468" name="CustomShape 160"/>
+          <p:cNvSpPr/>
+          <p:nvPr/>
+        </p:nvSpPr>
+        <p:spPr>
+          <a:xfrm>
+            <a:off x="2790720" y="6781320"/>
+            <a:ext cx="457920" cy="457920"/>
+          </a:xfrm>
+          <a:prstGeom prst="ellipse">
+            <a:avLst/>
+          </a:prstGeom>
+          <a:solidFill>
+            <a:srgbClr val="ff972f"/>
+          </a:solidFill>
+          <a:ln>
+            <a:solidFill>
+              <a:srgbClr val="3465a4"/>
+            </a:solidFill>
+          </a:ln>
+        </p:spPr>
+        <p:style>
+          <a:lnRef idx="0"/>
+          <a:fillRef idx="0"/>
+          <a:effectRef idx="0"/>
+          <a:fontRef idx="minor"/>
+        </p:style>
+      </p:sp>
+      <p:sp>
+        <p:nvSpPr>
+          <p:cNvPr id="1469" name="CustomShape 161"/>
+          <p:cNvSpPr/>
+          <p:nvPr/>
+        </p:nvSpPr>
+        <p:spPr>
+          <a:xfrm>
+            <a:off x="2887560" y="6872760"/>
+            <a:ext cx="286560" cy="301320"/>
+          </a:xfrm>
+          <a:prstGeom prst="rect">
+            <a:avLst/>
+          </a:prstGeom>
+          <a:noFill/>
+          <a:ln>
+            <a:noFill/>
+          </a:ln>
+        </p:spPr>
+        <p:style>
+          <a:lnRef idx="0"/>
+          <a:fillRef idx="0"/>
+          <a:effectRef idx="0"/>
+          <a:fontRef idx="minor"/>
+        </p:style>
+        <p:txBody>
+          <a:bodyPr lIns="90000" rIns="90000" tIns="45000" bIns="45000">
+            <a:noAutofit/>
+          </a:bodyPr>
+          <a:p>
+            <a:pPr>
+              <a:lnSpc>
+                <a:spcPct val="100000"/>
+              </a:lnSpc>
+            </a:pPr>
+            <a:r>
+              <a:rPr b="0" lang="en-US" sz="1500" spc="-1" strike="noStrike">
+                <a:solidFill>
+                  <a:srgbClr val="000000"/>
+                </a:solidFill>
+                <a:latin typeface="Arial"/>
+                <a:ea typeface="DejaVu Sans"/>
+              </a:rPr>
+              <a:t>1</a:t>
+            </a:r>
+            <a:endParaRPr b="0" lang="en-US" sz="1500" spc="-1" strike="noStrike">
+              <a:latin typeface="Arial"/>
+            </a:endParaRPr>
+          </a:p>
+        </p:txBody>
+      </p:sp>
+      <p:sp>
+        <p:nvSpPr>
+          <p:cNvPr id="1470" name="CustomShape 162"/>
+          <p:cNvSpPr/>
+          <p:nvPr/>
+        </p:nvSpPr>
+        <p:spPr>
+          <a:xfrm>
+            <a:off x="11521800" y="6449040"/>
+            <a:ext cx="273600" cy="273600"/>
+          </a:xfrm>
+          <a:prstGeom prst="ellipse">
+            <a:avLst/>
+          </a:prstGeom>
+          <a:noFill/>
+          <a:ln>
+            <a:solidFill>
+              <a:srgbClr val="3465a4"/>
+            </a:solidFill>
+          </a:ln>
+        </p:spPr>
+        <p:style>
+          <a:lnRef idx="0"/>
+          <a:fillRef idx="0"/>
+          <a:effectRef idx="0"/>
+          <a:fontRef idx="minor"/>
+        </p:style>
+        <p:txBody>
+          <a:bodyPr wrap="none" lIns="90000" rIns="90000" tIns="45000" bIns="45000" anchor="ctr">
+            <a:noAutofit/>
+          </a:bodyPr>
+          <a:p>
+            <a:pPr algn="ctr">
+              <a:lnSpc>
+                <a:spcPct val="100000"/>
+              </a:lnSpc>
+            </a:pPr>
+            <a:r>
+              <a:rPr b="0" lang="en-US" sz="1800" spc="-1" strike="noStrike">
+                <a:solidFill>
+                  <a:srgbClr val="000000"/>
+                </a:solidFill>
+                <a:latin typeface="Arial"/>
+                <a:ea typeface="DejaVu Sans"/>
+              </a:rPr>
+              <a:t>+</a:t>
+            </a:r>
+            <a:endParaRPr b="0" lang="en-US" sz="1800" spc="-1" strike="noStrike">
+              <a:latin typeface="Arial"/>
+            </a:endParaRPr>
+          </a:p>
+        </p:txBody>
+      </p:sp>
+      <p:sp>
+        <p:nvSpPr>
+          <p:cNvPr id="1471" name="CustomShape 163"/>
+          <p:cNvSpPr/>
+          <p:nvPr/>
+        </p:nvSpPr>
+        <p:spPr>
+          <a:xfrm>
+            <a:off x="11521800" y="7385040"/>
+            <a:ext cx="273600" cy="273600"/>
+          </a:xfrm>
+          <a:prstGeom prst="ellipse">
+            <a:avLst/>
+          </a:prstGeom>
+          <a:noFill/>
+          <a:ln>
+            <a:solidFill>
+              <a:srgbClr val="3465a4"/>
+            </a:solidFill>
+          </a:ln>
+        </p:spPr>
+        <p:style>
+          <a:lnRef idx="0"/>
+          <a:fillRef idx="0"/>
+          <a:effectRef idx="0"/>
+          <a:fontRef idx="minor"/>
+        </p:style>
+        <p:txBody>
+          <a:bodyPr wrap="none" lIns="90000" rIns="90000" tIns="45000" bIns="45000" anchor="ctr">
+            <a:noAutofit/>
+          </a:bodyPr>
+          <a:p>
+            <a:pPr algn="ctr">
+              <a:lnSpc>
+                <a:spcPct val="100000"/>
+              </a:lnSpc>
+            </a:pPr>
+            <a:r>
+              <a:rPr b="0" lang="en-US" sz="1800" spc="-1" strike="noStrike">
+                <a:solidFill>
+                  <a:srgbClr val="000000"/>
+                </a:solidFill>
+                <a:latin typeface="Arial"/>
+                <a:ea typeface="DejaVu Sans"/>
+              </a:rPr>
+              <a:t>+</a:t>
+            </a:r>
+            <a:endParaRPr b="0" lang="en-US" sz="1800" spc="-1" strike="noStrike">
+              <a:latin typeface="Arial"/>
+            </a:endParaRPr>
+          </a:p>
+        </p:txBody>
+      </p:sp>
+      <p:grpSp>
+        <p:nvGrpSpPr>
+          <p:cNvPr id="1472" name="Group 164"/>
+          <p:cNvGrpSpPr/>
+          <p:nvPr/>
+        </p:nvGrpSpPr>
+        <p:grpSpPr>
+          <a:xfrm>
+            <a:off x="6583680" y="5912280"/>
+            <a:ext cx="914400" cy="273960"/>
+            <a:chOff x="6583680" y="5912280"/>
+            <a:chExt cx="914400" cy="273960"/>
+          </a:xfrm>
+        </p:grpSpPr>
+        <p:sp>
+          <p:nvSpPr>
+            <p:cNvPr id="1473" name="CustomShape 165"/>
+            <p:cNvSpPr/>
+            <p:nvPr/>
+          </p:nvSpPr>
+          <p:spPr>
+            <a:xfrm>
+              <a:off x="6583680" y="5912280"/>
+              <a:ext cx="914040" cy="273960"/>
+            </a:xfrm>
+            <a:prstGeom prst="rect">
+              <a:avLst/>
+            </a:prstGeom>
+            <a:solidFill>
+              <a:srgbClr val="729fcf"/>
+            </a:solidFill>
+            <a:ln>
+              <a:solidFill>
+                <a:srgbClr val="3465a4"/>
+              </a:solidFill>
+            </a:ln>
+          </p:spPr>
+          <p:style>
+            <a:lnRef idx="0"/>
+            <a:fillRef idx="0"/>
+            <a:effectRef idx="0"/>
+            <a:fontRef idx="minor"/>
+          </p:style>
+        </p:sp>
+        <p:sp>
+          <p:nvSpPr>
+            <p:cNvPr id="1474" name="CustomShape 166"/>
+            <p:cNvSpPr/>
+            <p:nvPr/>
+          </p:nvSpPr>
+          <p:spPr>
+            <a:xfrm rot="10727400">
+              <a:off x="7316280" y="6005880"/>
+              <a:ext cx="180360" cy="135000"/>
+            </a:xfrm>
+            <a:custGeom>
+              <a:avLst/>
+              <a:gdLst/>
+              <a:ahLst/>
+              <a:rect l="l" t="t" r="r" b="b"/>
+              <a:pathLst>
+                <a:path w="1019" h="764">
+                  <a:moveTo>
+                    <a:pt x="508" y="0"/>
+                  </a:moveTo>
+                  <a:lnTo>
+                    <a:pt x="1018" y="763"/>
+                  </a:lnTo>
+                  <a:lnTo>
+                    <a:pt x="0" y="763"/>
+                  </a:lnTo>
+                  <a:lnTo>
+                    <a:pt x="508" y="0"/>
+                  </a:lnTo>
+                </a:path>
+              </a:pathLst>
+            </a:custGeom>
+            <a:solidFill>
+              <a:srgbClr val="ff860d"/>
+            </a:solidFill>
+            <a:ln>
+              <a:solidFill>
+                <a:srgbClr val="3465a4"/>
+              </a:solidFill>
+            </a:ln>
+          </p:spPr>
+          <p:style>
+            <a:lnRef idx="0"/>
+            <a:fillRef idx="0"/>
+            <a:effectRef idx="0"/>
+            <a:fontRef idx="minor"/>
+          </p:style>
+        </p:sp>
+        <p:sp>
+          <p:nvSpPr>
+            <p:cNvPr id="1475" name="CustomShape 167"/>
+            <p:cNvSpPr/>
+            <p:nvPr/>
+          </p:nvSpPr>
+          <p:spPr>
+            <a:xfrm>
+              <a:off x="6675120" y="5940720"/>
+              <a:ext cx="485280" cy="245520"/>
+            </a:xfrm>
+            <a:prstGeom prst="rect">
+              <a:avLst/>
+            </a:prstGeom>
+            <a:noFill/>
+            <a:ln>
+              <a:noFill/>
+            </a:ln>
+          </p:spPr>
+          <p:style>
+            <a:lnRef idx="0"/>
+            <a:fillRef idx="0"/>
+            <a:effectRef idx="0"/>
+            <a:fontRef idx="minor"/>
+          </p:style>
+          <p:txBody>
+            <a:bodyPr lIns="90000" rIns="90000" tIns="45000" bIns="45000">
+              <a:noAutofit/>
+            </a:bodyPr>
+            <a:p>
+              <a:pPr>
+                <a:lnSpc>
+                  <a:spcPct val="100000"/>
+                </a:lnSpc>
+              </a:pPr>
+              <a:r>
+                <a:rPr b="0" lang="en-US" sz="1100" spc="-1" strike="noStrike">
+                  <a:latin typeface="Arial"/>
+                </a:rPr>
+                <a:t>Gate</a:t>
+              </a:r>
+              <a:endParaRPr b="0" lang="en-US" sz="1100" spc="-1" strike="noStrike">
+                <a:latin typeface="Arial"/>
+              </a:endParaRPr>
+            </a:p>
+          </p:txBody>
+        </p:sp>
+      </p:grpSp>
+      <p:grpSp>
+        <p:nvGrpSpPr>
+          <p:cNvPr id="1476" name="Group 168"/>
+          <p:cNvGrpSpPr/>
+          <p:nvPr/>
+        </p:nvGrpSpPr>
+        <p:grpSpPr>
+          <a:xfrm>
+            <a:off x="6583680" y="6884280"/>
+            <a:ext cx="914400" cy="273960"/>
+            <a:chOff x="6583680" y="6884280"/>
+            <a:chExt cx="914400" cy="273960"/>
+          </a:xfrm>
+        </p:grpSpPr>
+        <p:sp>
+          <p:nvSpPr>
+            <p:cNvPr id="1477" name="CustomShape 169"/>
+            <p:cNvSpPr/>
+            <p:nvPr/>
+          </p:nvSpPr>
+          <p:spPr>
+            <a:xfrm>
+              <a:off x="6583680" y="6884280"/>
+              <a:ext cx="914040" cy="273960"/>
+            </a:xfrm>
+            <a:prstGeom prst="rect">
+              <a:avLst/>
+            </a:prstGeom>
+            <a:solidFill>
+              <a:srgbClr val="729fcf"/>
+            </a:solidFill>
+            <a:ln>
+              <a:solidFill>
+                <a:srgbClr val="3465a4"/>
+              </a:solidFill>
+            </a:ln>
+          </p:spPr>
+          <p:style>
+            <a:lnRef idx="0"/>
+            <a:fillRef idx="0"/>
+            <a:effectRef idx="0"/>
+            <a:fontRef idx="minor"/>
+          </p:style>
+        </p:sp>
+        <p:sp>
+          <p:nvSpPr>
+            <p:cNvPr id="1478" name="CustomShape 170"/>
+            <p:cNvSpPr/>
+            <p:nvPr/>
+          </p:nvSpPr>
+          <p:spPr>
+            <a:xfrm rot="10727400">
+              <a:off x="7316280" y="6977880"/>
+              <a:ext cx="180360" cy="135000"/>
+            </a:xfrm>
+            <a:custGeom>
+              <a:avLst/>
+              <a:gdLst/>
+              <a:ahLst/>
+              <a:rect l="l" t="t" r="r" b="b"/>
+              <a:pathLst>
+                <a:path w="1019" h="764">
+                  <a:moveTo>
+                    <a:pt x="508" y="0"/>
+                  </a:moveTo>
+                  <a:lnTo>
+                    <a:pt x="1018" y="763"/>
+                  </a:lnTo>
+                  <a:lnTo>
+                    <a:pt x="0" y="763"/>
+                  </a:lnTo>
+                  <a:lnTo>
+                    <a:pt x="508" y="0"/>
+                  </a:lnTo>
+                </a:path>
+              </a:pathLst>
+            </a:custGeom>
+            <a:solidFill>
+              <a:srgbClr val="ff860d"/>
+            </a:solidFill>
+            <a:ln>
+              <a:solidFill>
+                <a:srgbClr val="3465a4"/>
+              </a:solidFill>
+            </a:ln>
+          </p:spPr>
+          <p:style>
+            <a:lnRef idx="0"/>
+            <a:fillRef idx="0"/>
+            <a:effectRef idx="0"/>
+            <a:fontRef idx="minor"/>
+          </p:style>
+        </p:sp>
+        <p:sp>
+          <p:nvSpPr>
+            <p:cNvPr id="1479" name="CustomShape 171"/>
+            <p:cNvSpPr/>
+            <p:nvPr/>
+          </p:nvSpPr>
+          <p:spPr>
+            <a:xfrm>
+              <a:off x="6675120" y="6912720"/>
+              <a:ext cx="437760" cy="245520"/>
+            </a:xfrm>
+            <a:prstGeom prst="rect">
+              <a:avLst/>
+            </a:prstGeom>
+            <a:noFill/>
+            <a:ln>
+              <a:noFill/>
+            </a:ln>
+          </p:spPr>
+          <p:style>
+            <a:lnRef idx="0"/>
+            <a:fillRef idx="0"/>
+            <a:effectRef idx="0"/>
+            <a:fontRef idx="minor"/>
+          </p:style>
+          <p:txBody>
+            <a:bodyPr lIns="90000" rIns="90000" tIns="45000" bIns="45000">
+              <a:noAutofit/>
+            </a:bodyPr>
+            <a:p>
+              <a:pPr>
+                <a:lnSpc>
+                  <a:spcPct val="100000"/>
+                </a:lnSpc>
+              </a:pPr>
+              <a:r>
+                <a:rPr b="0" lang="en-US" sz="1100" spc="-1" strike="noStrike">
+                  <a:latin typeface="Arial"/>
+                </a:rPr>
+                <a:t>Port</a:t>
+              </a:r>
+              <a:endParaRPr b="0" lang="en-US" sz="1100" spc="-1" strike="noStrike">
+                <a:latin typeface="Arial"/>
+              </a:endParaRPr>
+            </a:p>
+          </p:txBody>
+        </p:sp>
+      </p:grpSp>
+      <p:sp>
+        <p:nvSpPr>
+          <p:cNvPr id="1480" name="CustomShape 172"/>
+          <p:cNvSpPr/>
+          <p:nvPr/>
+        </p:nvSpPr>
+        <p:spPr>
+          <a:xfrm>
+            <a:off x="6143040" y="5916600"/>
+            <a:ext cx="182520" cy="182520"/>
+          </a:xfrm>
+          <a:prstGeom prst="rect">
+            <a:avLst/>
+          </a:prstGeom>
+          <a:noFill/>
+          <a:ln>
+            <a:solidFill>
+              <a:srgbClr val="3465a4"/>
+            </a:solidFill>
+          </a:ln>
+        </p:spPr>
+        <p:style>
+          <a:lnRef idx="0"/>
+          <a:fillRef idx="0"/>
+          <a:effectRef idx="0"/>
+          <a:fontRef idx="minor"/>
+        </p:style>
+        <p:txBody>
+          <a:bodyPr wrap="none" lIns="90000" rIns="90000" tIns="45000" bIns="45000" anchor="ctr">
+            <a:noAutofit/>
+          </a:bodyPr>
+          <a:p>
+            <a:pPr algn="ctr">
+              <a:lnSpc>
+                <a:spcPct val="100000"/>
+              </a:lnSpc>
+            </a:pPr>
+            <a:r>
+              <a:rPr b="0" lang="en-US" sz="1800" spc="-1" strike="noStrike">
+                <a:solidFill>
+                  <a:srgbClr val="000000"/>
+                </a:solidFill>
+                <a:latin typeface="Arial"/>
+                <a:ea typeface="DejaVu Sans"/>
+              </a:rPr>
+              <a:t>X</a:t>
+            </a:r>
+            <a:endParaRPr b="0" lang="en-US" sz="1800" spc="-1" strike="noStrike">
+              <a:latin typeface="Arial"/>
+            </a:endParaRPr>
+          </a:p>
+        </p:txBody>
+      </p:sp>
+      <p:sp>
+        <p:nvSpPr>
+          <p:cNvPr id="1481" name="CustomShape 173"/>
+          <p:cNvSpPr/>
+          <p:nvPr/>
+        </p:nvSpPr>
+        <p:spPr>
+          <a:xfrm>
+            <a:off x="6143040" y="6960600"/>
+            <a:ext cx="182520" cy="182520"/>
+          </a:xfrm>
+          <a:prstGeom prst="rect">
+            <a:avLst/>
+          </a:prstGeom>
+          <a:noFill/>
+          <a:ln>
+            <a:solidFill>
+              <a:srgbClr val="3465a4"/>
+            </a:solidFill>
+          </a:ln>
+        </p:spPr>
+        <p:style>
+          <a:lnRef idx="0"/>
+          <a:fillRef idx="0"/>
+          <a:effectRef idx="0"/>
+          <a:fontRef idx="minor"/>
+        </p:style>
+      </p:sp>
+      <p:sp>
+        <p:nvSpPr>
+          <p:cNvPr id="1482" name="CustomShape 174"/>
+          <p:cNvSpPr/>
+          <p:nvPr/>
+        </p:nvSpPr>
+        <p:spPr>
+          <a:xfrm>
+            <a:off x="7691040" y="5916600"/>
+            <a:ext cx="182520" cy="182520"/>
+          </a:xfrm>
+          <a:prstGeom prst="rect">
+            <a:avLst/>
+          </a:prstGeom>
+          <a:noFill/>
+          <a:ln>
+            <a:solidFill>
+              <a:srgbClr val="3465a4"/>
+            </a:solidFill>
+          </a:ln>
+        </p:spPr>
+        <p:style>
+          <a:lnRef idx="0"/>
+          <a:fillRef idx="0"/>
+          <a:effectRef idx="0"/>
+          <a:fontRef idx="minor"/>
+        </p:style>
+        <p:txBody>
+          <a:bodyPr wrap="none" lIns="90000" rIns="90000" tIns="45000" bIns="45000" anchor="ctr">
+            <a:noAutofit/>
+          </a:bodyPr>
+          <a:p>
+            <a:pPr algn="ctr">
+              <a:lnSpc>
+                <a:spcPct val="100000"/>
+              </a:lnSpc>
+            </a:pPr>
+            <a:r>
+              <a:rPr b="0" lang="en-US" sz="1800" spc="-1" strike="noStrike">
+                <a:solidFill>
+                  <a:srgbClr val="000000"/>
+                </a:solidFill>
+                <a:latin typeface="Arial"/>
+                <a:ea typeface="DejaVu Sans"/>
+              </a:rPr>
+              <a:t>X</a:t>
+            </a:r>
+            <a:endParaRPr b="0" lang="en-US" sz="1800" spc="-1" strike="noStrike">
+              <a:latin typeface="Arial"/>
+            </a:endParaRPr>
+          </a:p>
+        </p:txBody>
+      </p:sp>
+      <p:sp>
+        <p:nvSpPr>
+          <p:cNvPr id="1483" name="CustomShape 175"/>
+          <p:cNvSpPr/>
+          <p:nvPr/>
+        </p:nvSpPr>
+        <p:spPr>
+          <a:xfrm>
+            <a:off x="8503920" y="274320"/>
+            <a:ext cx="822960" cy="734760"/>
+          </a:xfrm>
+          <a:prstGeom prst="ellipse">
+            <a:avLst/>
+          </a:prstGeom>
+          <a:noFill/>
           <a:ln>
             <a:solidFill>
               <a:srgbClr val="ff0000"/>
             </a:solidFill>
-            <a:tailEnd len="med" type="triangle" w="med"/>
           </a:ln>
         </p:spPr>
         <p:style>
